--- a/Proposal.pptx
+++ b/Proposal.pptx
@@ -8,9 +8,9 @@
     <p:notesMasterId r:id="rId5"/>
   </p:notesMasterIdLst>
   <p:sldIdLst>
-    <p:sldId id="3838" r:id="rId2"/>
-    <p:sldId id="3853" r:id="rId3"/>
-    <p:sldId id="3854" r:id="rId4"/>
+    <p:sldId id="3856" r:id="rId2"/>
+    <p:sldId id="3857" r:id="rId3"/>
+    <p:sldId id="3858" r:id="rId4"/>
   </p:sldIdLst>
   <p:sldSz cx="12192000" cy="6858000"/>
   <p:notesSz cx="6799263" cy="9929813"/>
@@ -111,7 +111,7 @@
   </p:defaultTextStyle>
   <p:extLst>
     <p:ext uri="{EFAFB233-063F-42B5-8137-9DF3F51BA10A}">
-      <p15:sldGuideLst xmlns:p15="http://schemas.microsoft.com/office/powerpoint/2012/main"/>
+      <p15:sldGuideLst xmlns="" xmlns:p15="http://schemas.microsoft.com/office/powerpoint/2012/main"/>
     </p:ext>
   </p:extLst>
 </p:presentation>
@@ -122,7 +122,7 @@
   <p:cmAuthor id="1" name="暄 劉" initials="暄" lastIdx="3" clrIdx="0">
     <p:extLst>
       <p:ext uri="{19B8F6BF-5375-455C-9EA6-DF929625EA0E}">
-        <p15:presenceInfo xmlns:p15="http://schemas.microsoft.com/office/powerpoint/2012/main" userId="2b1cc6d0c5f02b95" providerId="Windows Live"/>
+        <p15:presenceInfo xmlns="" xmlns:p15="http://schemas.microsoft.com/office/powerpoint/2012/main" userId="2b1cc6d0c5f02b95" providerId="Windows Live"/>
       </p:ext>
     </p:extLst>
   </p:cmAuthor>
@@ -211,7 +211,8 @@
           <a:p>
             <a:fld id="{DD4DD772-7209-C245-981A-1A2440230A0C}" type="datetimeFigureOut">
               <a:rPr lang="en-US" smtClean="0"/>
-              <a:t>11/3/2020</a:t>
+              <a:pPr/>
+              <a:t>11/8/2020</a:t>
             </a:fld>
             <a:endParaRPr lang="en-US" dirty="0"/>
           </a:p>
@@ -369,6 +370,7 @@
           <a:p>
             <a:fld id="{F04FAADE-AF7C-674A-8416-E968B9033EF2}" type="slidenum">
               <a:rPr lang="en-US" smtClean="0"/>
+              <a:pPr/>
               <a:t>‹#›</a:t>
             </a:fld>
             <a:endParaRPr lang="en-US" dirty="0"/>
@@ -378,7 +380,7 @@
     </p:spTree>
     <p:extLst>
       <p:ext uri="{BB962C8B-B14F-4D97-AF65-F5344CB8AC3E}">
-        <p14:creationId xmlns:p14="http://schemas.microsoft.com/office/powerpoint/2010/main" val="696506946"/>
+        <p14:creationId xmlns="" xmlns:p14="http://schemas.microsoft.com/office/powerpoint/2010/main" val="696506946"/>
       </p:ext>
     </p:extLst>
   </p:cSld>
@@ -478,90 +480,6 @@
 </p:notesMaster>
 </file>
 
-<file path=ppt/notesSlides/notesSlide1.xml><?xml version="1.0" encoding="utf-8"?>
-<p:notes xmlns:a="http://schemas.openxmlformats.org/drawingml/2006/main" xmlns:r="http://schemas.openxmlformats.org/officeDocument/2006/relationships" xmlns:p="http://schemas.openxmlformats.org/presentationml/2006/main">
-  <p:cSld>
-    <p:spTree>
-      <p:nvGrpSpPr>
-        <p:cNvPr id="1" name=""/>
-        <p:cNvGrpSpPr/>
-        <p:nvPr/>
-      </p:nvGrpSpPr>
-      <p:grpSpPr>
-        <a:xfrm>
-          <a:off x="0" y="0"/>
-          <a:ext cx="0" cy="0"/>
-          <a:chOff x="0" y="0"/>
-          <a:chExt cx="0" cy="0"/>
-        </a:xfrm>
-      </p:grpSpPr>
-      <p:sp>
-        <p:nvSpPr>
-          <p:cNvPr id="2" name="投影片影像版面配置區 1"/>
-          <p:cNvSpPr>
-            <a:spLocks noGrp="1" noRot="1" noChangeAspect="1"/>
-          </p:cNvSpPr>
-          <p:nvPr>
-            <p:ph type="sldImg"/>
-          </p:nvPr>
-        </p:nvSpPr>
-        <p:spPr/>
-      </p:sp>
-      <p:sp>
-        <p:nvSpPr>
-          <p:cNvPr id="3" name="備忘稿版面配置區 2"/>
-          <p:cNvSpPr>
-            <a:spLocks noGrp="1"/>
-          </p:cNvSpPr>
-          <p:nvPr>
-            <p:ph type="body" idx="1"/>
-          </p:nvPr>
-        </p:nvSpPr>
-        <p:spPr/>
-        <p:txBody>
-          <a:bodyPr/>
-          <a:lstStyle/>
-          <a:p>
-            <a:endParaRPr lang="en-CA" dirty="0"/>
-          </a:p>
-        </p:txBody>
-      </p:sp>
-      <p:sp>
-        <p:nvSpPr>
-          <p:cNvPr id="4" name="投影片編號版面配置區 3"/>
-          <p:cNvSpPr>
-            <a:spLocks noGrp="1"/>
-          </p:cNvSpPr>
-          <p:nvPr>
-            <p:ph type="sldNum" sz="quarter" idx="5"/>
-          </p:nvPr>
-        </p:nvSpPr>
-        <p:spPr/>
-        <p:txBody>
-          <a:bodyPr/>
-          <a:lstStyle/>
-          <a:p>
-            <a:fld id="{F04FAADE-AF7C-674A-8416-E968B9033EF2}" type="slidenum">
-              <a:rPr lang="en-US" smtClean="0"/>
-              <a:t>1</a:t>
-            </a:fld>
-            <a:endParaRPr lang="en-US" dirty="0"/>
-          </a:p>
-        </p:txBody>
-      </p:sp>
-    </p:spTree>
-    <p:extLst>
-      <p:ext uri="{BB962C8B-B14F-4D97-AF65-F5344CB8AC3E}">
-        <p14:creationId xmlns:p14="http://schemas.microsoft.com/office/powerpoint/2010/main" val="786716498"/>
-      </p:ext>
-    </p:extLst>
-  </p:cSld>
-  <p:clrMapOvr>
-    <a:masterClrMapping/>
-  </p:clrMapOvr>
-</p:notes>
-</file>
-
 <file path=ppt/slideLayouts/slideLayout1.xml><?xml version="1.0" encoding="utf-8"?>
 <p:sldLayout xmlns:a="http://schemas.openxmlformats.org/drawingml/2006/main" xmlns:r="http://schemas.openxmlformats.org/officeDocument/2006/relationships" xmlns:p="http://schemas.openxmlformats.org/presentationml/2006/main" type="title" preserve="1">
   <p:cSld name="Cover-city-1">
@@ -763,7 +681,7 @@
     </p:spTree>
     <p:extLst>
       <p:ext uri="{BB962C8B-B14F-4D97-AF65-F5344CB8AC3E}">
-        <p14:creationId xmlns:p14="http://schemas.microsoft.com/office/powerpoint/2010/main" val="295123329"/>
+        <p14:creationId xmlns="" xmlns:p14="http://schemas.microsoft.com/office/powerpoint/2010/main" val="295123329"/>
       </p:ext>
     </p:extLst>
   </p:cSld>
@@ -936,7 +854,7 @@
           <p:cNvPr id="5" name="文本占位符 4">
             <a:extLst>
               <a:ext uri="{FF2B5EF4-FFF2-40B4-BE49-F238E27FC236}">
-                <a16:creationId xmlns:a16="http://schemas.microsoft.com/office/drawing/2014/main" id="{FF1BB7E9-D01D-4422-8DDA-156D106FC852}"/>
+                <a16:creationId xmlns="" xmlns:a16="http://schemas.microsoft.com/office/drawing/2014/main" id="{FF1BB7E9-D01D-4422-8DDA-156D106FC852}"/>
               </a:ext>
             </a:extLst>
           </p:cNvPr>
@@ -983,7 +901,7 @@
           <p:cNvPr id="7" name="文本占位符 6">
             <a:extLst>
               <a:ext uri="{FF2B5EF4-FFF2-40B4-BE49-F238E27FC236}">
-                <a16:creationId xmlns:a16="http://schemas.microsoft.com/office/drawing/2014/main" id="{AA626C3F-AB41-4FE4-8ED2-A16B5384F07E}"/>
+                <a16:creationId xmlns="" xmlns:a16="http://schemas.microsoft.com/office/drawing/2014/main" id="{AA626C3F-AB41-4FE4-8ED2-A16B5384F07E}"/>
               </a:ext>
             </a:extLst>
           </p:cNvPr>
@@ -1028,7 +946,7 @@
     </p:spTree>
     <p:extLst>
       <p:ext uri="{BB962C8B-B14F-4D97-AF65-F5344CB8AC3E}">
-        <p14:creationId xmlns:p14="http://schemas.microsoft.com/office/powerpoint/2010/main" val="1687841636"/>
+        <p14:creationId xmlns="" xmlns:p14="http://schemas.microsoft.com/office/powerpoint/2010/main" val="1687841636"/>
       </p:ext>
     </p:extLst>
   </p:cSld>
@@ -1247,7 +1165,8 @@
           <a:p>
             <a:fld id="{74E3DBE9-5838-4F76-9364-D1D296611DE3}" type="datetime1">
               <a:rPr lang="fr-FR" altLang="zh-CN" smtClean="0"/>
-              <a:t>03/11/2020</a:t>
+              <a:pPr/>
+              <a:t>08/11/2020</a:t>
             </a:fld>
             <a:endParaRPr lang="fr-FR" dirty="0"/>
           </a:p>
@@ -1293,7 +1212,7 @@
   </p:clrMapOvr>
   <p:extLst>
     <p:ext uri="{DCECCB84-F9BA-43D5-87BE-67443E8EF086}">
-      <p15:sldGuideLst xmlns:p15="http://schemas.microsoft.com/office/powerpoint/2012/main">
+      <p15:sldGuideLst xmlns="" xmlns:p15="http://schemas.microsoft.com/office/powerpoint/2012/main">
         <p15:guide id="1" orient="horz" pos="3793" userDrawn="1">
           <p15:clr>
             <a:srgbClr val="FBAE40"/>
@@ -1352,7 +1271,7 @@
           <a:blip r:embed="rId2" cstate="print">
             <a:extLst>
               <a:ext uri="{28A0092B-C50C-407E-A947-70E740481C1C}">
-                <a14:useLocalDpi xmlns:a14="http://schemas.microsoft.com/office/drawing/2010/main"/>
+                <a14:useLocalDpi xmlns="" xmlns:a14="http://schemas.microsoft.com/office/drawing/2010/main"/>
               </a:ext>
             </a:extLst>
           </a:blip>
@@ -1415,7 +1334,7 @@
           <p:cNvPr id="2" name="矩形 1">
             <a:extLst>
               <a:ext uri="{FF2B5EF4-FFF2-40B4-BE49-F238E27FC236}">
-                <a16:creationId xmlns:a16="http://schemas.microsoft.com/office/drawing/2014/main" id="{58BC38D0-5C0A-4522-9900-265F04CA18CE}"/>
+                <a16:creationId xmlns="" xmlns:a16="http://schemas.microsoft.com/office/drawing/2014/main" id="{58BC38D0-5C0A-4522-9900-265F04CA18CE}"/>
               </a:ext>
             </a:extLst>
           </p:cNvPr>
@@ -1465,7 +1384,7 @@
     </p:spTree>
     <p:extLst>
       <p:ext uri="{BB962C8B-B14F-4D97-AF65-F5344CB8AC3E}">
-        <p14:creationId xmlns:p14="http://schemas.microsoft.com/office/powerpoint/2010/main" val="783885681"/>
+        <p14:creationId xmlns="" xmlns:p14="http://schemas.microsoft.com/office/powerpoint/2010/main" val="783885681"/>
       </p:ext>
     </p:extLst>
   </p:cSld>
@@ -1474,7 +1393,7 @@
   </p:clrMapOvr>
   <p:extLst>
     <p:ext uri="{DCECCB84-F9BA-43D5-87BE-67443E8EF086}">
-      <p15:sldGuideLst xmlns:p15="http://schemas.microsoft.com/office/powerpoint/2012/main"/>
+      <p15:sldGuideLst xmlns="" xmlns:p15="http://schemas.microsoft.com/office/powerpoint/2012/main"/>
     </p:ext>
   </p:extLst>
 </p:sldLayout>
@@ -1544,7 +1463,8 @@
           <a:p>
             <a:fld id="{0BA9FFE5-A643-4B62-BF2B-5FE6DE605367}" type="datetime1">
               <a:rPr lang="fr-FR" altLang="zh-CN" smtClean="0"/>
-              <a:t>03/11/2020</a:t>
+              <a:pPr/>
+              <a:t>08/11/2020</a:t>
             </a:fld>
             <a:endParaRPr lang="en-US" dirty="0"/>
           </a:p>
@@ -1599,7 +1519,7 @@
     </p:spTree>
     <p:extLst>
       <p:ext uri="{BB962C8B-B14F-4D97-AF65-F5344CB8AC3E}">
-        <p14:creationId xmlns:p14="http://schemas.microsoft.com/office/powerpoint/2010/main" val="3341785124"/>
+        <p14:creationId xmlns="" xmlns:p14="http://schemas.microsoft.com/office/powerpoint/2010/main" val="3341785124"/>
       </p:ext>
     </p:extLst>
   </p:cSld>
@@ -1669,7 +1589,8 @@
           <a:p>
             <a:fld id="{0BA9FFE5-A643-4B62-BF2B-5FE6DE605367}" type="datetime1">
               <a:rPr lang="fr-FR" altLang="zh-CN" smtClean="0"/>
-              <a:t>03/11/2020</a:t>
+              <a:pPr/>
+              <a:t>08/11/2020</a:t>
             </a:fld>
             <a:endParaRPr lang="en-US" dirty="0"/>
           </a:p>
@@ -1766,7 +1687,7 @@
     </p:spTree>
     <p:extLst>
       <p:ext uri="{BB962C8B-B14F-4D97-AF65-F5344CB8AC3E}">
-        <p14:creationId xmlns:p14="http://schemas.microsoft.com/office/powerpoint/2010/main" val="76914611"/>
+        <p14:creationId xmlns="" xmlns:p14="http://schemas.microsoft.com/office/powerpoint/2010/main" val="76914611"/>
       </p:ext>
     </p:extLst>
   </p:cSld>
@@ -2079,165 +2000,64 @@
           <a:chExt cx="0" cy="0"/>
         </a:xfrm>
       </p:grpSpPr>
-      <p:pic>
-        <p:nvPicPr>
-          <p:cNvPr id="7" name="圖片 6">
-            <a:extLst>
-              <a:ext uri="{FF2B5EF4-FFF2-40B4-BE49-F238E27FC236}">
-                <a16:creationId xmlns:a16="http://schemas.microsoft.com/office/drawing/2014/main" id="{0E761BDF-C702-47A0-A896-D5BEB88E5343}"/>
-              </a:ext>
-            </a:extLst>
-          </p:cNvPr>
-          <p:cNvPicPr>
-            <a:picLocks noChangeAspect="1"/>
-          </p:cNvPicPr>
-          <p:nvPr/>
-        </p:nvPicPr>
-        <p:blipFill>
-          <a:blip r:embed="rId3">
-            <a:duotone>
-              <a:schemeClr val="bg2">
-                <a:shade val="45000"/>
-                <a:satMod val="135000"/>
-              </a:schemeClr>
-              <a:prstClr val="white"/>
-            </a:duotone>
-            <a:extLst>
-              <a:ext uri="{BEBA8EAE-BF5A-486C-A8C5-ECC9F3942E4B}">
-                <a14:imgProps xmlns:a14="http://schemas.microsoft.com/office/drawing/2010/main">
-                  <a14:imgLayer r:embed="rId4">
-                    <a14:imgEffect>
-                      <a14:artisticChalkSketch/>
-                    </a14:imgEffect>
-                  </a14:imgLayer>
-                </a14:imgProps>
-              </a:ext>
-            </a:extLst>
-          </a:blip>
-          <a:stretch>
-            <a:fillRect/>
-          </a:stretch>
-        </p:blipFill>
-        <p:spPr>
-          <a:xfrm>
-            <a:off x="0" y="0"/>
-            <a:ext cx="12192000" cy="6858000"/>
-          </a:xfrm>
-          <a:prstGeom prst="rect">
-            <a:avLst/>
-          </a:prstGeom>
-        </p:spPr>
-      </p:pic>
-      <p:sp>
-        <p:nvSpPr>
-          <p:cNvPr id="2" name="標題 1">
-            <a:extLst>
-              <a:ext uri="{FF2B5EF4-FFF2-40B4-BE49-F238E27FC236}">
-                <a16:creationId xmlns:a16="http://schemas.microsoft.com/office/drawing/2014/main" id="{6B4D2C1F-F6B7-4405-B259-2CDC77E20ACC}"/>
-              </a:ext>
-            </a:extLst>
-          </p:cNvPr>
+      <p:sp>
+        <p:nvSpPr>
+          <p:cNvPr id="3" name="Content Placeholder 2"/>
           <p:cNvSpPr>
             <a:spLocks noGrp="1"/>
           </p:cNvSpPr>
           <p:nvPr>
-            <p:ph type="ctrTitle"/>
+            <p:ph idx="1"/>
           </p:nvPr>
         </p:nvSpPr>
         <p:spPr>
           <a:xfrm>
-            <a:off x="891387" y="1159847"/>
-            <a:ext cx="10028250" cy="2548947"/>
-          </a:xfrm>
-        </p:spPr>
+            <a:off x="1034321" y="956547"/>
+            <a:ext cx="4608833" cy="480367"/>
+          </a:xfrm>
+        </p:spPr>
+        <p:style>
+          <a:lnRef idx="1">
+            <a:schemeClr val="accent1"/>
+          </a:lnRef>
+          <a:fillRef idx="3">
+            <a:schemeClr val="accent1"/>
+          </a:fillRef>
+          <a:effectRef idx="2">
+            <a:schemeClr val="accent1"/>
+          </a:effectRef>
+          <a:fontRef idx="minor">
+            <a:schemeClr val="lt1"/>
+          </a:fontRef>
+        </p:style>
         <p:txBody>
           <a:bodyPr>
-            <a:normAutofit fontScale="90000"/>
+            <a:normAutofit/>
           </a:bodyPr>
           <a:lstStyle/>
           <a:p>
-            <a:r>
-              <a:rPr lang="en-CA" altLang="zh-TW" b="1" dirty="0">
+            <a:pPr algn="ctr">
+              <a:buNone/>
+            </a:pPr>
+            <a:r>
+              <a:rPr lang="en-CA" sz="2000" b="1" dirty="0" smtClean="0">
                 <a:solidFill>
-                  <a:schemeClr val="bg2">
-                    <a:lumMod val="25000"/>
-                  </a:schemeClr>
+                  <a:schemeClr val="bg1"/>
                 </a:solidFill>
-                <a:latin typeface="+mj-lt"/>
               </a:rPr>
-              <a:t>Scope: </a:t>
-            </a:r>
-            <a:br>
-              <a:rPr lang="en-CA" altLang="zh-TW" b="1" dirty="0">
-                <a:solidFill>
-                  <a:schemeClr val="bg2">
-                    <a:lumMod val="25000"/>
-                  </a:schemeClr>
-                </a:solidFill>
-                <a:latin typeface="+mj-lt"/>
-              </a:rPr>
-            </a:br>
-            <a:br>
-              <a:rPr lang="en-CA" altLang="zh-TW" b="1" dirty="0">
-                <a:solidFill>
-                  <a:schemeClr val="bg2">
-                    <a:lumMod val="25000"/>
-                  </a:schemeClr>
-                </a:solidFill>
-                <a:latin typeface="+mj-lt"/>
-              </a:rPr>
-            </a:br>
-            <a:r>
-              <a:rPr lang="en-CA" altLang="zh-TW" b="1" dirty="0">
-                <a:solidFill>
-                  <a:schemeClr val="bg2">
-                    <a:lumMod val="25000"/>
-                  </a:schemeClr>
-                </a:solidFill>
-                <a:latin typeface="+mj-lt"/>
-              </a:rPr>
-              <a:t>Is Tesla Equity Outperforming the Market for the next 5, 10 and 15 Years? </a:t>
-            </a:r>
-            <a:br>
-              <a:rPr lang="en-CA" altLang="zh-TW" b="1" dirty="0">
-                <a:solidFill>
-                  <a:schemeClr val="bg2">
-                    <a:lumMod val="25000"/>
-                  </a:schemeClr>
-                </a:solidFill>
-                <a:latin typeface="+mj-lt"/>
-              </a:rPr>
-            </a:br>
-            <a:br>
-              <a:rPr lang="en-CA" altLang="zh-TW" b="1" dirty="0">
-                <a:solidFill>
-                  <a:schemeClr val="bg2">
-                    <a:lumMod val="25000"/>
-                  </a:schemeClr>
-                </a:solidFill>
-                <a:latin typeface="+mj-lt"/>
-              </a:rPr>
-            </a:br>
-            <a:endParaRPr lang="zh-TW" altLang="en-US" b="1" dirty="0">
+              <a:t>EV  cars in road in 2020</a:t>
+            </a:r>
+            <a:endParaRPr lang="en-CA" sz="2000" b="1" dirty="0">
               <a:solidFill>
-                <a:schemeClr val="bg2">
-                  <a:lumMod val="25000"/>
-                </a:schemeClr>
+                <a:schemeClr val="bg1"/>
               </a:solidFill>
-              <a:latin typeface="+mj-lt"/>
             </a:endParaRPr>
           </a:p>
         </p:txBody>
       </p:sp>
       <p:sp>
         <p:nvSpPr>
-          <p:cNvPr id="4" name="投影片編號版面配置區 3">
-            <a:extLst>
-              <a:ext uri="{FF2B5EF4-FFF2-40B4-BE49-F238E27FC236}">
-                <a16:creationId xmlns:a16="http://schemas.microsoft.com/office/drawing/2014/main" id="{66BF599D-059F-44AC-A463-707CDC8040F4}"/>
-              </a:ext>
-            </a:extLst>
-          </p:cNvPr>
+          <p:cNvPr id="4" name="Slide Number Placeholder 3"/>
           <p:cNvSpPr>
             <a:spLocks noGrp="1"/>
           </p:cNvSpPr>
@@ -2261,37 +2081,27 @@
       </p:sp>
       <p:sp>
         <p:nvSpPr>
-          <p:cNvPr id="8" name="矩形 7">
-            <a:extLst>
-              <a:ext uri="{FF2B5EF4-FFF2-40B4-BE49-F238E27FC236}">
-                <a16:creationId xmlns:a16="http://schemas.microsoft.com/office/drawing/2014/main" id="{05A7DF6E-9483-47CA-A81F-5469D961B2D4}"/>
-              </a:ext>
-            </a:extLst>
-          </p:cNvPr>
+          <p:cNvPr id="5" name="Rectangle 4"/>
           <p:cNvSpPr/>
           <p:nvPr/>
         </p:nvSpPr>
         <p:spPr>
           <a:xfrm>
-            <a:off x="609600" y="1028700"/>
-            <a:ext cx="10896600" cy="5080761"/>
+            <a:off x="6217919" y="870159"/>
+            <a:ext cx="5135885" cy="1133510"/>
           </a:xfrm>
           <a:prstGeom prst="rect">
             <a:avLst/>
           </a:prstGeom>
-          <a:noFill/>
-          <a:ln w="28575"/>
         </p:spPr>
         <p:style>
-          <a:lnRef idx="2">
-            <a:schemeClr val="accent1">
-              <a:shade val="50000"/>
-            </a:schemeClr>
+          <a:lnRef idx="1">
+            <a:schemeClr val="accent1"/>
           </a:lnRef>
-          <a:fillRef idx="1">
+          <a:fillRef idx="3">
             <a:schemeClr val="accent1"/>
           </a:fillRef>
-          <a:effectRef idx="0">
+          <a:effectRef idx="2">
             <a:schemeClr val="accent1"/>
           </a:effectRef>
           <a:fontRef idx="minor">
@@ -2303,16 +2113,506 @@
           <a:lstStyle/>
           <a:p>
             <a:pPr algn="ctr"/>
-            <a:endParaRPr lang="zh-TW" altLang="en-US"/>
+            <a:r>
+              <a:rPr lang="en-CA" sz="2000" dirty="0" smtClean="0">
+                <a:latin typeface="Microsoft JhengHei" pitchFamily="34" charset="-120"/>
+                <a:ea typeface="Microsoft JhengHei" pitchFamily="34" charset="-120"/>
+              </a:rPr>
+              <a:t>Percent </a:t>
+            </a:r>
+            <a:r>
+              <a:rPr lang="en-CA" sz="2000" dirty="0" smtClean="0">
+                <a:latin typeface="Microsoft JhengHei" pitchFamily="34" charset="-120"/>
+                <a:ea typeface="Microsoft JhengHei" pitchFamily="34" charset="-120"/>
+              </a:rPr>
+              <a:t>of global passengers will use </a:t>
+            </a:r>
+            <a:r>
+              <a:rPr lang="en-CA" sz="2000" dirty="0" err="1" smtClean="0">
+                <a:latin typeface="Microsoft JhengHei" pitchFamily="34" charset="-120"/>
+                <a:ea typeface="Microsoft JhengHei" pitchFamily="34" charset="-120"/>
+              </a:rPr>
+              <a:t>Evs</a:t>
+            </a:r>
+            <a:r>
+              <a:rPr lang="en-CA" sz="2000" dirty="0" smtClean="0">
+                <a:latin typeface="Microsoft JhengHei" pitchFamily="34" charset="-120"/>
+                <a:ea typeface="Microsoft JhengHei" pitchFamily="34" charset="-120"/>
+              </a:rPr>
+              <a:t> by 2040.</a:t>
+            </a:r>
+            <a:br>
+              <a:rPr lang="en-CA" sz="2000" dirty="0" smtClean="0">
+                <a:latin typeface="Microsoft JhengHei" pitchFamily="34" charset="-120"/>
+                <a:ea typeface="Microsoft JhengHei" pitchFamily="34" charset="-120"/>
+              </a:rPr>
+            </a:br>
+            <a:endParaRPr lang="en-CA" sz="2000" dirty="0">
+              <a:latin typeface="Microsoft JhengHei" pitchFamily="34" charset="-120"/>
+              <a:ea typeface="Microsoft JhengHei" pitchFamily="34" charset="-120"/>
+            </a:endParaRPr>
+          </a:p>
+        </p:txBody>
+      </p:sp>
+      <p:sp>
+        <p:nvSpPr>
+          <p:cNvPr id="6" name="Rectangle 5"/>
+          <p:cNvSpPr/>
+          <p:nvPr/>
+        </p:nvSpPr>
+        <p:spPr>
+          <a:xfrm>
+            <a:off x="1034321" y="4232366"/>
+            <a:ext cx="4608828" cy="705394"/>
+          </a:xfrm>
+          <a:prstGeom prst="rect">
+            <a:avLst/>
+          </a:prstGeom>
+        </p:spPr>
+        <p:style>
+          <a:lnRef idx="1">
+            <a:schemeClr val="accent1"/>
+          </a:lnRef>
+          <a:fillRef idx="3">
+            <a:schemeClr val="accent1"/>
+          </a:fillRef>
+          <a:effectRef idx="2">
+            <a:schemeClr val="accent1"/>
+          </a:effectRef>
+          <a:fontRef idx="minor">
+            <a:schemeClr val="lt1"/>
+          </a:fontRef>
+        </p:style>
+        <p:txBody>
+          <a:bodyPr rtlCol="0" anchor="ctr"/>
+          <a:lstStyle/>
+          <a:p>
+            <a:pPr algn="ctr"/>
+            <a:r>
+              <a:rPr lang="en-CA" sz="2000" b="1" dirty="0" smtClean="0">
+                <a:latin typeface="Microsoft JhengHei" pitchFamily="34" charset="-120"/>
+                <a:ea typeface="Microsoft JhengHei" pitchFamily="34" charset="-120"/>
+              </a:rPr>
+              <a:t>Green Hydrogen cost cut </a:t>
+            </a:r>
+            <a:endParaRPr lang="en-CA" sz="2000" b="1" dirty="0">
+              <a:latin typeface="Microsoft JhengHei" pitchFamily="34" charset="-120"/>
+              <a:ea typeface="Microsoft JhengHei" pitchFamily="34" charset="-120"/>
+            </a:endParaRPr>
+          </a:p>
+        </p:txBody>
+      </p:sp>
+      <p:sp>
+        <p:nvSpPr>
+          <p:cNvPr id="7" name="Rectangle 6"/>
+          <p:cNvSpPr/>
+          <p:nvPr/>
+        </p:nvSpPr>
+        <p:spPr>
+          <a:xfrm>
+            <a:off x="6217920" y="4232366"/>
+            <a:ext cx="5135885" cy="705394"/>
+          </a:xfrm>
+          <a:prstGeom prst="rect">
+            <a:avLst/>
+          </a:prstGeom>
+        </p:spPr>
+        <p:style>
+          <a:lnRef idx="1">
+            <a:schemeClr val="accent1"/>
+          </a:lnRef>
+          <a:fillRef idx="3">
+            <a:schemeClr val="accent1"/>
+          </a:fillRef>
+          <a:effectRef idx="2">
+            <a:schemeClr val="accent1"/>
+          </a:effectRef>
+          <a:fontRef idx="minor">
+            <a:schemeClr val="lt1"/>
+          </a:fontRef>
+        </p:style>
+        <p:txBody>
+          <a:bodyPr rtlCol="0" anchor="ctr"/>
+          <a:lstStyle/>
+          <a:p>
+            <a:pPr algn="ctr"/>
+            <a:r>
+              <a:rPr lang="en-CA" sz="2000" b="1" dirty="0" err="1" smtClean="0">
+                <a:latin typeface="Microsoft JhengHei" pitchFamily="34" charset="-120"/>
+                <a:ea typeface="Microsoft JhengHei" pitchFamily="34" charset="-120"/>
+              </a:rPr>
+              <a:t>Evs</a:t>
+            </a:r>
+            <a:r>
+              <a:rPr lang="en-CA" sz="2000" b="1" dirty="0" smtClean="0">
+                <a:latin typeface="Microsoft JhengHei" pitchFamily="34" charset="-120"/>
+                <a:ea typeface="Microsoft JhengHei" pitchFamily="34" charset="-120"/>
+              </a:rPr>
+              <a:t> performance by 2040</a:t>
+            </a:r>
+            <a:r>
+              <a:rPr lang="en-CA" dirty="0" smtClean="0"/>
+              <a:t>.</a:t>
+            </a:r>
+            <a:endParaRPr lang="en-CA" dirty="0"/>
+          </a:p>
+        </p:txBody>
+      </p:sp>
+      <p:sp>
+        <p:nvSpPr>
+          <p:cNvPr id="8" name="Title 7"/>
+          <p:cNvSpPr>
+            <a:spLocks noGrp="1"/>
+          </p:cNvSpPr>
+          <p:nvPr>
+            <p:ph type="title"/>
+          </p:nvPr>
+        </p:nvSpPr>
+        <p:spPr>
+          <a:xfrm>
+            <a:off x="1436914" y="429244"/>
+            <a:ext cx="10319479" cy="527303"/>
+          </a:xfrm>
+        </p:spPr>
+        <p:txBody>
+          <a:bodyPr>
+            <a:normAutofit fontScale="90000"/>
+          </a:bodyPr>
+          <a:lstStyle/>
+          <a:p>
+            <a:r>
+              <a:rPr lang="en-CA" dirty="0" smtClean="0"/>
+              <a:t>EV Outbreaks </a:t>
+            </a:r>
+            <a:r>
+              <a:rPr lang="en-CA" dirty="0" smtClean="0"/>
+              <a:t>,</a:t>
+            </a:r>
+            <a:r>
+              <a:rPr lang="en-CA" dirty="0" smtClean="0"/>
+              <a:t> from 2020 to 2040:</a:t>
+            </a:r>
+            <a:r>
+              <a:rPr lang="en-CA" dirty="0" smtClean="0"/>
+              <a:t/>
+            </a:r>
+            <a:br>
+              <a:rPr lang="en-CA" dirty="0" smtClean="0"/>
+            </a:br>
+            <a:endParaRPr lang="en-CA" dirty="0"/>
+          </a:p>
+        </p:txBody>
+      </p:sp>
+      <p:sp>
+        <p:nvSpPr>
+          <p:cNvPr id="9" name="Rectangle 8"/>
+          <p:cNvSpPr/>
+          <p:nvPr/>
+        </p:nvSpPr>
+        <p:spPr>
+          <a:xfrm>
+            <a:off x="1034326" y="1436914"/>
+            <a:ext cx="4608828" cy="2011681"/>
+          </a:xfrm>
+          <a:prstGeom prst="rect">
+            <a:avLst/>
+          </a:prstGeom>
+        </p:spPr>
+        <p:style>
+          <a:lnRef idx="2">
+            <a:schemeClr val="dk1"/>
+          </a:lnRef>
+          <a:fillRef idx="1">
+            <a:schemeClr val="lt1"/>
+          </a:fillRef>
+          <a:effectRef idx="0">
+            <a:schemeClr val="dk1"/>
+          </a:effectRef>
+          <a:fontRef idx="minor">
+            <a:schemeClr val="dk1"/>
+          </a:fontRef>
+        </p:style>
+        <p:txBody>
+          <a:bodyPr rtlCol="0" anchor="ctr"/>
+          <a:lstStyle/>
+          <a:p>
+            <a:pPr marL="342900" lvl="0" indent="-342900">
+              <a:buFont typeface="Wingdings" pitchFamily="2" charset="2"/>
+              <a:buChar char="§"/>
+            </a:pPr>
+            <a:r>
+              <a:rPr lang="en-CA" b="1" dirty="0" smtClean="0"/>
+              <a:t>500,000 e-buses</a:t>
+            </a:r>
+          </a:p>
+          <a:p>
+            <a:pPr marL="342900" lvl="0" indent="-342900">
+              <a:buFont typeface="Wingdings" pitchFamily="2" charset="2"/>
+              <a:buChar char="§"/>
+            </a:pPr>
+            <a:r>
+              <a:rPr lang="en-CA" b="1" dirty="0" smtClean="0"/>
+              <a:t>400,000 electric delivery vans and trucks</a:t>
+            </a:r>
+          </a:p>
+          <a:p>
+            <a:pPr lvl="0">
+              <a:buFont typeface="Wingdings" pitchFamily="2" charset="2"/>
+              <a:buChar char="§"/>
+            </a:pPr>
+            <a:r>
+              <a:rPr lang="en-CA" b="1" dirty="0" smtClean="0"/>
+              <a:t> 184 million electric mopeds, scooters and motorcycles on the road globally.</a:t>
+            </a:r>
+          </a:p>
+          <a:p>
+            <a:r>
+              <a:rPr lang="en-CA" b="1" dirty="0" smtClean="0"/>
+              <a:t> </a:t>
+            </a:r>
+            <a:r>
+              <a:rPr lang="en-CA" b="1" dirty="0" smtClean="0"/>
+              <a:t>           </a:t>
+            </a:r>
+            <a:r>
+              <a:rPr lang="en-CA" b="1" dirty="0" smtClean="0"/>
+              <a:t>source: Bloomberg</a:t>
+            </a:r>
+          </a:p>
+          <a:p>
+            <a:pPr lvl="0"/>
+            <a:endParaRPr lang="en-CA" b="1" dirty="0"/>
+          </a:p>
+        </p:txBody>
+      </p:sp>
+      <p:sp>
+        <p:nvSpPr>
+          <p:cNvPr id="10" name="Rectangle 9"/>
+          <p:cNvSpPr/>
+          <p:nvPr/>
+        </p:nvSpPr>
+        <p:spPr>
+          <a:xfrm>
+            <a:off x="6217920" y="1750423"/>
+            <a:ext cx="5135884" cy="1698172"/>
+          </a:xfrm>
+          <a:prstGeom prst="rect">
+            <a:avLst/>
+          </a:prstGeom>
+        </p:spPr>
+        <p:style>
+          <a:lnRef idx="2">
+            <a:schemeClr val="dk1"/>
+          </a:lnRef>
+          <a:fillRef idx="1">
+            <a:schemeClr val="lt1"/>
+          </a:fillRef>
+          <a:effectRef idx="0">
+            <a:schemeClr val="dk1"/>
+          </a:effectRef>
+          <a:fontRef idx="minor">
+            <a:schemeClr val="dk1"/>
+          </a:fontRef>
+        </p:style>
+        <p:txBody>
+          <a:bodyPr rtlCol="0" anchor="ctr"/>
+          <a:lstStyle/>
+          <a:p>
+            <a:pPr lvl="0">
+              <a:buFont typeface="Wingdings" pitchFamily="2" charset="2"/>
+              <a:buChar char="§"/>
+            </a:pPr>
+            <a:r>
+              <a:rPr lang="en-CA" b="1" dirty="0" smtClean="0"/>
+              <a:t>EVs hit global passenger vehicle sales </a:t>
+            </a:r>
+            <a:r>
+              <a:rPr lang="en-CA" b="1" dirty="0" smtClean="0"/>
+              <a:t>10</a:t>
+            </a:r>
+            <a:r>
+              <a:rPr lang="en-CA" b="1" dirty="0" smtClean="0"/>
+              <a:t>% in 2025 </a:t>
+            </a:r>
+            <a:r>
+              <a:rPr lang="en-CA" b="1" dirty="0" smtClean="0"/>
+              <a:t>.</a:t>
+            </a:r>
+            <a:endParaRPr lang="en-CA" b="1" dirty="0" smtClean="0"/>
+          </a:p>
+          <a:p>
+            <a:pPr>
+              <a:buFont typeface="Wingdings" pitchFamily="2" charset="2"/>
+              <a:buChar char="§"/>
+            </a:pPr>
+            <a:r>
+              <a:rPr lang="en-CA" b="1" dirty="0" smtClean="0"/>
+              <a:t>It will be increased by  28% in 2030.</a:t>
+            </a:r>
+          </a:p>
+          <a:p>
+            <a:pPr>
+              <a:buFont typeface="Wingdings" pitchFamily="2" charset="2"/>
+              <a:buChar char="§"/>
+            </a:pPr>
+            <a:r>
+              <a:rPr lang="en-CA" b="1" dirty="0" smtClean="0"/>
+              <a:t>It will be  increased by 58% in 2040.</a:t>
+            </a:r>
+          </a:p>
+          <a:p>
+            <a:pPr lvl="0"/>
+            <a:r>
+              <a:rPr lang="en-CA" b="1" dirty="0" smtClean="0"/>
+              <a:t>source: Bloomberg</a:t>
+            </a:r>
+          </a:p>
+          <a:p>
+            <a:pPr>
+              <a:buFont typeface="Wingdings" pitchFamily="2" charset="2"/>
+              <a:buChar char="§"/>
+            </a:pPr>
+            <a:endParaRPr lang="en-CA" b="1" dirty="0"/>
+          </a:p>
+        </p:txBody>
+      </p:sp>
+      <p:sp>
+        <p:nvSpPr>
+          <p:cNvPr id="11" name="Rectangle 10"/>
+          <p:cNvSpPr/>
+          <p:nvPr/>
+        </p:nvSpPr>
+        <p:spPr>
+          <a:xfrm>
+            <a:off x="1034321" y="4937760"/>
+            <a:ext cx="4608833" cy="1802674"/>
+          </a:xfrm>
+          <a:prstGeom prst="rect">
+            <a:avLst/>
+          </a:prstGeom>
+        </p:spPr>
+        <p:style>
+          <a:lnRef idx="2">
+            <a:schemeClr val="dk1"/>
+          </a:lnRef>
+          <a:fillRef idx="1">
+            <a:schemeClr val="lt1"/>
+          </a:fillRef>
+          <a:effectRef idx="0">
+            <a:schemeClr val="dk1"/>
+          </a:effectRef>
+          <a:fontRef idx="minor">
+            <a:schemeClr val="dk1"/>
+          </a:fontRef>
+        </p:style>
+        <p:txBody>
+          <a:bodyPr rtlCol="0" anchor="ctr"/>
+          <a:lstStyle/>
+          <a:p>
+            <a:pPr lvl="0">
+              <a:buFont typeface="Wingdings" pitchFamily="2" charset="2"/>
+              <a:buChar char="§"/>
+            </a:pPr>
+            <a:r>
+              <a:rPr lang="en-CA" b="1" dirty="0" smtClean="0"/>
+              <a:t>Green hydrogen costs will fall by up to 64% by </a:t>
+            </a:r>
+            <a:r>
+              <a:rPr lang="en-CA" b="1" dirty="0" smtClean="0"/>
+              <a:t>2040.</a:t>
+            </a:r>
+          </a:p>
+          <a:p>
+            <a:r>
+              <a:rPr lang="en-CA" b="1" dirty="0" smtClean="0"/>
+              <a:t>           Source</a:t>
+            </a:r>
+            <a:r>
+              <a:rPr lang="en-CA" b="1" dirty="0" smtClean="0"/>
+              <a:t>: wood Mackenzie</a:t>
+            </a:r>
+            <a:endParaRPr lang="en-CA" dirty="0" smtClean="0"/>
+          </a:p>
+          <a:p>
+            <a:pPr lvl="0">
+              <a:buFont typeface="Wingdings" pitchFamily="2" charset="2"/>
+              <a:buChar char="§"/>
+            </a:pPr>
+            <a:endParaRPr lang="en-CA" dirty="0"/>
+          </a:p>
+        </p:txBody>
+      </p:sp>
+      <p:sp>
+        <p:nvSpPr>
+          <p:cNvPr id="12" name="Rectangle 11"/>
+          <p:cNvSpPr/>
+          <p:nvPr/>
+        </p:nvSpPr>
+        <p:spPr>
+          <a:xfrm>
+            <a:off x="6217921" y="4937759"/>
+            <a:ext cx="5135884" cy="1783723"/>
+          </a:xfrm>
+          <a:prstGeom prst="rect">
+            <a:avLst/>
+          </a:prstGeom>
+        </p:spPr>
+        <p:style>
+          <a:lnRef idx="2">
+            <a:schemeClr val="dk1"/>
+          </a:lnRef>
+          <a:fillRef idx="1">
+            <a:schemeClr val="lt1"/>
+          </a:fillRef>
+          <a:effectRef idx="0">
+            <a:schemeClr val="dk1"/>
+          </a:effectRef>
+          <a:fontRef idx="minor">
+            <a:schemeClr val="dk1"/>
+          </a:fontRef>
+        </p:style>
+        <p:txBody>
+          <a:bodyPr rtlCol="0" anchor="ctr"/>
+          <a:lstStyle/>
+          <a:p>
+            <a:pPr lvl="0">
+              <a:buFont typeface="Wingdings" pitchFamily="2" charset="2"/>
+              <a:buChar char="§"/>
+            </a:pPr>
+            <a:r>
+              <a:rPr lang="en-CA" b="1" dirty="0" smtClean="0"/>
+              <a:t>By 2040, 500 million passenger uses EVs on the road</a:t>
+            </a:r>
+          </a:p>
+          <a:p>
+            <a:pPr lvl="0">
+              <a:buFont typeface="Wingdings" pitchFamily="2" charset="2"/>
+              <a:buChar char="§"/>
+            </a:pPr>
+            <a:r>
+              <a:rPr lang="en-CA" b="1" dirty="0" smtClean="0"/>
+              <a:t>31% of the world's passenger cars are electric </a:t>
+            </a:r>
+          </a:p>
+          <a:p>
+            <a:pPr lvl="0"/>
+            <a:r>
+              <a:rPr lang="en-CA" b="1" dirty="0" smtClean="0"/>
+              <a:t>            source</a:t>
+            </a:r>
+            <a:r>
+              <a:rPr lang="en-CA" b="1" dirty="0" smtClean="0"/>
+              <a:t>: Bloomberg</a:t>
+            </a:r>
+            <a:endParaRPr lang="en-CA" b="1" dirty="0" smtClean="0"/>
+          </a:p>
+          <a:p>
+            <a:pPr algn="ctr"/>
+            <a:endParaRPr lang="en-CA" b="1" dirty="0"/>
           </a:p>
         </p:txBody>
       </p:sp>
     </p:spTree>
-    <p:extLst>
-      <p:ext uri="{BB962C8B-B14F-4D97-AF65-F5344CB8AC3E}">
-        <p14:creationId xmlns:p14="http://schemas.microsoft.com/office/powerpoint/2010/main" val="869296336"/>
-      </p:ext>
-    </p:extLst>
   </p:cSld>
   <p:clrMapOvr>
     <a:masterClrMapping/>
@@ -2339,13 +2639,7 @@
       </p:grpSpPr>
       <p:sp>
         <p:nvSpPr>
-          <p:cNvPr id="2" name="Title 1">
-            <a:extLst>
-              <a:ext uri="{FF2B5EF4-FFF2-40B4-BE49-F238E27FC236}">
-                <a16:creationId xmlns:a16="http://schemas.microsoft.com/office/drawing/2014/main" id="{30941627-7492-44E5-A7E2-0A1D695D7CA9}"/>
-              </a:ext>
-            </a:extLst>
-          </p:cNvPr>
+          <p:cNvPr id="2" name="Title 1"/>
           <p:cNvSpPr>
             <a:spLocks noGrp="1"/>
           </p:cNvSpPr>
@@ -2355,124 +2649,89 @@
         </p:nvSpPr>
         <p:spPr>
           <a:xfrm>
-            <a:off x="743991" y="457200"/>
-            <a:ext cx="10675375" cy="2434187"/>
+            <a:off x="1034326" y="429244"/>
+            <a:ext cx="10319479" cy="527303"/>
+          </a:xfrm>
+        </p:spPr>
+        <p:txBody>
+          <a:bodyPr/>
+          <a:lstStyle/>
+          <a:p>
+            <a:r>
+              <a:rPr lang="en-CA" dirty="0" smtClean="0"/>
+              <a:t>EV Outbreaks , from 2020 to 2040</a:t>
+            </a:r>
+            <a:endParaRPr lang="en-CA" dirty="0"/>
+          </a:p>
+        </p:txBody>
+      </p:sp>
+      <p:sp>
+        <p:nvSpPr>
+          <p:cNvPr id="3" name="Content Placeholder 2"/>
+          <p:cNvSpPr>
+            <a:spLocks noGrp="1"/>
+          </p:cNvSpPr>
+          <p:nvPr>
+            <p:ph idx="1"/>
+          </p:nvPr>
+        </p:nvSpPr>
+        <p:spPr>
+          <a:xfrm rot="10800000" flipV="1">
+            <a:off x="1034322" y="1567542"/>
+            <a:ext cx="4034068" cy="1567544"/>
           </a:xfrm>
         </p:spPr>
         <p:txBody>
           <a:bodyPr>
-            <a:normAutofit fontScale="90000"/>
+            <a:normAutofit/>
           </a:bodyPr>
           <a:lstStyle/>
           <a:p>
-            <a:r>
-              <a:rPr lang="en-CA" sz="2200" b="0" dirty="0">
-                <a:effectLst/>
-                <a:latin typeface="Consolas" panose="020B0609020204030204" pitchFamily="49" charset="0"/>
-              </a:rPr>
-              <a:t>2. </a:t>
-            </a:r>
-            <a:r>
-              <a:rPr lang="en-CA" sz="2200" dirty="0">
-                <a:latin typeface="Consolas" panose="020B0609020204030204" pitchFamily="49" charset="0"/>
-              </a:rPr>
-              <a:t>Plot Data:</a:t>
-            </a:r>
-            <a:br>
-              <a:rPr lang="en-CA" sz="2200" dirty="0">
-                <a:latin typeface="Consolas" panose="020B0609020204030204" pitchFamily="49" charset="0"/>
-              </a:rPr>
-            </a:br>
-            <a:br>
-              <a:rPr lang="en-CA" sz="2200" b="0" dirty="0">
-                <a:effectLst/>
-                <a:latin typeface="Consolas" panose="020B0609020204030204" pitchFamily="49" charset="0"/>
-              </a:rPr>
-            </a:br>
-            <a:r>
-              <a:rPr lang="en-CA" sz="2200" b="0" dirty="0">
-                <a:effectLst/>
-                <a:latin typeface="Consolas" panose="020B0609020204030204" pitchFamily="49" charset="0"/>
-              </a:rPr>
-              <a:t>Python</a:t>
-            </a:r>
-            <a:br>
-              <a:rPr lang="en-CA" sz="2200" b="0" dirty="0">
-                <a:effectLst/>
-                <a:latin typeface="Consolas" panose="020B0609020204030204" pitchFamily="49" charset="0"/>
-              </a:rPr>
-            </a:br>
-            <a:r>
-              <a:rPr lang="en-US" sz="2200" b="0" dirty="0">
-                <a:effectLst/>
-                <a:latin typeface="Consolas" panose="020B0609020204030204" pitchFamily="49" charset="0"/>
-              </a:rPr>
-              <a:t>API Alpaca for historical TSLA stock price, Index, Bond Yield</a:t>
-            </a:r>
-            <a:br>
-              <a:rPr lang="en-US" sz="2200" b="0" dirty="0">
-                <a:effectLst/>
-                <a:latin typeface="Consolas" panose="020B0609020204030204" pitchFamily="49" charset="0"/>
-              </a:rPr>
-            </a:br>
-            <a:r>
-              <a:rPr lang="en-CA" sz="2200" dirty="0">
-                <a:latin typeface="Consolas" panose="020B0609020204030204" pitchFamily="49" charset="0"/>
-              </a:rPr>
-              <a:t>M</a:t>
-            </a:r>
-            <a:r>
-              <a:rPr lang="en-CA" sz="2200" b="0" dirty="0">
-                <a:effectLst/>
-                <a:latin typeface="Consolas" panose="020B0609020204030204" pitchFamily="49" charset="0"/>
-              </a:rPr>
-              <a:t>atplotlib (charging stations)</a:t>
-            </a:r>
-            <a:br>
-              <a:rPr lang="en-CA" sz="2200" b="0" dirty="0">
-                <a:effectLst/>
-                <a:latin typeface="Consolas" panose="020B0609020204030204" pitchFamily="49" charset="0"/>
-              </a:rPr>
-            </a:br>
-            <a:r>
-              <a:rPr lang="en-CA" sz="2200" b="0" dirty="0">
-                <a:effectLst/>
-                <a:latin typeface="Consolas" panose="020B0609020204030204" pitchFamily="49" charset="0"/>
-              </a:rPr>
-              <a:t>Dashboard</a:t>
-            </a:r>
-            <a:br>
-              <a:rPr lang="en-CA" sz="2200" b="0" dirty="0">
-                <a:effectLst/>
-                <a:latin typeface="Consolas" panose="020B0609020204030204" pitchFamily="49" charset="0"/>
-              </a:rPr>
-            </a:br>
-            <a:r>
-              <a:rPr lang="en-CA" sz="2200" b="0" dirty="0">
-                <a:effectLst/>
-                <a:latin typeface="Consolas" panose="020B0609020204030204" pitchFamily="49" charset="0"/>
-              </a:rPr>
-              <a:t>Monte Carlo simulation</a:t>
-            </a:r>
-            <a:br>
-              <a:rPr lang="en-CA" b="0" dirty="0">
-                <a:effectLst/>
-                <a:latin typeface="Consolas" panose="020B0609020204030204" pitchFamily="49" charset="0"/>
-              </a:rPr>
-            </a:br>
+            <a:pPr lvl="0">
+              <a:buFont typeface="Wingdings" pitchFamily="2" charset="2"/>
+              <a:buChar char="§"/>
+            </a:pPr>
+            <a:r>
+              <a:rPr lang="en-CA" sz="1800" b="1" dirty="0" smtClean="0"/>
+              <a:t>In North America and Europe 500,000 </a:t>
+            </a:r>
+            <a:r>
+              <a:rPr lang="en-CA" sz="1800" b="1" dirty="0" smtClean="0"/>
+              <a:t>charger units in 2022 and </a:t>
+            </a:r>
+            <a:r>
+              <a:rPr lang="en-CA" sz="1800" b="1" dirty="0" smtClean="0"/>
+              <a:t>its reach </a:t>
+            </a:r>
+            <a:r>
+              <a:rPr lang="en-CA" sz="1800" b="1" dirty="0" smtClean="0"/>
+              <a:t>over 1.25 million by 2025, </a:t>
+            </a:r>
+            <a:endParaRPr lang="en-CA" sz="1800" dirty="0" smtClean="0"/>
+          </a:p>
+          <a:p>
+            <a:pPr lvl="0">
+              <a:buFont typeface="Wingdings" pitchFamily="2" charset="2"/>
+              <a:buChar char="§"/>
+            </a:pPr>
+            <a:r>
+              <a:rPr lang="en-CA" b="1" dirty="0" smtClean="0"/>
+              <a:t>Sources Wood Mackenzie</a:t>
+            </a:r>
+            <a:endParaRPr lang="en-CA" dirty="0" smtClean="0"/>
+          </a:p>
+          <a:p>
+            <a:pPr>
+              <a:buFont typeface="Wingdings" pitchFamily="2" charset="2"/>
+              <a:buChar char="§"/>
+            </a:pPr>
             <a:endParaRPr lang="en-CA" dirty="0"/>
           </a:p>
         </p:txBody>
       </p:sp>
       <p:sp>
         <p:nvSpPr>
-          <p:cNvPr id="3" name="Slide Number Placeholder 2">
-            <a:extLst>
-              <a:ext uri="{FF2B5EF4-FFF2-40B4-BE49-F238E27FC236}">
-                <a16:creationId xmlns:a16="http://schemas.microsoft.com/office/drawing/2014/main" id="{9F2D1545-5FEA-4FAD-A42E-952CD445367B}"/>
-              </a:ext>
-            </a:extLst>
-          </p:cNvPr>
+          <p:cNvPr id="4" name="Slide Number Placeholder 3"/>
           <p:cNvSpPr>
             <a:spLocks noGrp="1"/>
           </p:cNvSpPr>
@@ -2496,124 +2755,197 @@
       </p:sp>
       <p:sp>
         <p:nvSpPr>
-          <p:cNvPr id="4" name="Text Placeholder 3">
-            <a:extLst>
-              <a:ext uri="{FF2B5EF4-FFF2-40B4-BE49-F238E27FC236}">
-                <a16:creationId xmlns:a16="http://schemas.microsoft.com/office/drawing/2014/main" id="{FA9CA4E5-5C53-4190-A056-5884E38B6051}"/>
-              </a:ext>
-            </a:extLst>
-          </p:cNvPr>
-          <p:cNvSpPr>
-            <a:spLocks noGrp="1"/>
-          </p:cNvSpPr>
-          <p:nvPr>
-            <p:ph type="body" sz="quarter" idx="13"/>
-          </p:nvPr>
-        </p:nvSpPr>
-        <p:spPr>
-          <a:xfrm>
-            <a:off x="743992" y="3067444"/>
-            <a:ext cx="11334594" cy="3333356"/>
-          </a:xfrm>
-        </p:spPr>
-        <p:txBody>
-          <a:bodyPr/>
+          <p:cNvPr id="6" name="Rectangle 5"/>
+          <p:cNvSpPr/>
+          <p:nvPr/>
+        </p:nvSpPr>
+        <p:spPr>
+          <a:xfrm rot="10800000" flipV="1">
+            <a:off x="1034326" y="956545"/>
+            <a:ext cx="4034063" cy="610997"/>
+          </a:xfrm>
+          <a:prstGeom prst="rect">
+            <a:avLst/>
+          </a:prstGeom>
+        </p:spPr>
+        <p:style>
+          <a:lnRef idx="1">
+            <a:schemeClr val="accent1"/>
+          </a:lnRef>
+          <a:fillRef idx="3">
+            <a:schemeClr val="accent1"/>
+          </a:fillRef>
+          <a:effectRef idx="2">
+            <a:schemeClr val="accent1"/>
+          </a:effectRef>
+          <a:fontRef idx="minor">
+            <a:schemeClr val="lt1"/>
+          </a:fontRef>
+        </p:style>
+        <p:txBody>
+          <a:bodyPr rtlCol="0" anchor="ctr"/>
           <a:lstStyle/>
           <a:p>
-            <a:pPr marL="0" indent="0">
-              <a:buNone/>
+            <a:pPr algn="ctr"/>
+            <a:r>
+              <a:rPr lang="en-CA" sz="2000" b="1" dirty="0" err="1" smtClean="0">
+                <a:latin typeface="Microsoft JhengHei" pitchFamily="34" charset="-120"/>
+                <a:ea typeface="Microsoft JhengHei" pitchFamily="34" charset="-120"/>
+              </a:rPr>
+              <a:t>Ev</a:t>
+            </a:r>
+            <a:r>
+              <a:rPr lang="en-CA" sz="2000" b="1" dirty="0" smtClean="0">
+                <a:latin typeface="Microsoft JhengHei" pitchFamily="34" charset="-120"/>
+                <a:ea typeface="Microsoft JhengHei" pitchFamily="34" charset="-120"/>
+              </a:rPr>
+              <a:t> charging unit in North America and Europe</a:t>
+            </a:r>
+            <a:r>
+              <a:rPr lang="en-CA" dirty="0" smtClean="0"/>
+              <a:t>.</a:t>
+            </a:r>
+            <a:endParaRPr lang="en-CA" dirty="0"/>
+          </a:p>
+        </p:txBody>
+      </p:sp>
+      <p:sp>
+        <p:nvSpPr>
+          <p:cNvPr id="7" name="Rectangle 6"/>
+          <p:cNvSpPr/>
+          <p:nvPr/>
+        </p:nvSpPr>
+        <p:spPr>
+          <a:xfrm>
+            <a:off x="5675586" y="956544"/>
+            <a:ext cx="5172891" cy="916497"/>
+          </a:xfrm>
+          <a:prstGeom prst="rect">
+            <a:avLst/>
+          </a:prstGeom>
+        </p:spPr>
+        <p:style>
+          <a:lnRef idx="1">
+            <a:schemeClr val="accent1"/>
+          </a:lnRef>
+          <a:fillRef idx="3">
+            <a:schemeClr val="accent1"/>
+          </a:fillRef>
+          <a:effectRef idx="2">
+            <a:schemeClr val="accent1"/>
+          </a:effectRef>
+          <a:fontRef idx="minor">
+            <a:schemeClr val="lt1"/>
+          </a:fontRef>
+        </p:style>
+        <p:txBody>
+          <a:bodyPr rtlCol="0" anchor="ctr"/>
+          <a:lstStyle/>
+          <a:p>
+            <a:pPr algn="ctr"/>
+            <a:r>
+              <a:rPr lang="en-CA" sz="2000" b="1" dirty="0" err="1" smtClean="0">
+                <a:latin typeface="Microsoft JhengHei" pitchFamily="34" charset="-120"/>
+                <a:ea typeface="Microsoft JhengHei" pitchFamily="34" charset="-120"/>
+              </a:rPr>
+              <a:t>Ev</a:t>
+            </a:r>
+            <a:r>
+              <a:rPr lang="en-CA" sz="2000" b="1" dirty="0" smtClean="0">
+                <a:latin typeface="Microsoft JhengHei" pitchFamily="34" charset="-120"/>
+                <a:ea typeface="Microsoft JhengHei" pitchFamily="34" charset="-120"/>
+              </a:rPr>
+              <a:t> impact on Americans private house hold incomes</a:t>
+            </a:r>
+            <a:endParaRPr lang="en-CA" sz="2000" b="1" dirty="0">
+              <a:latin typeface="Microsoft JhengHei" pitchFamily="34" charset="-120"/>
+              <a:ea typeface="Microsoft JhengHei" pitchFamily="34" charset="-120"/>
+            </a:endParaRPr>
+          </a:p>
+        </p:txBody>
+      </p:sp>
+      <p:sp>
+        <p:nvSpPr>
+          <p:cNvPr id="9" name="Rectangle 8"/>
+          <p:cNvSpPr/>
+          <p:nvPr/>
+        </p:nvSpPr>
+        <p:spPr>
+          <a:xfrm>
+            <a:off x="5675586" y="1873040"/>
+            <a:ext cx="5172891" cy="3282283"/>
+          </a:xfrm>
+          <a:prstGeom prst="rect">
+            <a:avLst/>
+          </a:prstGeom>
+        </p:spPr>
+        <p:style>
+          <a:lnRef idx="2">
+            <a:schemeClr val="dk1"/>
+          </a:lnRef>
+          <a:fillRef idx="1">
+            <a:schemeClr val="lt1"/>
+          </a:fillRef>
+          <a:effectRef idx="0">
+            <a:schemeClr val="dk1"/>
+          </a:effectRef>
+          <a:fontRef idx="minor">
+            <a:schemeClr val="dk1"/>
+          </a:fontRef>
+        </p:style>
+        <p:txBody>
+          <a:bodyPr rtlCol="0" anchor="ctr"/>
+          <a:lstStyle/>
+          <a:p>
+            <a:pPr lvl="0" algn="ctr">
+              <a:buFont typeface="Wingdings" pitchFamily="2" charset="2"/>
+              <a:buChar char="§"/>
             </a:pPr>
             <a:r>
-              <a:rPr lang="en-CA" sz="2200" dirty="0">
-                <a:latin typeface="Consolas" panose="020B0609020204030204" pitchFamily="49" charset="0"/>
-                <a:ea typeface="Microsoft YaHei" charset="-122"/>
-              </a:rPr>
-              <a:t>3. Data:</a:t>
-            </a:r>
-          </a:p>
-          <a:p>
-            <a:pPr marL="0" indent="0">
-              <a:buNone/>
+              <a:rPr lang="en-CA" b="1" dirty="0" smtClean="0"/>
+              <a:t>USA private house hold can save $ 255 to $791 per year</a:t>
+            </a:r>
+            <a:endParaRPr lang="en-CA" dirty="0" smtClean="0"/>
+          </a:p>
+          <a:p>
+            <a:pPr lvl="0" algn="ctr">
+              <a:buFont typeface="Wingdings" pitchFamily="2" charset="2"/>
+              <a:buChar char="§"/>
             </a:pPr>
             <a:r>
-              <a:rPr lang="en-US" sz="2200" dirty="0">
-                <a:latin typeface="Consolas" panose="020B0609020204030204" pitchFamily="49" charset="0"/>
-                <a:ea typeface="Microsoft YaHei" charset="-122"/>
-              </a:rPr>
-              <a:t>Market Analysis- market growth, CAGR</a:t>
-            </a:r>
-          </a:p>
-          <a:p>
-            <a:pPr marL="0" indent="0">
-              <a:buNone/>
+              <a:rPr lang="en-CA" b="1" dirty="0" smtClean="0"/>
+              <a:t>In total, the private benefits for the main Aggressive and Low Cost scenarios range from $18.6 billion to $27.3 billion per year by 2035.   </a:t>
+            </a:r>
+            <a:endParaRPr lang="en-CA" b="1" dirty="0" smtClean="0"/>
+          </a:p>
+          <a:p>
+            <a:pPr algn="ctr">
+              <a:buFont typeface="Wingdings" pitchFamily="2" charset="2"/>
+              <a:buChar char="§"/>
             </a:pPr>
             <a:r>
-              <a:rPr lang="en-US" sz="2200" dirty="0">
-                <a:latin typeface="Consolas" panose="020B0609020204030204" pitchFamily="49" charset="0"/>
-                <a:ea typeface="Microsoft YaHei" charset="-122"/>
-              </a:rPr>
-              <a:t>Historical price (API) vs index benchmark, Bond yield (5-10 year).</a:t>
-            </a:r>
-          </a:p>
-          <a:p>
-            <a:pPr marL="0" indent="0">
-              <a:buNone/>
+              <a:rPr lang="en-CA" b="1" dirty="0" smtClean="0"/>
+              <a:t>source: NREL       </a:t>
+            </a:r>
+            <a:endParaRPr lang="en-CA" dirty="0" smtClean="0"/>
+          </a:p>
+          <a:p>
+            <a:pPr lvl="0" algn="ctr">
+              <a:buFont typeface="Wingdings" pitchFamily="2" charset="2"/>
+              <a:buChar char="§"/>
             </a:pPr>
-            <a:r>
-              <a:rPr lang="en-US" sz="2200" dirty="0">
-                <a:latin typeface="Consolas" panose="020B0609020204030204" pitchFamily="49" charset="0"/>
-                <a:ea typeface="Microsoft YaHei" charset="-122"/>
-              </a:rPr>
-              <a:t>Finance Technical Analysis//revenue breakdown, capex, profitability, customer, risk of the investment.</a:t>
-            </a:r>
-          </a:p>
-          <a:p>
-            <a:pPr marL="0" indent="0">
-              <a:buNone/>
-            </a:pPr>
-            <a:r>
-              <a:rPr lang="en-US" sz="2200" dirty="0">
-                <a:latin typeface="Consolas" panose="020B0609020204030204" pitchFamily="49" charset="0"/>
-                <a:ea typeface="Microsoft YaHei" charset="-122"/>
-              </a:rPr>
-              <a:t>Diversification Effect: Global market, revenue breakdown by region, customer breakdown by region.</a:t>
-            </a:r>
-          </a:p>
-          <a:p>
-            <a:pPr marL="0" indent="0">
-              <a:buNone/>
-            </a:pPr>
-            <a:r>
-              <a:rPr lang="en-US" sz="2200" dirty="0">
-                <a:latin typeface="Consolas" panose="020B0609020204030204" pitchFamily="49" charset="0"/>
-                <a:ea typeface="Microsoft YaHei" charset="-122"/>
-              </a:rPr>
-              <a:t>Social impact: CO2, environment</a:t>
-            </a:r>
-          </a:p>
-          <a:p>
-            <a:pPr marL="0" indent="0">
-              <a:buNone/>
-            </a:pPr>
-            <a:endParaRPr lang="en-US" dirty="0">
-              <a:latin typeface="Consolas" panose="020B0609020204030204" pitchFamily="49" charset="0"/>
-              <a:ea typeface="Microsoft YaHei" charset="-122"/>
-            </a:endParaRPr>
-          </a:p>
-          <a:p>
-            <a:pPr marL="0" indent="0">
-              <a:buNone/>
+            <a:endParaRPr lang="en-CA" dirty="0" smtClean="0"/>
+          </a:p>
+          <a:p>
+            <a:pPr algn="ctr">
+              <a:buFont typeface="Wingdings" pitchFamily="2" charset="2"/>
+              <a:buChar char="§"/>
             </a:pPr>
             <a:endParaRPr lang="en-CA" dirty="0"/>
           </a:p>
         </p:txBody>
       </p:sp>
     </p:spTree>
-    <p:extLst>
-      <p:ext uri="{BB962C8B-B14F-4D97-AF65-F5344CB8AC3E}">
-        <p14:creationId xmlns:p14="http://schemas.microsoft.com/office/powerpoint/2010/main" val="3215272535"/>
-      </p:ext>
-    </p:extLst>
   </p:cSld>
   <p:clrMapOvr>
     <a:masterClrMapping/>
@@ -2640,230 +2972,106 @@
       </p:grpSpPr>
       <p:sp>
         <p:nvSpPr>
-          <p:cNvPr id="3" name="Content Placeholder 2">
-            <a:extLst>
-              <a:ext uri="{FF2B5EF4-FFF2-40B4-BE49-F238E27FC236}">
-                <a16:creationId xmlns:a16="http://schemas.microsoft.com/office/drawing/2014/main" id="{7982CEEB-EA75-42B0-8397-4284F96409A8}"/>
-              </a:ext>
-            </a:extLst>
-          </p:cNvPr>
+          <p:cNvPr id="2" name="Title 1"/>
           <p:cNvSpPr>
             <a:spLocks noGrp="1"/>
           </p:cNvSpPr>
           <p:nvPr>
-            <p:ph idx="1"/>
+            <p:ph type="ctrTitle"/>
           </p:nvPr>
         </p:nvSpPr>
         <p:spPr>
           <a:xfrm>
-            <a:off x="1034321" y="531628"/>
-            <a:ext cx="10313235" cy="5506141"/>
+            <a:off x="699258" y="346841"/>
+            <a:ext cx="7299005" cy="435848"/>
           </a:xfrm>
         </p:spPr>
         <p:txBody>
           <a:bodyPr>
-            <a:normAutofit fontScale="85000" lnSpcReduction="20000"/>
+            <a:normAutofit fontScale="90000"/>
           </a:bodyPr>
           <a:lstStyle/>
           <a:p>
-            <a:pPr marL="0" indent="0">
-              <a:buNone/>
-            </a:pPr>
-            <a:r>
-              <a:rPr lang="en-CA" sz="2300" b="1" dirty="0">
-                <a:effectLst/>
-                <a:latin typeface="Consolas" panose="020B0609020204030204" pitchFamily="49" charset="0"/>
+            <a:r>
+              <a:rPr lang="en-CA" dirty="0" smtClean="0"/>
+              <a:t>EV Outbreaks , from 2020 to 2040</a:t>
+            </a:r>
+            <a:endParaRPr lang="en-CA" dirty="0"/>
+          </a:p>
+        </p:txBody>
+      </p:sp>
+      <p:sp>
+        <p:nvSpPr>
+          <p:cNvPr id="3" name="Subtitle 2"/>
+          <p:cNvSpPr>
+            <a:spLocks noGrp="1"/>
+          </p:cNvSpPr>
+          <p:nvPr>
+            <p:ph type="subTitle" idx="1"/>
+          </p:nvPr>
+        </p:nvSpPr>
+        <p:spPr>
+          <a:xfrm>
+            <a:off x="439200" y="1027746"/>
+            <a:ext cx="4968372" cy="501509"/>
+          </a:xfrm>
+        </p:spPr>
+        <p:style>
+          <a:lnRef idx="1">
+            <a:schemeClr val="accent1"/>
+          </a:lnRef>
+          <a:fillRef idx="3">
+            <a:schemeClr val="accent1"/>
+          </a:fillRef>
+          <a:effectRef idx="2">
+            <a:schemeClr val="accent1"/>
+          </a:effectRef>
+          <a:fontRef idx="minor">
+            <a:schemeClr val="lt1"/>
+          </a:fontRef>
+        </p:style>
+        <p:txBody>
+          <a:bodyPr>
+            <a:normAutofit/>
+          </a:bodyPr>
+          <a:lstStyle/>
+          <a:p>
+            <a:pPr algn="ctr"/>
+            <a:r>
+              <a:rPr lang="en-CA" sz="2000" b="1" dirty="0" smtClean="0">
+                <a:solidFill>
+                  <a:schemeClr val="bg1"/>
+                </a:solidFill>
               </a:rPr>
-              <a:t>4. Team members:</a:t>
-            </a:r>
-            <a:endParaRPr lang="en-CA" sz="2300" b="0" dirty="0">
-              <a:effectLst/>
-              <a:latin typeface="Consolas" panose="020B0609020204030204" pitchFamily="49" charset="0"/>
+              <a:t>TOP 10 </a:t>
+            </a:r>
+            <a:r>
+              <a:rPr lang="en-CA" sz="2000" b="1" dirty="0" err="1" smtClean="0">
+                <a:solidFill>
+                  <a:schemeClr val="bg1"/>
+                </a:solidFill>
+              </a:rPr>
+              <a:t>Ev</a:t>
+            </a:r>
+            <a:r>
+              <a:rPr lang="en-CA" sz="2000" b="1" dirty="0" smtClean="0">
+                <a:solidFill>
+                  <a:schemeClr val="bg1"/>
+                </a:solidFill>
+              </a:rPr>
+              <a:t> Automaker 2019</a:t>
+            </a:r>
+            <a:endParaRPr lang="en-CA" sz="2000" b="1" dirty="0">
+              <a:solidFill>
+                <a:schemeClr val="bg1"/>
+              </a:solidFill>
             </a:endParaRPr>
           </a:p>
-          <a:p>
-            <a:r>
-              <a:rPr lang="en-CA" sz="2300" b="0" dirty="0">
-                <a:effectLst/>
-                <a:latin typeface="Consolas" panose="020B0609020204030204" pitchFamily="49" charset="0"/>
-              </a:rPr>
-              <a:t>Minh Tran</a:t>
-            </a:r>
-          </a:p>
-          <a:p>
-            <a:r>
-              <a:rPr lang="en-CA" sz="2300" b="0" dirty="0">
-                <a:effectLst/>
-                <a:latin typeface="Consolas" panose="020B0609020204030204" pitchFamily="49" charset="0"/>
-              </a:rPr>
-              <a:t>Syed Naqvi </a:t>
-            </a:r>
-          </a:p>
-          <a:p>
-            <a:r>
-              <a:rPr lang="en-CA" sz="2300" b="0" dirty="0">
-                <a:effectLst/>
-                <a:latin typeface="Consolas" panose="020B0609020204030204" pitchFamily="49" charset="0"/>
-              </a:rPr>
-              <a:t>Rodrigo </a:t>
-            </a:r>
-            <a:r>
-              <a:rPr lang="en-CA" sz="2300" b="0" dirty="0" err="1">
-                <a:effectLst/>
-                <a:latin typeface="Consolas" panose="020B0609020204030204" pitchFamily="49" charset="0"/>
-              </a:rPr>
-              <a:t>Guazzelli</a:t>
-            </a:r>
-            <a:r>
-              <a:rPr lang="en-CA" sz="2300" b="0" dirty="0">
-                <a:effectLst/>
-                <a:latin typeface="Consolas" panose="020B0609020204030204" pitchFamily="49" charset="0"/>
-              </a:rPr>
-              <a:t> </a:t>
-            </a:r>
-          </a:p>
-          <a:p>
-            <a:r>
-              <a:rPr lang="en-CA" sz="2300" b="0" dirty="0" err="1">
-                <a:effectLst/>
-                <a:latin typeface="Consolas" panose="020B0609020204030204" pitchFamily="49" charset="0"/>
-              </a:rPr>
-              <a:t>Hsuan</a:t>
-            </a:r>
-            <a:r>
-              <a:rPr lang="en-CA" sz="2300" b="0" dirty="0">
-                <a:effectLst/>
-                <a:latin typeface="Consolas" panose="020B0609020204030204" pitchFamily="49" charset="0"/>
-              </a:rPr>
-              <a:t> Liu</a:t>
-            </a:r>
-          </a:p>
-          <a:p>
-            <a:r>
-              <a:rPr lang="en-CA" sz="2300" b="0" dirty="0">
-                <a:effectLst/>
-                <a:latin typeface="Consolas" panose="020B0609020204030204" pitchFamily="49" charset="0"/>
-              </a:rPr>
-              <a:t>Abdullah Mamun</a:t>
-            </a:r>
-          </a:p>
-          <a:p>
-            <a:endParaRPr lang="en-CA" sz="2300" dirty="0"/>
-          </a:p>
-          <a:p>
-            <a:pPr marL="0" indent="0">
-              <a:buNone/>
-            </a:pPr>
-            <a:r>
-              <a:rPr lang="en-CA" sz="2300" b="1" dirty="0">
-                <a:latin typeface="Consolas" panose="020B0609020204030204" pitchFamily="49" charset="0"/>
-              </a:rPr>
-              <a:t>5. Work splits:</a:t>
-            </a:r>
-          </a:p>
-          <a:p>
-            <a:r>
-              <a:rPr lang="en-CA" sz="2300" b="0" dirty="0">
-                <a:effectLst/>
-                <a:latin typeface="Consolas" panose="020B0609020204030204" pitchFamily="49" charset="0"/>
-              </a:rPr>
-              <a:t>Project manager - Rodrigo</a:t>
-            </a:r>
-          </a:p>
-          <a:p>
-            <a:r>
-              <a:rPr lang="en-CA" sz="2300" b="0" dirty="0">
-                <a:effectLst/>
-                <a:latin typeface="Consolas" panose="020B0609020204030204" pitchFamily="49" charset="0"/>
-              </a:rPr>
-              <a:t>Presenter - Syed</a:t>
-            </a:r>
-          </a:p>
-          <a:p>
-            <a:r>
-              <a:rPr lang="en-CA" sz="2300" b="0" dirty="0">
-                <a:effectLst/>
-                <a:latin typeface="Consolas" panose="020B0609020204030204" pitchFamily="49" charset="0"/>
-              </a:rPr>
-              <a:t>PPT - </a:t>
-            </a:r>
-            <a:r>
-              <a:rPr lang="en-CA" sz="2300" b="0" dirty="0" err="1">
-                <a:effectLst/>
-                <a:latin typeface="Consolas" panose="020B0609020204030204" pitchFamily="49" charset="0"/>
-              </a:rPr>
-              <a:t>Hsuan</a:t>
-            </a:r>
-            <a:r>
-              <a:rPr lang="en-CA" sz="2300" b="0" dirty="0">
-                <a:effectLst/>
-                <a:latin typeface="Consolas" panose="020B0609020204030204" pitchFamily="49" charset="0"/>
-              </a:rPr>
-              <a:t> and Minh</a:t>
-            </a:r>
-          </a:p>
-          <a:p>
-            <a:r>
-              <a:rPr lang="en-CA" sz="2300" b="0" dirty="0">
-                <a:effectLst/>
-                <a:latin typeface="Consolas" panose="020B0609020204030204" pitchFamily="49" charset="0"/>
-              </a:rPr>
-              <a:t>FSD//AI search - Abdullah Mamun</a:t>
-            </a:r>
-          </a:p>
-          <a:p>
-            <a:r>
-              <a:rPr lang="en-CA" sz="2300" b="0" dirty="0">
-                <a:effectLst/>
-                <a:latin typeface="Consolas" panose="020B0609020204030204" pitchFamily="49" charset="0"/>
-              </a:rPr>
-              <a:t>Monte Carlo/ timeframe - Rodrigo</a:t>
-            </a:r>
-          </a:p>
-          <a:p>
-            <a:r>
-              <a:rPr lang="en-CA" sz="2300" b="0" dirty="0">
-                <a:effectLst/>
-                <a:latin typeface="Consolas" panose="020B0609020204030204" pitchFamily="49" charset="0"/>
-              </a:rPr>
-              <a:t>EV Market share - Minh</a:t>
-            </a:r>
-          </a:p>
-          <a:p>
-            <a:pPr marL="0" indent="0">
-              <a:buNone/>
-            </a:pPr>
-            <a:br>
-              <a:rPr lang="en-CA" b="0" dirty="0">
-                <a:solidFill>
-                  <a:srgbClr val="D4D4D4"/>
-                </a:solidFill>
-                <a:effectLst/>
-                <a:latin typeface="Consolas" panose="020B0609020204030204" pitchFamily="49" charset="0"/>
-              </a:rPr>
-            </a:br>
-            <a:endParaRPr lang="en-CA" b="0" dirty="0">
-              <a:solidFill>
-                <a:srgbClr val="D4D4D4"/>
-              </a:solidFill>
-              <a:effectLst/>
-              <a:latin typeface="Consolas" panose="020B0609020204030204" pitchFamily="49" charset="0"/>
-            </a:endParaRPr>
-          </a:p>
-          <a:p>
-            <a:endParaRPr lang="en-CA" dirty="0"/>
-          </a:p>
-        </p:txBody>
-      </p:sp>
-      <p:sp>
-        <p:nvSpPr>
-          <p:cNvPr id="4" name="Slide Number Placeholder 3">
-            <a:extLst>
-              <a:ext uri="{FF2B5EF4-FFF2-40B4-BE49-F238E27FC236}">
-                <a16:creationId xmlns:a16="http://schemas.microsoft.com/office/drawing/2014/main" id="{6BA99A66-AA16-4EEF-8DA2-87318481DBFC}"/>
-              </a:ext>
-            </a:extLst>
-          </p:cNvPr>
+        </p:txBody>
+      </p:sp>
+      <p:sp>
+        <p:nvSpPr>
+          <p:cNvPr id="4" name="Slide Number Placeholder 3"/>
           <p:cNvSpPr>
             <a:spLocks noGrp="1"/>
           </p:cNvSpPr>
@@ -2885,12 +3093,107 @@
           </a:p>
         </p:txBody>
       </p:sp>
+      <p:sp>
+        <p:nvSpPr>
+          <p:cNvPr id="7" name="Rectangle 6"/>
+          <p:cNvSpPr/>
+          <p:nvPr/>
+        </p:nvSpPr>
+        <p:spPr>
+          <a:xfrm>
+            <a:off x="6321972" y="1027746"/>
+            <a:ext cx="4713890" cy="501509"/>
+          </a:xfrm>
+          <a:prstGeom prst="rect">
+            <a:avLst/>
+          </a:prstGeom>
+        </p:spPr>
+        <p:style>
+          <a:lnRef idx="2">
+            <a:schemeClr val="accent1">
+              <a:shade val="50000"/>
+            </a:schemeClr>
+          </a:lnRef>
+          <a:fillRef idx="1">
+            <a:schemeClr val="accent1"/>
+          </a:fillRef>
+          <a:effectRef idx="0">
+            <a:schemeClr val="accent1"/>
+          </a:effectRef>
+          <a:fontRef idx="minor">
+            <a:schemeClr val="lt1"/>
+          </a:fontRef>
+        </p:style>
+        <p:txBody>
+          <a:bodyPr rtlCol="0" anchor="ctr"/>
+          <a:lstStyle/>
+          <a:p>
+            <a:pPr algn="ctr"/>
+            <a:r>
+              <a:rPr lang="en-CA" sz="2000" b="1" dirty="0" smtClean="0">
+                <a:solidFill>
+                  <a:schemeClr val="bg1"/>
+                </a:solidFill>
+              </a:rPr>
+              <a:t>EV sale globally 2015 to 2019</a:t>
+            </a:r>
+            <a:endParaRPr lang="en-CA" sz="2000" b="1" dirty="0">
+              <a:solidFill>
+                <a:schemeClr val="bg1"/>
+              </a:solidFill>
+            </a:endParaRPr>
+          </a:p>
+        </p:txBody>
+      </p:sp>
+      <p:pic>
+        <p:nvPicPr>
+          <p:cNvPr id="12" name="Picture 11" descr="bokeh_plot (5).png"/>
+          <p:cNvPicPr>
+            <a:picLocks noChangeAspect="1"/>
+          </p:cNvPicPr>
+          <p:nvPr/>
+        </p:nvPicPr>
+        <p:blipFill>
+          <a:blip r:embed="rId2"/>
+          <a:stretch>
+            <a:fillRect/>
+          </a:stretch>
+        </p:blipFill>
+        <p:spPr>
+          <a:xfrm>
+            <a:off x="6321972" y="1529255"/>
+            <a:ext cx="5044966" cy="4286250"/>
+          </a:xfrm>
+          <a:prstGeom prst="rect">
+            <a:avLst/>
+          </a:prstGeom>
+        </p:spPr>
+      </p:pic>
+      <p:pic>
+        <p:nvPicPr>
+          <p:cNvPr id="13" name="Picture 12" descr="bokeh_plot (6).png"/>
+          <p:cNvPicPr>
+            <a:picLocks noChangeAspect="1"/>
+          </p:cNvPicPr>
+          <p:nvPr/>
+        </p:nvPicPr>
+        <p:blipFill>
+          <a:blip r:embed="rId3"/>
+          <a:stretch>
+            <a:fillRect/>
+          </a:stretch>
+        </p:blipFill>
+        <p:spPr>
+          <a:xfrm>
+            <a:off x="439201" y="1749972"/>
+            <a:ext cx="4968372" cy="3547242"/>
+          </a:xfrm>
+          <a:prstGeom prst="rect">
+            <a:avLst/>
+          </a:prstGeom>
+        </p:spPr>
+      </p:pic>
     </p:spTree>
-    <p:extLst>
-      <p:ext uri="{BB962C8B-B14F-4D97-AF65-F5344CB8AC3E}">
-        <p14:creationId xmlns:p14="http://schemas.microsoft.com/office/powerpoint/2010/main" val="2137805779"/>
-      </p:ext>
-    </p:extLst>
   </p:cSld>
   <p:clrMapOvr>
     <a:masterClrMapping/>
@@ -3093,7 +3396,7 @@
   <a:extraClrSchemeLst/>
   <a:extLst>
     <a:ext uri="{05A4C25C-085E-4340-85A3-A5531E510DB2}">
-      <thm15:themeFamily xmlns:thm15="http://schemas.microsoft.com/office/thememl/2012/main" name="Office Theme" id="{62F939B6-93AF-4DB8-9C6B-D6C7DFDC589F}" vid="{4A3C46E8-61CC-4603-A589-7422A47A8E4A}"/>
+      <thm15:themeFamily xmlns="" xmlns:thm15="http://schemas.microsoft.com/office/thememl/2012/main" name="Office Theme" id="{62F939B6-93AF-4DB8-9C6B-D6C7DFDC589F}" vid="{4A3C46E8-61CC-4603-A589-7422A47A8E4A}"/>
     </a:ext>
   </a:extLst>
 </a:theme>
@@ -3142,7 +3445,7 @@
     </a:clrScheme>
     <a:fontScheme name="Office">
       <a:majorFont>
-        <a:latin typeface="Calibri Light" panose="020F0302020204030204"/>
+        <a:latin typeface="Calibri Light"/>
         <a:ea typeface=""/>
         <a:cs typeface=""/>
         <a:font script="Jpan" typeface="Yu Gothic Light"/>
@@ -3177,7 +3480,7 @@
         <a:font script="Geor" typeface="Sylfaen"/>
       </a:majorFont>
       <a:minorFont>
-        <a:latin typeface="Calibri" panose="020F0502020204030204"/>
+        <a:latin typeface="Calibri"/>
         <a:ea typeface=""/>
         <a:cs typeface=""/>
         <a:font script="Jpan" typeface="Yu Gothic"/>
@@ -3354,7 +3657,7 @@
   <a:extraClrSchemeLst/>
   <a:extLst>
     <a:ext uri="{05A4C25C-085E-4340-85A3-A5531E510DB2}">
-      <thm15:themeFamily xmlns:thm15="http://schemas.microsoft.com/office/thememl/2012/main" name="Office Theme" id="{62F939B6-93AF-4DB8-9C6B-D6C7DFDC589F}" vid="{4A3C46E8-61CC-4603-A589-7422A47A8E4A}"/>
+      <thm15:themeFamily xmlns="" xmlns:thm15="http://schemas.microsoft.com/office/thememl/2012/main" name="Office Theme" id="{62F939B6-93AF-4DB8-9C6B-D6C7DFDC589F}" vid="{4A3C46E8-61CC-4603-A589-7422A47A8E4A}"/>
     </a:ext>
   </a:extLst>
 </a:theme>

--- a/Proposal.pptx
+++ b/Proposal.pptx
@@ -8,9 +8,9 @@
     <p:notesMasterId r:id="rId5"/>
   </p:notesMasterIdLst>
   <p:sldIdLst>
-    <p:sldId id="3838" r:id="rId2"/>
-    <p:sldId id="3853" r:id="rId3"/>
-    <p:sldId id="3854" r:id="rId4"/>
+    <p:sldId id="3856" r:id="rId2"/>
+    <p:sldId id="3857" r:id="rId3"/>
+    <p:sldId id="3858" r:id="rId4"/>
   </p:sldIdLst>
   <p:sldSz cx="12192000" cy="6858000"/>
   <p:notesSz cx="6799263" cy="9929813"/>
@@ -111,7 +111,7 @@
   </p:defaultTextStyle>
   <p:extLst>
     <p:ext uri="{EFAFB233-063F-42B5-8137-9DF3F51BA10A}">
-      <p15:sldGuideLst xmlns:p15="http://schemas.microsoft.com/office/powerpoint/2012/main"/>
+      <p15:sldGuideLst xmlns:p15="http://schemas.microsoft.com/office/powerpoint/2012/main" xmlns=""/>
     </p:ext>
   </p:extLst>
 </p:presentation>
@@ -122,7 +122,7 @@
   <p:cmAuthor id="1" name="暄 劉" initials="暄" lastIdx="3" clrIdx="0">
     <p:extLst>
       <p:ext uri="{19B8F6BF-5375-455C-9EA6-DF929625EA0E}">
-        <p15:presenceInfo xmlns:p15="http://schemas.microsoft.com/office/powerpoint/2012/main" userId="2b1cc6d0c5f02b95" providerId="Windows Live"/>
+        <p15:presenceInfo xmlns:p15="http://schemas.microsoft.com/office/powerpoint/2012/main" xmlns="" userId="2b1cc6d0c5f02b95" providerId="Windows Live"/>
       </p:ext>
     </p:extLst>
   </p:cmAuthor>
@@ -211,7 +211,8 @@
           <a:p>
             <a:fld id="{DD4DD772-7209-C245-981A-1A2440230A0C}" type="datetimeFigureOut">
               <a:rPr lang="en-US" smtClean="0"/>
-              <a:t>11/3/2020</a:t>
+              <a:pPr/>
+              <a:t>11/10/2020</a:t>
             </a:fld>
             <a:endParaRPr lang="en-US" dirty="0"/>
           </a:p>
@@ -369,6 +370,7 @@
           <a:p>
             <a:fld id="{F04FAADE-AF7C-674A-8416-E968B9033EF2}" type="slidenum">
               <a:rPr lang="en-US" smtClean="0"/>
+              <a:pPr/>
               <a:t>‹#›</a:t>
             </a:fld>
             <a:endParaRPr lang="en-US" dirty="0"/>
@@ -378,7 +380,7 @@
     </p:spTree>
     <p:extLst>
       <p:ext uri="{BB962C8B-B14F-4D97-AF65-F5344CB8AC3E}">
-        <p14:creationId xmlns:p14="http://schemas.microsoft.com/office/powerpoint/2010/main" val="696506946"/>
+        <p14:creationId xmlns:p14="http://schemas.microsoft.com/office/powerpoint/2010/main" xmlns="" val="696506946"/>
       </p:ext>
     </p:extLst>
   </p:cSld>
@@ -478,90 +480,6 @@
 </p:notesMaster>
 </file>
 
-<file path=ppt/notesSlides/notesSlide1.xml><?xml version="1.0" encoding="utf-8"?>
-<p:notes xmlns:a="http://schemas.openxmlformats.org/drawingml/2006/main" xmlns:r="http://schemas.openxmlformats.org/officeDocument/2006/relationships" xmlns:p="http://schemas.openxmlformats.org/presentationml/2006/main">
-  <p:cSld>
-    <p:spTree>
-      <p:nvGrpSpPr>
-        <p:cNvPr id="1" name=""/>
-        <p:cNvGrpSpPr/>
-        <p:nvPr/>
-      </p:nvGrpSpPr>
-      <p:grpSpPr>
-        <a:xfrm>
-          <a:off x="0" y="0"/>
-          <a:ext cx="0" cy="0"/>
-          <a:chOff x="0" y="0"/>
-          <a:chExt cx="0" cy="0"/>
-        </a:xfrm>
-      </p:grpSpPr>
-      <p:sp>
-        <p:nvSpPr>
-          <p:cNvPr id="2" name="投影片影像版面配置區 1"/>
-          <p:cNvSpPr>
-            <a:spLocks noGrp="1" noRot="1" noChangeAspect="1"/>
-          </p:cNvSpPr>
-          <p:nvPr>
-            <p:ph type="sldImg"/>
-          </p:nvPr>
-        </p:nvSpPr>
-        <p:spPr/>
-      </p:sp>
-      <p:sp>
-        <p:nvSpPr>
-          <p:cNvPr id="3" name="備忘稿版面配置區 2"/>
-          <p:cNvSpPr>
-            <a:spLocks noGrp="1"/>
-          </p:cNvSpPr>
-          <p:nvPr>
-            <p:ph type="body" idx="1"/>
-          </p:nvPr>
-        </p:nvSpPr>
-        <p:spPr/>
-        <p:txBody>
-          <a:bodyPr/>
-          <a:lstStyle/>
-          <a:p>
-            <a:endParaRPr lang="en-CA" dirty="0"/>
-          </a:p>
-        </p:txBody>
-      </p:sp>
-      <p:sp>
-        <p:nvSpPr>
-          <p:cNvPr id="4" name="投影片編號版面配置區 3"/>
-          <p:cNvSpPr>
-            <a:spLocks noGrp="1"/>
-          </p:cNvSpPr>
-          <p:nvPr>
-            <p:ph type="sldNum" sz="quarter" idx="5"/>
-          </p:nvPr>
-        </p:nvSpPr>
-        <p:spPr/>
-        <p:txBody>
-          <a:bodyPr/>
-          <a:lstStyle/>
-          <a:p>
-            <a:fld id="{F04FAADE-AF7C-674A-8416-E968B9033EF2}" type="slidenum">
-              <a:rPr lang="en-US" smtClean="0"/>
-              <a:t>1</a:t>
-            </a:fld>
-            <a:endParaRPr lang="en-US" dirty="0"/>
-          </a:p>
-        </p:txBody>
-      </p:sp>
-    </p:spTree>
-    <p:extLst>
-      <p:ext uri="{BB962C8B-B14F-4D97-AF65-F5344CB8AC3E}">
-        <p14:creationId xmlns:p14="http://schemas.microsoft.com/office/powerpoint/2010/main" val="786716498"/>
-      </p:ext>
-    </p:extLst>
-  </p:cSld>
-  <p:clrMapOvr>
-    <a:masterClrMapping/>
-  </p:clrMapOvr>
-</p:notes>
-</file>
-
 <file path=ppt/slideLayouts/slideLayout1.xml><?xml version="1.0" encoding="utf-8"?>
 <p:sldLayout xmlns:a="http://schemas.openxmlformats.org/drawingml/2006/main" xmlns:r="http://schemas.openxmlformats.org/officeDocument/2006/relationships" xmlns:p="http://schemas.openxmlformats.org/presentationml/2006/main" type="title" preserve="1">
   <p:cSld name="Cover-city-1">
@@ -763,7 +681,7 @@
     </p:spTree>
     <p:extLst>
       <p:ext uri="{BB962C8B-B14F-4D97-AF65-F5344CB8AC3E}">
-        <p14:creationId xmlns:p14="http://schemas.microsoft.com/office/powerpoint/2010/main" val="295123329"/>
+        <p14:creationId xmlns:p14="http://schemas.microsoft.com/office/powerpoint/2010/main" xmlns="" val="295123329"/>
       </p:ext>
     </p:extLst>
   </p:cSld>
@@ -936,7 +854,7 @@
           <p:cNvPr id="5" name="文本占位符 4">
             <a:extLst>
               <a:ext uri="{FF2B5EF4-FFF2-40B4-BE49-F238E27FC236}">
-                <a16:creationId xmlns:a16="http://schemas.microsoft.com/office/drawing/2014/main" id="{FF1BB7E9-D01D-4422-8DDA-156D106FC852}"/>
+                <a16:creationId xmlns:a16="http://schemas.microsoft.com/office/drawing/2014/main" xmlns="" id="{FF1BB7E9-D01D-4422-8DDA-156D106FC852}"/>
               </a:ext>
             </a:extLst>
           </p:cNvPr>
@@ -983,7 +901,7 @@
           <p:cNvPr id="7" name="文本占位符 6">
             <a:extLst>
               <a:ext uri="{FF2B5EF4-FFF2-40B4-BE49-F238E27FC236}">
-                <a16:creationId xmlns:a16="http://schemas.microsoft.com/office/drawing/2014/main" id="{AA626C3F-AB41-4FE4-8ED2-A16B5384F07E}"/>
+                <a16:creationId xmlns:a16="http://schemas.microsoft.com/office/drawing/2014/main" xmlns="" id="{AA626C3F-AB41-4FE4-8ED2-A16B5384F07E}"/>
               </a:ext>
             </a:extLst>
           </p:cNvPr>
@@ -1028,7 +946,7 @@
     </p:spTree>
     <p:extLst>
       <p:ext uri="{BB962C8B-B14F-4D97-AF65-F5344CB8AC3E}">
-        <p14:creationId xmlns:p14="http://schemas.microsoft.com/office/powerpoint/2010/main" val="1687841636"/>
+        <p14:creationId xmlns:p14="http://schemas.microsoft.com/office/powerpoint/2010/main" xmlns="" val="1687841636"/>
       </p:ext>
     </p:extLst>
   </p:cSld>
@@ -1247,7 +1165,8 @@
           <a:p>
             <a:fld id="{74E3DBE9-5838-4F76-9364-D1D296611DE3}" type="datetime1">
               <a:rPr lang="fr-FR" altLang="zh-CN" smtClean="0"/>
-              <a:t>03/11/2020</a:t>
+              <a:pPr/>
+              <a:t>10/11/2020</a:t>
             </a:fld>
             <a:endParaRPr lang="fr-FR" dirty="0"/>
           </a:p>
@@ -1293,7 +1212,7 @@
   </p:clrMapOvr>
   <p:extLst>
     <p:ext uri="{DCECCB84-F9BA-43D5-87BE-67443E8EF086}">
-      <p15:sldGuideLst xmlns:p15="http://schemas.microsoft.com/office/powerpoint/2012/main">
+      <p15:sldGuideLst xmlns:p15="http://schemas.microsoft.com/office/powerpoint/2012/main" xmlns="">
         <p15:guide id="1" orient="horz" pos="3793" userDrawn="1">
           <p15:clr>
             <a:srgbClr val="FBAE40"/>
@@ -1352,7 +1271,7 @@
           <a:blip r:embed="rId2" cstate="print">
             <a:extLst>
               <a:ext uri="{28A0092B-C50C-407E-A947-70E740481C1C}">
-                <a14:useLocalDpi xmlns:a14="http://schemas.microsoft.com/office/drawing/2010/main"/>
+                <a14:useLocalDpi xmlns:a14="http://schemas.microsoft.com/office/drawing/2010/main" xmlns=""/>
               </a:ext>
             </a:extLst>
           </a:blip>
@@ -1415,7 +1334,7 @@
           <p:cNvPr id="2" name="矩形 1">
             <a:extLst>
               <a:ext uri="{FF2B5EF4-FFF2-40B4-BE49-F238E27FC236}">
-                <a16:creationId xmlns:a16="http://schemas.microsoft.com/office/drawing/2014/main" id="{58BC38D0-5C0A-4522-9900-265F04CA18CE}"/>
+                <a16:creationId xmlns:a16="http://schemas.microsoft.com/office/drawing/2014/main" xmlns="" id="{58BC38D0-5C0A-4522-9900-265F04CA18CE}"/>
               </a:ext>
             </a:extLst>
           </p:cNvPr>
@@ -1465,7 +1384,7 @@
     </p:spTree>
     <p:extLst>
       <p:ext uri="{BB962C8B-B14F-4D97-AF65-F5344CB8AC3E}">
-        <p14:creationId xmlns:p14="http://schemas.microsoft.com/office/powerpoint/2010/main" val="783885681"/>
+        <p14:creationId xmlns:p14="http://schemas.microsoft.com/office/powerpoint/2010/main" xmlns="" val="783885681"/>
       </p:ext>
     </p:extLst>
   </p:cSld>
@@ -1474,7 +1393,7 @@
   </p:clrMapOvr>
   <p:extLst>
     <p:ext uri="{DCECCB84-F9BA-43D5-87BE-67443E8EF086}">
-      <p15:sldGuideLst xmlns:p15="http://schemas.microsoft.com/office/powerpoint/2012/main"/>
+      <p15:sldGuideLst xmlns:p15="http://schemas.microsoft.com/office/powerpoint/2012/main" xmlns=""/>
     </p:ext>
   </p:extLst>
 </p:sldLayout>
@@ -1544,7 +1463,8 @@
           <a:p>
             <a:fld id="{0BA9FFE5-A643-4B62-BF2B-5FE6DE605367}" type="datetime1">
               <a:rPr lang="fr-FR" altLang="zh-CN" smtClean="0"/>
-              <a:t>03/11/2020</a:t>
+              <a:pPr/>
+              <a:t>10/11/2020</a:t>
             </a:fld>
             <a:endParaRPr lang="en-US" dirty="0"/>
           </a:p>
@@ -1599,7 +1519,7 @@
     </p:spTree>
     <p:extLst>
       <p:ext uri="{BB962C8B-B14F-4D97-AF65-F5344CB8AC3E}">
-        <p14:creationId xmlns:p14="http://schemas.microsoft.com/office/powerpoint/2010/main" val="3341785124"/>
+        <p14:creationId xmlns:p14="http://schemas.microsoft.com/office/powerpoint/2010/main" xmlns="" val="3341785124"/>
       </p:ext>
     </p:extLst>
   </p:cSld>
@@ -1669,7 +1589,8 @@
           <a:p>
             <a:fld id="{0BA9FFE5-A643-4B62-BF2B-5FE6DE605367}" type="datetime1">
               <a:rPr lang="fr-FR" altLang="zh-CN" smtClean="0"/>
-              <a:t>03/11/2020</a:t>
+              <a:pPr/>
+              <a:t>10/11/2020</a:t>
             </a:fld>
             <a:endParaRPr lang="en-US" dirty="0"/>
           </a:p>
@@ -1766,7 +1687,7 @@
     </p:spTree>
     <p:extLst>
       <p:ext uri="{BB962C8B-B14F-4D97-AF65-F5344CB8AC3E}">
-        <p14:creationId xmlns:p14="http://schemas.microsoft.com/office/powerpoint/2010/main" val="76914611"/>
+        <p14:creationId xmlns:p14="http://schemas.microsoft.com/office/powerpoint/2010/main" xmlns="" val="76914611"/>
       </p:ext>
     </p:extLst>
   </p:cSld>
@@ -2079,165 +2000,64 @@
           <a:chExt cx="0" cy="0"/>
         </a:xfrm>
       </p:grpSpPr>
-      <p:pic>
-        <p:nvPicPr>
-          <p:cNvPr id="7" name="圖片 6">
-            <a:extLst>
-              <a:ext uri="{FF2B5EF4-FFF2-40B4-BE49-F238E27FC236}">
-                <a16:creationId xmlns:a16="http://schemas.microsoft.com/office/drawing/2014/main" id="{0E761BDF-C702-47A0-A896-D5BEB88E5343}"/>
-              </a:ext>
-            </a:extLst>
-          </p:cNvPr>
-          <p:cNvPicPr>
-            <a:picLocks noChangeAspect="1"/>
-          </p:cNvPicPr>
-          <p:nvPr/>
-        </p:nvPicPr>
-        <p:blipFill>
-          <a:blip r:embed="rId3">
-            <a:duotone>
-              <a:schemeClr val="bg2">
-                <a:shade val="45000"/>
-                <a:satMod val="135000"/>
-              </a:schemeClr>
-              <a:prstClr val="white"/>
-            </a:duotone>
-            <a:extLst>
-              <a:ext uri="{BEBA8EAE-BF5A-486C-A8C5-ECC9F3942E4B}">
-                <a14:imgProps xmlns:a14="http://schemas.microsoft.com/office/drawing/2010/main">
-                  <a14:imgLayer r:embed="rId4">
-                    <a14:imgEffect>
-                      <a14:artisticChalkSketch/>
-                    </a14:imgEffect>
-                  </a14:imgLayer>
-                </a14:imgProps>
-              </a:ext>
-            </a:extLst>
-          </a:blip>
-          <a:stretch>
-            <a:fillRect/>
-          </a:stretch>
-        </p:blipFill>
-        <p:spPr>
-          <a:xfrm>
-            <a:off x="0" y="0"/>
-            <a:ext cx="12192000" cy="6858000"/>
-          </a:xfrm>
-          <a:prstGeom prst="rect">
-            <a:avLst/>
-          </a:prstGeom>
-        </p:spPr>
-      </p:pic>
-      <p:sp>
-        <p:nvSpPr>
-          <p:cNvPr id="2" name="標題 1">
-            <a:extLst>
-              <a:ext uri="{FF2B5EF4-FFF2-40B4-BE49-F238E27FC236}">
-                <a16:creationId xmlns:a16="http://schemas.microsoft.com/office/drawing/2014/main" id="{6B4D2C1F-F6B7-4405-B259-2CDC77E20ACC}"/>
-              </a:ext>
-            </a:extLst>
-          </p:cNvPr>
+      <p:sp>
+        <p:nvSpPr>
+          <p:cNvPr id="3" name="Content Placeholder 2"/>
           <p:cNvSpPr>
             <a:spLocks noGrp="1"/>
           </p:cNvSpPr>
           <p:nvPr>
-            <p:ph type="ctrTitle"/>
+            <p:ph idx="1"/>
           </p:nvPr>
         </p:nvSpPr>
         <p:spPr>
           <a:xfrm>
-            <a:off x="891387" y="1159847"/>
-            <a:ext cx="10028250" cy="2548947"/>
-          </a:xfrm>
-        </p:spPr>
+            <a:off x="1034321" y="956547"/>
+            <a:ext cx="4608833" cy="480367"/>
+          </a:xfrm>
+        </p:spPr>
+        <p:style>
+          <a:lnRef idx="1">
+            <a:schemeClr val="accent1"/>
+          </a:lnRef>
+          <a:fillRef idx="3">
+            <a:schemeClr val="accent1"/>
+          </a:fillRef>
+          <a:effectRef idx="2">
+            <a:schemeClr val="accent1"/>
+          </a:effectRef>
+          <a:fontRef idx="minor">
+            <a:schemeClr val="lt1"/>
+          </a:fontRef>
+        </p:style>
         <p:txBody>
           <a:bodyPr>
-            <a:normAutofit fontScale="90000"/>
+            <a:normAutofit/>
           </a:bodyPr>
           <a:lstStyle/>
           <a:p>
-            <a:r>
-              <a:rPr lang="en-CA" altLang="zh-TW" b="1" dirty="0">
+            <a:pPr algn="ctr">
+              <a:buNone/>
+            </a:pPr>
+            <a:r>
+              <a:rPr lang="en-CA" sz="2000" b="1" dirty="0" smtClean="0">
                 <a:solidFill>
-                  <a:schemeClr val="bg2">
-                    <a:lumMod val="25000"/>
-                  </a:schemeClr>
+                  <a:schemeClr val="bg1"/>
                 </a:solidFill>
-                <a:latin typeface="+mj-lt"/>
               </a:rPr>
-              <a:t>Scope: </a:t>
-            </a:r>
-            <a:br>
-              <a:rPr lang="en-CA" altLang="zh-TW" b="1" dirty="0">
-                <a:solidFill>
-                  <a:schemeClr val="bg2">
-                    <a:lumMod val="25000"/>
-                  </a:schemeClr>
-                </a:solidFill>
-                <a:latin typeface="+mj-lt"/>
-              </a:rPr>
-            </a:br>
-            <a:br>
-              <a:rPr lang="en-CA" altLang="zh-TW" b="1" dirty="0">
-                <a:solidFill>
-                  <a:schemeClr val="bg2">
-                    <a:lumMod val="25000"/>
-                  </a:schemeClr>
-                </a:solidFill>
-                <a:latin typeface="+mj-lt"/>
-              </a:rPr>
-            </a:br>
-            <a:r>
-              <a:rPr lang="en-CA" altLang="zh-TW" b="1" dirty="0">
-                <a:solidFill>
-                  <a:schemeClr val="bg2">
-                    <a:lumMod val="25000"/>
-                  </a:schemeClr>
-                </a:solidFill>
-                <a:latin typeface="+mj-lt"/>
-              </a:rPr>
-              <a:t>Is Tesla Equity Outperforming the Market for the next 5, 10 and 15 Years? </a:t>
-            </a:r>
-            <a:br>
-              <a:rPr lang="en-CA" altLang="zh-TW" b="1" dirty="0">
-                <a:solidFill>
-                  <a:schemeClr val="bg2">
-                    <a:lumMod val="25000"/>
-                  </a:schemeClr>
-                </a:solidFill>
-                <a:latin typeface="+mj-lt"/>
-              </a:rPr>
-            </a:br>
-            <a:br>
-              <a:rPr lang="en-CA" altLang="zh-TW" b="1" dirty="0">
-                <a:solidFill>
-                  <a:schemeClr val="bg2">
-                    <a:lumMod val="25000"/>
-                  </a:schemeClr>
-                </a:solidFill>
-                <a:latin typeface="+mj-lt"/>
-              </a:rPr>
-            </a:br>
-            <a:endParaRPr lang="zh-TW" altLang="en-US" b="1" dirty="0">
+              <a:t>EV  cars in road in 2020</a:t>
+            </a:r>
+            <a:endParaRPr lang="en-CA" sz="2000" b="1" dirty="0">
               <a:solidFill>
-                <a:schemeClr val="bg2">
-                  <a:lumMod val="25000"/>
-                </a:schemeClr>
+                <a:schemeClr val="bg1"/>
               </a:solidFill>
-              <a:latin typeface="+mj-lt"/>
             </a:endParaRPr>
           </a:p>
         </p:txBody>
       </p:sp>
       <p:sp>
         <p:nvSpPr>
-          <p:cNvPr id="4" name="投影片編號版面配置區 3">
-            <a:extLst>
-              <a:ext uri="{FF2B5EF4-FFF2-40B4-BE49-F238E27FC236}">
-                <a16:creationId xmlns:a16="http://schemas.microsoft.com/office/drawing/2014/main" id="{66BF599D-059F-44AC-A463-707CDC8040F4}"/>
-              </a:ext>
-            </a:extLst>
-          </p:cNvPr>
+          <p:cNvPr id="4" name="Slide Number Placeholder 3"/>
           <p:cNvSpPr>
             <a:spLocks noGrp="1"/>
           </p:cNvSpPr>
@@ -2261,37 +2081,27 @@
       </p:sp>
       <p:sp>
         <p:nvSpPr>
-          <p:cNvPr id="8" name="矩形 7">
-            <a:extLst>
-              <a:ext uri="{FF2B5EF4-FFF2-40B4-BE49-F238E27FC236}">
-                <a16:creationId xmlns:a16="http://schemas.microsoft.com/office/drawing/2014/main" id="{05A7DF6E-9483-47CA-A81F-5469D961B2D4}"/>
-              </a:ext>
-            </a:extLst>
-          </p:cNvPr>
+          <p:cNvPr id="5" name="Rectangle 4"/>
           <p:cNvSpPr/>
           <p:nvPr/>
         </p:nvSpPr>
         <p:spPr>
           <a:xfrm>
-            <a:off x="609600" y="1028700"/>
-            <a:ext cx="10896600" cy="5080761"/>
+            <a:off x="6217919" y="870159"/>
+            <a:ext cx="5135885" cy="1133510"/>
           </a:xfrm>
           <a:prstGeom prst="rect">
             <a:avLst/>
           </a:prstGeom>
-          <a:noFill/>
-          <a:ln w="28575"/>
         </p:spPr>
         <p:style>
-          <a:lnRef idx="2">
-            <a:schemeClr val="accent1">
-              <a:shade val="50000"/>
-            </a:schemeClr>
+          <a:lnRef idx="1">
+            <a:schemeClr val="accent1"/>
           </a:lnRef>
-          <a:fillRef idx="1">
+          <a:fillRef idx="3">
             <a:schemeClr val="accent1"/>
           </a:fillRef>
-          <a:effectRef idx="0">
+          <a:effectRef idx="2">
             <a:schemeClr val="accent1"/>
           </a:effectRef>
           <a:fontRef idx="minor">
@@ -2303,16 +2113,453 @@
           <a:lstStyle/>
           <a:p>
             <a:pPr algn="ctr"/>
-            <a:endParaRPr lang="zh-TW" altLang="en-US"/>
+            <a:r>
+              <a:rPr lang="en-CA" sz="2000" dirty="0" smtClean="0">
+                <a:latin typeface="Microsoft JhengHei" pitchFamily="34" charset="-120"/>
+                <a:ea typeface="Microsoft JhengHei" pitchFamily="34" charset="-120"/>
+              </a:rPr>
+              <a:t>Percent of global passengers will use </a:t>
+            </a:r>
+            <a:r>
+              <a:rPr lang="en-CA" sz="2000" dirty="0" err="1" smtClean="0">
+                <a:latin typeface="Microsoft JhengHei" pitchFamily="34" charset="-120"/>
+                <a:ea typeface="Microsoft JhengHei" pitchFamily="34" charset="-120"/>
+              </a:rPr>
+              <a:t>Evs</a:t>
+            </a:r>
+            <a:r>
+              <a:rPr lang="en-CA" sz="2000" dirty="0" smtClean="0">
+                <a:latin typeface="Microsoft JhengHei" pitchFamily="34" charset="-120"/>
+                <a:ea typeface="Microsoft JhengHei" pitchFamily="34" charset="-120"/>
+              </a:rPr>
+              <a:t> by 2040.</a:t>
+            </a:r>
+            <a:br>
+              <a:rPr lang="en-CA" sz="2000" dirty="0" smtClean="0">
+                <a:latin typeface="Microsoft JhengHei" pitchFamily="34" charset="-120"/>
+                <a:ea typeface="Microsoft JhengHei" pitchFamily="34" charset="-120"/>
+              </a:rPr>
+            </a:br>
+            <a:endParaRPr lang="en-CA" sz="2000" dirty="0">
+              <a:latin typeface="Microsoft JhengHei" pitchFamily="34" charset="-120"/>
+              <a:ea typeface="Microsoft JhengHei" pitchFamily="34" charset="-120"/>
+            </a:endParaRPr>
+          </a:p>
+        </p:txBody>
+      </p:sp>
+      <p:sp>
+        <p:nvSpPr>
+          <p:cNvPr id="6" name="Rectangle 5"/>
+          <p:cNvSpPr/>
+          <p:nvPr/>
+        </p:nvSpPr>
+        <p:spPr>
+          <a:xfrm>
+            <a:off x="1034321" y="4232366"/>
+            <a:ext cx="4608828" cy="705394"/>
+          </a:xfrm>
+          <a:prstGeom prst="rect">
+            <a:avLst/>
+          </a:prstGeom>
+        </p:spPr>
+        <p:style>
+          <a:lnRef idx="1">
+            <a:schemeClr val="accent1"/>
+          </a:lnRef>
+          <a:fillRef idx="3">
+            <a:schemeClr val="accent1"/>
+          </a:fillRef>
+          <a:effectRef idx="2">
+            <a:schemeClr val="accent1"/>
+          </a:effectRef>
+          <a:fontRef idx="minor">
+            <a:schemeClr val="lt1"/>
+          </a:fontRef>
+        </p:style>
+        <p:txBody>
+          <a:bodyPr rtlCol="0" anchor="ctr"/>
+          <a:lstStyle/>
+          <a:p>
+            <a:pPr algn="ctr"/>
+            <a:r>
+              <a:rPr lang="en-CA" sz="2000" b="1" dirty="0" smtClean="0">
+                <a:latin typeface="Microsoft JhengHei" pitchFamily="34" charset="-120"/>
+                <a:ea typeface="Microsoft JhengHei" pitchFamily="34" charset="-120"/>
+              </a:rPr>
+              <a:t>Green Hydrogen cost cut </a:t>
+            </a:r>
+            <a:endParaRPr lang="en-CA" sz="2000" b="1" dirty="0">
+              <a:latin typeface="Microsoft JhengHei" pitchFamily="34" charset="-120"/>
+              <a:ea typeface="Microsoft JhengHei" pitchFamily="34" charset="-120"/>
+            </a:endParaRPr>
+          </a:p>
+        </p:txBody>
+      </p:sp>
+      <p:sp>
+        <p:nvSpPr>
+          <p:cNvPr id="7" name="Rectangle 6"/>
+          <p:cNvSpPr/>
+          <p:nvPr/>
+        </p:nvSpPr>
+        <p:spPr>
+          <a:xfrm>
+            <a:off x="6217920" y="4232366"/>
+            <a:ext cx="5135885" cy="705394"/>
+          </a:xfrm>
+          <a:prstGeom prst="rect">
+            <a:avLst/>
+          </a:prstGeom>
+        </p:spPr>
+        <p:style>
+          <a:lnRef idx="1">
+            <a:schemeClr val="accent1"/>
+          </a:lnRef>
+          <a:fillRef idx="3">
+            <a:schemeClr val="accent1"/>
+          </a:fillRef>
+          <a:effectRef idx="2">
+            <a:schemeClr val="accent1"/>
+          </a:effectRef>
+          <a:fontRef idx="minor">
+            <a:schemeClr val="lt1"/>
+          </a:fontRef>
+        </p:style>
+        <p:txBody>
+          <a:bodyPr rtlCol="0" anchor="ctr"/>
+          <a:lstStyle/>
+          <a:p>
+            <a:pPr algn="ctr"/>
+            <a:r>
+              <a:rPr lang="en-CA" sz="2000" b="1" dirty="0" err="1" smtClean="0">
+                <a:latin typeface="Microsoft JhengHei" pitchFamily="34" charset="-120"/>
+                <a:ea typeface="Microsoft JhengHei" pitchFamily="34" charset="-120"/>
+              </a:rPr>
+              <a:t>Evs</a:t>
+            </a:r>
+            <a:r>
+              <a:rPr lang="en-CA" sz="2000" b="1" dirty="0" smtClean="0">
+                <a:latin typeface="Microsoft JhengHei" pitchFamily="34" charset="-120"/>
+                <a:ea typeface="Microsoft JhengHei" pitchFamily="34" charset="-120"/>
+              </a:rPr>
+              <a:t> performance by 2040</a:t>
+            </a:r>
+            <a:r>
+              <a:rPr lang="en-CA" dirty="0" smtClean="0"/>
+              <a:t>.</a:t>
+            </a:r>
+            <a:endParaRPr lang="en-CA" dirty="0"/>
+          </a:p>
+        </p:txBody>
+      </p:sp>
+      <p:sp>
+        <p:nvSpPr>
+          <p:cNvPr id="8" name="Title 7"/>
+          <p:cNvSpPr>
+            <a:spLocks noGrp="1"/>
+          </p:cNvSpPr>
+          <p:nvPr>
+            <p:ph type="title"/>
+          </p:nvPr>
+        </p:nvSpPr>
+        <p:spPr>
+          <a:xfrm>
+            <a:off x="1436914" y="429244"/>
+            <a:ext cx="10319479" cy="527303"/>
+          </a:xfrm>
+        </p:spPr>
+        <p:txBody>
+          <a:bodyPr>
+            <a:normAutofit fontScale="90000"/>
+          </a:bodyPr>
+          <a:lstStyle/>
+          <a:p>
+            <a:r>
+              <a:rPr lang="en-CA" dirty="0" smtClean="0"/>
+              <a:t>EV Outbreaks , from 2020 to 2040:</a:t>
+            </a:r>
+            <a:br>
+              <a:rPr lang="en-CA" dirty="0" smtClean="0"/>
+            </a:br>
+            <a:endParaRPr lang="en-CA" dirty="0"/>
+          </a:p>
+        </p:txBody>
+      </p:sp>
+      <p:sp>
+        <p:nvSpPr>
+          <p:cNvPr id="9" name="Rectangle 8"/>
+          <p:cNvSpPr/>
+          <p:nvPr/>
+        </p:nvSpPr>
+        <p:spPr>
+          <a:xfrm>
+            <a:off x="1034326" y="1436914"/>
+            <a:ext cx="4608828" cy="2011681"/>
+          </a:xfrm>
+          <a:prstGeom prst="rect">
+            <a:avLst/>
+          </a:prstGeom>
+        </p:spPr>
+        <p:style>
+          <a:lnRef idx="2">
+            <a:schemeClr val="dk1"/>
+          </a:lnRef>
+          <a:fillRef idx="1">
+            <a:schemeClr val="lt1"/>
+          </a:fillRef>
+          <a:effectRef idx="0">
+            <a:schemeClr val="dk1"/>
+          </a:effectRef>
+          <a:fontRef idx="minor">
+            <a:schemeClr val="dk1"/>
+          </a:fontRef>
+        </p:style>
+        <p:txBody>
+          <a:bodyPr rtlCol="0" anchor="ctr"/>
+          <a:lstStyle/>
+          <a:p>
+            <a:pPr marL="342900" lvl="0" indent="-342900">
+              <a:buFont typeface="Wingdings" pitchFamily="2" charset="2"/>
+              <a:buChar char="§"/>
+            </a:pPr>
+            <a:r>
+              <a:rPr lang="en-CA" b="1" dirty="0" smtClean="0"/>
+              <a:t>500,000 e-buses</a:t>
+            </a:r>
+          </a:p>
+          <a:p>
+            <a:pPr marL="342900" lvl="0" indent="-342900">
+              <a:buFont typeface="Wingdings" pitchFamily="2" charset="2"/>
+              <a:buChar char="§"/>
+            </a:pPr>
+            <a:r>
+              <a:rPr lang="en-CA" b="1" dirty="0" smtClean="0"/>
+              <a:t>400,000 electric delivery vans and trucks</a:t>
+            </a:r>
+          </a:p>
+          <a:p>
+            <a:pPr lvl="0">
+              <a:buFont typeface="Wingdings" pitchFamily="2" charset="2"/>
+              <a:buChar char="§"/>
+            </a:pPr>
+            <a:r>
+              <a:rPr lang="en-CA" b="1" dirty="0" smtClean="0"/>
+              <a:t> 184 million electric mopeds, scooters and motorcycles on the road globally.</a:t>
+            </a:r>
+          </a:p>
+          <a:p>
+            <a:r>
+              <a:rPr lang="en-CA" b="1" dirty="0" smtClean="0"/>
+              <a:t>            source: Bloomberg</a:t>
+            </a:r>
+          </a:p>
+          <a:p>
+            <a:pPr lvl="0"/>
+            <a:endParaRPr lang="en-CA" b="1" dirty="0"/>
+          </a:p>
+        </p:txBody>
+      </p:sp>
+      <p:sp>
+        <p:nvSpPr>
+          <p:cNvPr id="10" name="Rectangle 9"/>
+          <p:cNvSpPr/>
+          <p:nvPr/>
+        </p:nvSpPr>
+        <p:spPr>
+          <a:xfrm>
+            <a:off x="6217920" y="1750423"/>
+            <a:ext cx="5135884" cy="1698172"/>
+          </a:xfrm>
+          <a:prstGeom prst="rect">
+            <a:avLst/>
+          </a:prstGeom>
+        </p:spPr>
+        <p:style>
+          <a:lnRef idx="2">
+            <a:schemeClr val="dk1"/>
+          </a:lnRef>
+          <a:fillRef idx="1">
+            <a:schemeClr val="lt1"/>
+          </a:fillRef>
+          <a:effectRef idx="0">
+            <a:schemeClr val="dk1"/>
+          </a:effectRef>
+          <a:fontRef idx="minor">
+            <a:schemeClr val="dk1"/>
+          </a:fontRef>
+        </p:style>
+        <p:txBody>
+          <a:bodyPr rtlCol="0" anchor="ctr"/>
+          <a:lstStyle/>
+          <a:p>
+            <a:pPr lvl="0">
+              <a:buFont typeface="Wingdings" pitchFamily="2" charset="2"/>
+              <a:buChar char="§"/>
+            </a:pPr>
+            <a:r>
+              <a:rPr lang="en-CA" b="1" dirty="0" smtClean="0"/>
+              <a:t>EVs hit global passenger vehicle sales 10% in 2025 .</a:t>
+            </a:r>
+          </a:p>
+          <a:p>
+            <a:pPr>
+              <a:buFont typeface="Wingdings" pitchFamily="2" charset="2"/>
+              <a:buChar char="§"/>
+            </a:pPr>
+            <a:r>
+              <a:rPr lang="en-CA" b="1" dirty="0" smtClean="0"/>
+              <a:t>It will be increased by  28% in 2030.</a:t>
+            </a:r>
+          </a:p>
+          <a:p>
+            <a:pPr>
+              <a:buFont typeface="Wingdings" pitchFamily="2" charset="2"/>
+              <a:buChar char="§"/>
+            </a:pPr>
+            <a:r>
+              <a:rPr lang="en-CA" b="1" dirty="0" smtClean="0"/>
+              <a:t>It will be  increased by 58% in 2040.</a:t>
+            </a:r>
+          </a:p>
+          <a:p>
+            <a:pPr lvl="0"/>
+            <a:r>
+              <a:rPr lang="en-CA" b="1" dirty="0" smtClean="0"/>
+              <a:t>source: Bloomberg</a:t>
+            </a:r>
+          </a:p>
+          <a:p>
+            <a:pPr>
+              <a:buFont typeface="Wingdings" pitchFamily="2" charset="2"/>
+              <a:buChar char="§"/>
+            </a:pPr>
+            <a:endParaRPr lang="en-CA" b="1" dirty="0"/>
+          </a:p>
+        </p:txBody>
+      </p:sp>
+      <p:sp>
+        <p:nvSpPr>
+          <p:cNvPr id="11" name="Rectangle 10"/>
+          <p:cNvSpPr/>
+          <p:nvPr/>
+        </p:nvSpPr>
+        <p:spPr>
+          <a:xfrm>
+            <a:off x="1034321" y="4937760"/>
+            <a:ext cx="4608833" cy="1802674"/>
+          </a:xfrm>
+          <a:prstGeom prst="rect">
+            <a:avLst/>
+          </a:prstGeom>
+        </p:spPr>
+        <p:style>
+          <a:lnRef idx="2">
+            <a:schemeClr val="dk1"/>
+          </a:lnRef>
+          <a:fillRef idx="1">
+            <a:schemeClr val="lt1"/>
+          </a:fillRef>
+          <a:effectRef idx="0">
+            <a:schemeClr val="dk1"/>
+          </a:effectRef>
+          <a:fontRef idx="minor">
+            <a:schemeClr val="dk1"/>
+          </a:fontRef>
+        </p:style>
+        <p:txBody>
+          <a:bodyPr rtlCol="0" anchor="ctr"/>
+          <a:lstStyle/>
+          <a:p>
+            <a:pPr lvl="0">
+              <a:buFont typeface="Wingdings" pitchFamily="2" charset="2"/>
+              <a:buChar char="§"/>
+            </a:pPr>
+            <a:r>
+              <a:rPr lang="en-CA" b="1" dirty="0" smtClean="0"/>
+              <a:t>Green hydrogen costs will fall by up to 64% by 2040.</a:t>
+            </a:r>
+          </a:p>
+          <a:p>
+            <a:r>
+              <a:rPr lang="en-CA" b="1" dirty="0" smtClean="0"/>
+              <a:t>           Source: wood Mackenzie</a:t>
+            </a:r>
+            <a:endParaRPr lang="en-CA" dirty="0" smtClean="0"/>
+          </a:p>
+          <a:p>
+            <a:pPr lvl="0">
+              <a:buFont typeface="Wingdings" pitchFamily="2" charset="2"/>
+              <a:buChar char="§"/>
+            </a:pPr>
+            <a:endParaRPr lang="en-CA" dirty="0"/>
+          </a:p>
+        </p:txBody>
+      </p:sp>
+      <p:sp>
+        <p:nvSpPr>
+          <p:cNvPr id="12" name="Rectangle 11"/>
+          <p:cNvSpPr/>
+          <p:nvPr/>
+        </p:nvSpPr>
+        <p:spPr>
+          <a:xfrm>
+            <a:off x="6217921" y="4937759"/>
+            <a:ext cx="5135884" cy="1783723"/>
+          </a:xfrm>
+          <a:prstGeom prst="rect">
+            <a:avLst/>
+          </a:prstGeom>
+        </p:spPr>
+        <p:style>
+          <a:lnRef idx="2">
+            <a:schemeClr val="dk1"/>
+          </a:lnRef>
+          <a:fillRef idx="1">
+            <a:schemeClr val="lt1"/>
+          </a:fillRef>
+          <a:effectRef idx="0">
+            <a:schemeClr val="dk1"/>
+          </a:effectRef>
+          <a:fontRef idx="minor">
+            <a:schemeClr val="dk1"/>
+          </a:fontRef>
+        </p:style>
+        <p:txBody>
+          <a:bodyPr rtlCol="0" anchor="ctr"/>
+          <a:lstStyle/>
+          <a:p>
+            <a:pPr lvl="0">
+              <a:buFont typeface="Wingdings" pitchFamily="2" charset="2"/>
+              <a:buChar char="§"/>
+            </a:pPr>
+            <a:r>
+              <a:rPr lang="en-CA" b="1" dirty="0" smtClean="0"/>
+              <a:t>By 2040, 500 million passenger uses EVs on the road</a:t>
+            </a:r>
+          </a:p>
+          <a:p>
+            <a:pPr lvl="0">
+              <a:buFont typeface="Wingdings" pitchFamily="2" charset="2"/>
+              <a:buChar char="§"/>
+            </a:pPr>
+            <a:r>
+              <a:rPr lang="en-CA" b="1" dirty="0" smtClean="0"/>
+              <a:t>31% of the world's passenger cars are electric </a:t>
+            </a:r>
+          </a:p>
+          <a:p>
+            <a:pPr lvl="0"/>
+            <a:r>
+              <a:rPr lang="en-CA" b="1" dirty="0" smtClean="0"/>
+              <a:t>            source: Bloomberg</a:t>
+            </a:r>
+          </a:p>
+          <a:p>
+            <a:pPr algn="ctr"/>
+            <a:endParaRPr lang="en-CA" b="1" dirty="0"/>
           </a:p>
         </p:txBody>
       </p:sp>
     </p:spTree>
-    <p:extLst>
-      <p:ext uri="{BB962C8B-B14F-4D97-AF65-F5344CB8AC3E}">
-        <p14:creationId xmlns:p14="http://schemas.microsoft.com/office/powerpoint/2010/main" val="869296336"/>
-      </p:ext>
-    </p:extLst>
   </p:cSld>
   <p:clrMapOvr>
     <a:masterClrMapping/>
@@ -2339,13 +2586,7 @@
       </p:grpSpPr>
       <p:sp>
         <p:nvSpPr>
-          <p:cNvPr id="2" name="Title 1">
-            <a:extLst>
-              <a:ext uri="{FF2B5EF4-FFF2-40B4-BE49-F238E27FC236}">
-                <a16:creationId xmlns:a16="http://schemas.microsoft.com/office/drawing/2014/main" id="{30941627-7492-44E5-A7E2-0A1D695D7CA9}"/>
-              </a:ext>
-            </a:extLst>
-          </p:cNvPr>
+          <p:cNvPr id="2" name="Title 1"/>
           <p:cNvSpPr>
             <a:spLocks noGrp="1"/>
           </p:cNvSpPr>
@@ -2355,124 +2596,77 @@
         </p:nvSpPr>
         <p:spPr>
           <a:xfrm>
-            <a:off x="743991" y="457200"/>
-            <a:ext cx="10675375" cy="2434187"/>
+            <a:off x="1034326" y="429244"/>
+            <a:ext cx="10319479" cy="527303"/>
+          </a:xfrm>
+        </p:spPr>
+        <p:txBody>
+          <a:bodyPr/>
+          <a:lstStyle/>
+          <a:p>
+            <a:r>
+              <a:rPr lang="en-CA" dirty="0" smtClean="0"/>
+              <a:t>EV Outbreaks , from 2020 to 2040</a:t>
+            </a:r>
+            <a:endParaRPr lang="en-CA" dirty="0"/>
+          </a:p>
+        </p:txBody>
+      </p:sp>
+      <p:sp>
+        <p:nvSpPr>
+          <p:cNvPr id="3" name="Content Placeholder 2"/>
+          <p:cNvSpPr>
+            <a:spLocks noGrp="1"/>
+          </p:cNvSpPr>
+          <p:nvPr>
+            <p:ph idx="1"/>
+          </p:nvPr>
+        </p:nvSpPr>
+        <p:spPr>
+          <a:xfrm rot="10800000" flipV="1">
+            <a:off x="1034322" y="1567542"/>
+            <a:ext cx="4034068" cy="1567544"/>
           </a:xfrm>
         </p:spPr>
         <p:txBody>
           <a:bodyPr>
-            <a:normAutofit fontScale="90000"/>
+            <a:normAutofit/>
           </a:bodyPr>
           <a:lstStyle/>
           <a:p>
-            <a:r>
-              <a:rPr lang="en-CA" sz="2200" b="0" dirty="0">
-                <a:effectLst/>
-                <a:latin typeface="Consolas" panose="020B0609020204030204" pitchFamily="49" charset="0"/>
-              </a:rPr>
-              <a:t>2. </a:t>
-            </a:r>
-            <a:r>
-              <a:rPr lang="en-CA" sz="2200" dirty="0">
-                <a:latin typeface="Consolas" panose="020B0609020204030204" pitchFamily="49" charset="0"/>
-              </a:rPr>
-              <a:t>Plot Data:</a:t>
-            </a:r>
-            <a:br>
-              <a:rPr lang="en-CA" sz="2200" dirty="0">
-                <a:latin typeface="Consolas" panose="020B0609020204030204" pitchFamily="49" charset="0"/>
-              </a:rPr>
-            </a:br>
-            <a:br>
-              <a:rPr lang="en-CA" sz="2200" b="0" dirty="0">
-                <a:effectLst/>
-                <a:latin typeface="Consolas" panose="020B0609020204030204" pitchFamily="49" charset="0"/>
-              </a:rPr>
-            </a:br>
-            <a:r>
-              <a:rPr lang="en-CA" sz="2200" b="0" dirty="0">
-                <a:effectLst/>
-                <a:latin typeface="Consolas" panose="020B0609020204030204" pitchFamily="49" charset="0"/>
-              </a:rPr>
-              <a:t>Python</a:t>
-            </a:r>
-            <a:br>
-              <a:rPr lang="en-CA" sz="2200" b="0" dirty="0">
-                <a:effectLst/>
-                <a:latin typeface="Consolas" panose="020B0609020204030204" pitchFamily="49" charset="0"/>
-              </a:rPr>
-            </a:br>
-            <a:r>
-              <a:rPr lang="en-US" sz="2200" b="0" dirty="0">
-                <a:effectLst/>
-                <a:latin typeface="Consolas" panose="020B0609020204030204" pitchFamily="49" charset="0"/>
-              </a:rPr>
-              <a:t>API Alpaca for historical TSLA stock price, Index, Bond Yield</a:t>
-            </a:r>
-            <a:br>
-              <a:rPr lang="en-US" sz="2200" b="0" dirty="0">
-                <a:effectLst/>
-                <a:latin typeface="Consolas" panose="020B0609020204030204" pitchFamily="49" charset="0"/>
-              </a:rPr>
-            </a:br>
-            <a:r>
-              <a:rPr lang="en-CA" sz="2200" dirty="0">
-                <a:latin typeface="Consolas" panose="020B0609020204030204" pitchFamily="49" charset="0"/>
-              </a:rPr>
-              <a:t>M</a:t>
-            </a:r>
-            <a:r>
-              <a:rPr lang="en-CA" sz="2200" b="0" dirty="0">
-                <a:effectLst/>
-                <a:latin typeface="Consolas" panose="020B0609020204030204" pitchFamily="49" charset="0"/>
-              </a:rPr>
-              <a:t>atplotlib (charging stations)</a:t>
-            </a:r>
-            <a:br>
-              <a:rPr lang="en-CA" sz="2200" b="0" dirty="0">
-                <a:effectLst/>
-                <a:latin typeface="Consolas" panose="020B0609020204030204" pitchFamily="49" charset="0"/>
-              </a:rPr>
-            </a:br>
-            <a:r>
-              <a:rPr lang="en-CA" sz="2200" b="0" dirty="0">
-                <a:effectLst/>
-                <a:latin typeface="Consolas" panose="020B0609020204030204" pitchFamily="49" charset="0"/>
-              </a:rPr>
-              <a:t>Dashboard</a:t>
-            </a:r>
-            <a:br>
-              <a:rPr lang="en-CA" sz="2200" b="0" dirty="0">
-                <a:effectLst/>
-                <a:latin typeface="Consolas" panose="020B0609020204030204" pitchFamily="49" charset="0"/>
-              </a:rPr>
-            </a:br>
-            <a:r>
-              <a:rPr lang="en-CA" sz="2200" b="0" dirty="0">
-                <a:effectLst/>
-                <a:latin typeface="Consolas" panose="020B0609020204030204" pitchFamily="49" charset="0"/>
-              </a:rPr>
-              <a:t>Monte Carlo simulation</a:t>
-            </a:r>
-            <a:br>
-              <a:rPr lang="en-CA" b="0" dirty="0">
-                <a:effectLst/>
-                <a:latin typeface="Consolas" panose="020B0609020204030204" pitchFamily="49" charset="0"/>
-              </a:rPr>
-            </a:br>
+            <a:pPr lvl="0">
+              <a:buFont typeface="Wingdings" pitchFamily="2" charset="2"/>
+              <a:buChar char="§"/>
+            </a:pPr>
+            <a:r>
+              <a:rPr lang="en-CA" sz="1800" b="1" dirty="0" smtClean="0"/>
+              <a:t>In North America and Europe 500,000 charger units in 2022 and its reach over 1.25 million by 2025, </a:t>
+            </a:r>
+            <a:endParaRPr lang="en-CA" sz="1800" dirty="0" smtClean="0"/>
+          </a:p>
+          <a:p>
+            <a:pPr lvl="0">
+              <a:buFont typeface="Wingdings" pitchFamily="2" charset="2"/>
+              <a:buChar char="§"/>
+            </a:pPr>
+            <a:r>
+              <a:rPr lang="en-CA" b="1" dirty="0" smtClean="0"/>
+              <a:t>Sources Wood Mackenzie</a:t>
+            </a:r>
+            <a:endParaRPr lang="en-CA" dirty="0" smtClean="0"/>
+          </a:p>
+          <a:p>
+            <a:pPr>
+              <a:buFont typeface="Wingdings" pitchFamily="2" charset="2"/>
+              <a:buChar char="§"/>
+            </a:pPr>
             <a:endParaRPr lang="en-CA" dirty="0"/>
           </a:p>
         </p:txBody>
       </p:sp>
       <p:sp>
         <p:nvSpPr>
-          <p:cNvPr id="3" name="Slide Number Placeholder 2">
-            <a:extLst>
-              <a:ext uri="{FF2B5EF4-FFF2-40B4-BE49-F238E27FC236}">
-                <a16:creationId xmlns:a16="http://schemas.microsoft.com/office/drawing/2014/main" id="{9F2D1545-5FEA-4FAD-A42E-952CD445367B}"/>
-              </a:ext>
-            </a:extLst>
-          </p:cNvPr>
+          <p:cNvPr id="4" name="Slide Number Placeholder 3"/>
           <p:cNvSpPr>
             <a:spLocks noGrp="1"/>
           </p:cNvSpPr>
@@ -2496,124 +2690,196 @@
       </p:sp>
       <p:sp>
         <p:nvSpPr>
-          <p:cNvPr id="4" name="Text Placeholder 3">
-            <a:extLst>
-              <a:ext uri="{FF2B5EF4-FFF2-40B4-BE49-F238E27FC236}">
-                <a16:creationId xmlns:a16="http://schemas.microsoft.com/office/drawing/2014/main" id="{FA9CA4E5-5C53-4190-A056-5884E38B6051}"/>
-              </a:ext>
-            </a:extLst>
-          </p:cNvPr>
-          <p:cNvSpPr>
-            <a:spLocks noGrp="1"/>
-          </p:cNvSpPr>
-          <p:nvPr>
-            <p:ph type="body" sz="quarter" idx="13"/>
-          </p:nvPr>
-        </p:nvSpPr>
-        <p:spPr>
-          <a:xfrm>
-            <a:off x="743992" y="3067444"/>
-            <a:ext cx="11334594" cy="3333356"/>
-          </a:xfrm>
-        </p:spPr>
-        <p:txBody>
-          <a:bodyPr/>
+          <p:cNvPr id="6" name="Rectangle 5"/>
+          <p:cNvSpPr/>
+          <p:nvPr/>
+        </p:nvSpPr>
+        <p:spPr>
+          <a:xfrm rot="10800000" flipV="1">
+            <a:off x="1034326" y="956545"/>
+            <a:ext cx="4034063" cy="610997"/>
+          </a:xfrm>
+          <a:prstGeom prst="rect">
+            <a:avLst/>
+          </a:prstGeom>
+        </p:spPr>
+        <p:style>
+          <a:lnRef idx="1">
+            <a:schemeClr val="accent1"/>
+          </a:lnRef>
+          <a:fillRef idx="3">
+            <a:schemeClr val="accent1"/>
+          </a:fillRef>
+          <a:effectRef idx="2">
+            <a:schemeClr val="accent1"/>
+          </a:effectRef>
+          <a:fontRef idx="minor">
+            <a:schemeClr val="lt1"/>
+          </a:fontRef>
+        </p:style>
+        <p:txBody>
+          <a:bodyPr rtlCol="0" anchor="ctr"/>
           <a:lstStyle/>
           <a:p>
-            <a:pPr marL="0" indent="0">
-              <a:buNone/>
+            <a:pPr algn="ctr"/>
+            <a:r>
+              <a:rPr lang="en-CA" sz="2000" b="1" dirty="0" err="1" smtClean="0">
+                <a:latin typeface="Microsoft JhengHei" pitchFamily="34" charset="-120"/>
+                <a:ea typeface="Microsoft JhengHei" pitchFamily="34" charset="-120"/>
+              </a:rPr>
+              <a:t>Ev</a:t>
+            </a:r>
+            <a:r>
+              <a:rPr lang="en-CA" sz="2000" b="1" dirty="0" smtClean="0">
+                <a:latin typeface="Microsoft JhengHei" pitchFamily="34" charset="-120"/>
+                <a:ea typeface="Microsoft JhengHei" pitchFamily="34" charset="-120"/>
+              </a:rPr>
+              <a:t> charging unit in North America and Europe</a:t>
+            </a:r>
+            <a:r>
+              <a:rPr lang="en-CA" dirty="0" smtClean="0"/>
+              <a:t>.</a:t>
+            </a:r>
+            <a:endParaRPr lang="en-CA" dirty="0"/>
+          </a:p>
+        </p:txBody>
+      </p:sp>
+      <p:sp>
+        <p:nvSpPr>
+          <p:cNvPr id="7" name="Rectangle 6"/>
+          <p:cNvSpPr/>
+          <p:nvPr/>
+        </p:nvSpPr>
+        <p:spPr>
+          <a:xfrm>
+            <a:off x="5675586" y="956544"/>
+            <a:ext cx="5172891" cy="916497"/>
+          </a:xfrm>
+          <a:prstGeom prst="rect">
+            <a:avLst/>
+          </a:prstGeom>
+        </p:spPr>
+        <p:style>
+          <a:lnRef idx="1">
+            <a:schemeClr val="accent1"/>
+          </a:lnRef>
+          <a:fillRef idx="3">
+            <a:schemeClr val="accent1"/>
+          </a:fillRef>
+          <a:effectRef idx="2">
+            <a:schemeClr val="accent1"/>
+          </a:effectRef>
+          <a:fontRef idx="minor">
+            <a:schemeClr val="lt1"/>
+          </a:fontRef>
+        </p:style>
+        <p:txBody>
+          <a:bodyPr rtlCol="0" anchor="ctr"/>
+          <a:lstStyle/>
+          <a:p>
+            <a:pPr algn="ctr"/>
+            <a:r>
+              <a:rPr lang="en-CA" sz="2000" b="1" dirty="0" err="1" smtClean="0">
+                <a:latin typeface="Microsoft JhengHei" pitchFamily="34" charset="-120"/>
+                <a:ea typeface="Microsoft JhengHei" pitchFamily="34" charset="-120"/>
+              </a:rPr>
+              <a:t>Ev</a:t>
+            </a:r>
+            <a:r>
+              <a:rPr lang="en-CA" sz="2000" b="1" dirty="0" smtClean="0">
+                <a:latin typeface="Microsoft JhengHei" pitchFamily="34" charset="-120"/>
+                <a:ea typeface="Microsoft JhengHei" pitchFamily="34" charset="-120"/>
+              </a:rPr>
+              <a:t> impact on Americans private house hold incomes</a:t>
+            </a:r>
+            <a:endParaRPr lang="en-CA" sz="2000" b="1" dirty="0">
+              <a:latin typeface="Microsoft JhengHei" pitchFamily="34" charset="-120"/>
+              <a:ea typeface="Microsoft JhengHei" pitchFamily="34" charset="-120"/>
+            </a:endParaRPr>
+          </a:p>
+        </p:txBody>
+      </p:sp>
+      <p:sp>
+        <p:nvSpPr>
+          <p:cNvPr id="9" name="Rectangle 8"/>
+          <p:cNvSpPr/>
+          <p:nvPr/>
+        </p:nvSpPr>
+        <p:spPr>
+          <a:xfrm>
+            <a:off x="5675586" y="1873040"/>
+            <a:ext cx="5172891" cy="3282283"/>
+          </a:xfrm>
+          <a:prstGeom prst="rect">
+            <a:avLst/>
+          </a:prstGeom>
+        </p:spPr>
+        <p:style>
+          <a:lnRef idx="2">
+            <a:schemeClr val="dk1"/>
+          </a:lnRef>
+          <a:fillRef idx="1">
+            <a:schemeClr val="lt1"/>
+          </a:fillRef>
+          <a:effectRef idx="0">
+            <a:schemeClr val="dk1"/>
+          </a:effectRef>
+          <a:fontRef idx="minor">
+            <a:schemeClr val="dk1"/>
+          </a:fontRef>
+        </p:style>
+        <p:txBody>
+          <a:bodyPr rtlCol="0" anchor="ctr"/>
+          <a:lstStyle/>
+          <a:p>
+            <a:pPr lvl="0" algn="ctr">
+              <a:buFont typeface="Wingdings" pitchFamily="2" charset="2"/>
+              <a:buChar char="§"/>
             </a:pPr>
             <a:r>
-              <a:rPr lang="en-CA" sz="2200" dirty="0">
-                <a:latin typeface="Consolas" panose="020B0609020204030204" pitchFamily="49" charset="0"/>
-                <a:ea typeface="Microsoft YaHei" charset="-122"/>
-              </a:rPr>
-              <a:t>3. Data:</a:t>
-            </a:r>
-          </a:p>
-          <a:p>
-            <a:pPr marL="0" indent="0">
-              <a:buNone/>
+              <a:rPr lang="en-CA" b="1" dirty="0" smtClean="0"/>
+              <a:t>USA private house hold can save $ 255 to $791 per year</a:t>
+            </a:r>
+            <a:endParaRPr lang="en-CA" dirty="0" smtClean="0"/>
+          </a:p>
+          <a:p>
+            <a:pPr lvl="0" algn="ctr">
+              <a:buFont typeface="Wingdings" pitchFamily="2" charset="2"/>
+              <a:buChar char="§"/>
             </a:pPr>
             <a:r>
-              <a:rPr lang="en-US" sz="2200" dirty="0">
-                <a:latin typeface="Consolas" panose="020B0609020204030204" pitchFamily="49" charset="0"/>
-                <a:ea typeface="Microsoft YaHei" charset="-122"/>
-              </a:rPr>
-              <a:t>Market Analysis- market growth, CAGR</a:t>
-            </a:r>
-          </a:p>
-          <a:p>
-            <a:pPr marL="0" indent="0">
-              <a:buNone/>
+              <a:rPr lang="en-CA" b="1" dirty="0" smtClean="0"/>
+              <a:t>In total, the private benefits for the main Aggressive and Low Cost scenarios range from $18.6 billion to $27.3 billion per year by 2035.   </a:t>
+            </a:r>
+          </a:p>
+          <a:p>
+            <a:pPr algn="ctr">
+              <a:buFont typeface="Wingdings" pitchFamily="2" charset="2"/>
+              <a:buChar char="§"/>
             </a:pPr>
             <a:r>
-              <a:rPr lang="en-US" sz="2200" dirty="0">
-                <a:latin typeface="Consolas" panose="020B0609020204030204" pitchFamily="49" charset="0"/>
-                <a:ea typeface="Microsoft YaHei" charset="-122"/>
-              </a:rPr>
-              <a:t>Historical price (API) vs index benchmark, Bond yield (5-10 year).</a:t>
-            </a:r>
-          </a:p>
-          <a:p>
-            <a:pPr marL="0" indent="0">
-              <a:buNone/>
+              <a:rPr lang="en-CA" b="1" dirty="0" smtClean="0"/>
+              <a:t>source: NREL       </a:t>
+            </a:r>
+            <a:endParaRPr lang="en-CA" dirty="0" smtClean="0"/>
+          </a:p>
+          <a:p>
+            <a:pPr lvl="0" algn="ctr">
+              <a:buFont typeface="Wingdings" pitchFamily="2" charset="2"/>
+              <a:buChar char="§"/>
             </a:pPr>
-            <a:r>
-              <a:rPr lang="en-US" sz="2200" dirty="0">
-                <a:latin typeface="Consolas" panose="020B0609020204030204" pitchFamily="49" charset="0"/>
-                <a:ea typeface="Microsoft YaHei" charset="-122"/>
-              </a:rPr>
-              <a:t>Finance Technical Analysis//revenue breakdown, capex, profitability, customer, risk of the investment.</a:t>
-            </a:r>
-          </a:p>
-          <a:p>
-            <a:pPr marL="0" indent="0">
-              <a:buNone/>
-            </a:pPr>
-            <a:r>
-              <a:rPr lang="en-US" sz="2200" dirty="0">
-                <a:latin typeface="Consolas" panose="020B0609020204030204" pitchFamily="49" charset="0"/>
-                <a:ea typeface="Microsoft YaHei" charset="-122"/>
-              </a:rPr>
-              <a:t>Diversification Effect: Global market, revenue breakdown by region, customer breakdown by region.</a:t>
-            </a:r>
-          </a:p>
-          <a:p>
-            <a:pPr marL="0" indent="0">
-              <a:buNone/>
-            </a:pPr>
-            <a:r>
-              <a:rPr lang="en-US" sz="2200" dirty="0">
-                <a:latin typeface="Consolas" panose="020B0609020204030204" pitchFamily="49" charset="0"/>
-                <a:ea typeface="Microsoft YaHei" charset="-122"/>
-              </a:rPr>
-              <a:t>Social impact: CO2, environment</a:t>
-            </a:r>
-          </a:p>
-          <a:p>
-            <a:pPr marL="0" indent="0">
-              <a:buNone/>
-            </a:pPr>
-            <a:endParaRPr lang="en-US" dirty="0">
-              <a:latin typeface="Consolas" panose="020B0609020204030204" pitchFamily="49" charset="0"/>
-              <a:ea typeface="Microsoft YaHei" charset="-122"/>
-            </a:endParaRPr>
-          </a:p>
-          <a:p>
-            <a:pPr marL="0" indent="0">
-              <a:buNone/>
+            <a:endParaRPr lang="en-CA" dirty="0" smtClean="0"/>
+          </a:p>
+          <a:p>
+            <a:pPr algn="ctr">
+              <a:buFont typeface="Wingdings" pitchFamily="2" charset="2"/>
+              <a:buChar char="§"/>
             </a:pPr>
             <a:endParaRPr lang="en-CA" dirty="0"/>
           </a:p>
         </p:txBody>
       </p:sp>
     </p:spTree>
-    <p:extLst>
-      <p:ext uri="{BB962C8B-B14F-4D97-AF65-F5344CB8AC3E}">
-        <p14:creationId xmlns:p14="http://schemas.microsoft.com/office/powerpoint/2010/main" val="3215272535"/>
-      </p:ext>
-    </p:extLst>
   </p:cSld>
   <p:clrMapOvr>
     <a:masterClrMapping/>
@@ -2640,230 +2906,106 @@
       </p:grpSpPr>
       <p:sp>
         <p:nvSpPr>
-          <p:cNvPr id="3" name="Content Placeholder 2">
-            <a:extLst>
-              <a:ext uri="{FF2B5EF4-FFF2-40B4-BE49-F238E27FC236}">
-                <a16:creationId xmlns:a16="http://schemas.microsoft.com/office/drawing/2014/main" id="{7982CEEB-EA75-42B0-8397-4284F96409A8}"/>
-              </a:ext>
-            </a:extLst>
-          </p:cNvPr>
+          <p:cNvPr id="2" name="Title 1"/>
           <p:cNvSpPr>
             <a:spLocks noGrp="1"/>
           </p:cNvSpPr>
           <p:nvPr>
-            <p:ph idx="1"/>
+            <p:ph type="ctrTitle"/>
           </p:nvPr>
         </p:nvSpPr>
         <p:spPr>
           <a:xfrm>
-            <a:off x="1034321" y="531628"/>
-            <a:ext cx="10313235" cy="5506141"/>
+            <a:off x="699258" y="346841"/>
+            <a:ext cx="7299005" cy="435848"/>
           </a:xfrm>
         </p:spPr>
         <p:txBody>
           <a:bodyPr>
-            <a:normAutofit fontScale="85000" lnSpcReduction="20000"/>
+            <a:normAutofit fontScale="90000"/>
           </a:bodyPr>
           <a:lstStyle/>
           <a:p>
-            <a:pPr marL="0" indent="0">
-              <a:buNone/>
-            </a:pPr>
-            <a:r>
-              <a:rPr lang="en-CA" sz="2300" b="1" dirty="0">
-                <a:effectLst/>
-                <a:latin typeface="Consolas" panose="020B0609020204030204" pitchFamily="49" charset="0"/>
+            <a:r>
+              <a:rPr lang="en-CA" dirty="0" smtClean="0"/>
+              <a:t>EV Outbreaks , from 2020 to 2040</a:t>
+            </a:r>
+            <a:endParaRPr lang="en-CA" dirty="0"/>
+          </a:p>
+        </p:txBody>
+      </p:sp>
+      <p:sp>
+        <p:nvSpPr>
+          <p:cNvPr id="3" name="Subtitle 2"/>
+          <p:cNvSpPr>
+            <a:spLocks noGrp="1"/>
+          </p:cNvSpPr>
+          <p:nvPr>
+            <p:ph type="subTitle" idx="1"/>
+          </p:nvPr>
+        </p:nvSpPr>
+        <p:spPr>
+          <a:xfrm>
+            <a:off x="439200" y="1027746"/>
+            <a:ext cx="4968372" cy="501509"/>
+          </a:xfrm>
+        </p:spPr>
+        <p:style>
+          <a:lnRef idx="1">
+            <a:schemeClr val="accent1"/>
+          </a:lnRef>
+          <a:fillRef idx="3">
+            <a:schemeClr val="accent1"/>
+          </a:fillRef>
+          <a:effectRef idx="2">
+            <a:schemeClr val="accent1"/>
+          </a:effectRef>
+          <a:fontRef idx="minor">
+            <a:schemeClr val="lt1"/>
+          </a:fontRef>
+        </p:style>
+        <p:txBody>
+          <a:bodyPr>
+            <a:normAutofit/>
+          </a:bodyPr>
+          <a:lstStyle/>
+          <a:p>
+            <a:pPr algn="ctr"/>
+            <a:r>
+              <a:rPr lang="en-CA" sz="2000" b="1" dirty="0" smtClean="0">
+                <a:solidFill>
+                  <a:schemeClr val="bg1"/>
+                </a:solidFill>
               </a:rPr>
-              <a:t>4. Team members:</a:t>
-            </a:r>
-            <a:endParaRPr lang="en-CA" sz="2300" b="0" dirty="0">
-              <a:effectLst/>
-              <a:latin typeface="Consolas" panose="020B0609020204030204" pitchFamily="49" charset="0"/>
+              <a:t>TOP 10 </a:t>
+            </a:r>
+            <a:r>
+              <a:rPr lang="en-CA" sz="2000" b="1" dirty="0" err="1" smtClean="0">
+                <a:solidFill>
+                  <a:schemeClr val="bg1"/>
+                </a:solidFill>
+              </a:rPr>
+              <a:t>Ev</a:t>
+            </a:r>
+            <a:r>
+              <a:rPr lang="en-CA" sz="2000" b="1" dirty="0" smtClean="0">
+                <a:solidFill>
+                  <a:schemeClr val="bg1"/>
+                </a:solidFill>
+              </a:rPr>
+              <a:t> Automaker 2019</a:t>
+            </a:r>
+            <a:endParaRPr lang="en-CA" sz="2000" b="1" dirty="0">
+              <a:solidFill>
+                <a:schemeClr val="bg1"/>
+              </a:solidFill>
             </a:endParaRPr>
           </a:p>
-          <a:p>
-            <a:r>
-              <a:rPr lang="en-CA" sz="2300" b="0" dirty="0">
-                <a:effectLst/>
-                <a:latin typeface="Consolas" panose="020B0609020204030204" pitchFamily="49" charset="0"/>
-              </a:rPr>
-              <a:t>Minh Tran</a:t>
-            </a:r>
-          </a:p>
-          <a:p>
-            <a:r>
-              <a:rPr lang="en-CA" sz="2300" b="0" dirty="0">
-                <a:effectLst/>
-                <a:latin typeface="Consolas" panose="020B0609020204030204" pitchFamily="49" charset="0"/>
-              </a:rPr>
-              <a:t>Syed Naqvi </a:t>
-            </a:r>
-          </a:p>
-          <a:p>
-            <a:r>
-              <a:rPr lang="en-CA" sz="2300" b="0" dirty="0">
-                <a:effectLst/>
-                <a:latin typeface="Consolas" panose="020B0609020204030204" pitchFamily="49" charset="0"/>
-              </a:rPr>
-              <a:t>Rodrigo </a:t>
-            </a:r>
-            <a:r>
-              <a:rPr lang="en-CA" sz="2300" b="0" dirty="0" err="1">
-                <a:effectLst/>
-                <a:latin typeface="Consolas" panose="020B0609020204030204" pitchFamily="49" charset="0"/>
-              </a:rPr>
-              <a:t>Guazzelli</a:t>
-            </a:r>
-            <a:r>
-              <a:rPr lang="en-CA" sz="2300" b="0" dirty="0">
-                <a:effectLst/>
-                <a:latin typeface="Consolas" panose="020B0609020204030204" pitchFamily="49" charset="0"/>
-              </a:rPr>
-              <a:t> </a:t>
-            </a:r>
-          </a:p>
-          <a:p>
-            <a:r>
-              <a:rPr lang="en-CA" sz="2300" b="0" dirty="0" err="1">
-                <a:effectLst/>
-                <a:latin typeface="Consolas" panose="020B0609020204030204" pitchFamily="49" charset="0"/>
-              </a:rPr>
-              <a:t>Hsuan</a:t>
-            </a:r>
-            <a:r>
-              <a:rPr lang="en-CA" sz="2300" b="0" dirty="0">
-                <a:effectLst/>
-                <a:latin typeface="Consolas" panose="020B0609020204030204" pitchFamily="49" charset="0"/>
-              </a:rPr>
-              <a:t> Liu</a:t>
-            </a:r>
-          </a:p>
-          <a:p>
-            <a:r>
-              <a:rPr lang="en-CA" sz="2300" b="0" dirty="0">
-                <a:effectLst/>
-                <a:latin typeface="Consolas" panose="020B0609020204030204" pitchFamily="49" charset="0"/>
-              </a:rPr>
-              <a:t>Abdullah Mamun</a:t>
-            </a:r>
-          </a:p>
-          <a:p>
-            <a:endParaRPr lang="en-CA" sz="2300" dirty="0"/>
-          </a:p>
-          <a:p>
-            <a:pPr marL="0" indent="0">
-              <a:buNone/>
-            </a:pPr>
-            <a:r>
-              <a:rPr lang="en-CA" sz="2300" b="1" dirty="0">
-                <a:latin typeface="Consolas" panose="020B0609020204030204" pitchFamily="49" charset="0"/>
-              </a:rPr>
-              <a:t>5. Work splits:</a:t>
-            </a:r>
-          </a:p>
-          <a:p>
-            <a:r>
-              <a:rPr lang="en-CA" sz="2300" b="0" dirty="0">
-                <a:effectLst/>
-                <a:latin typeface="Consolas" panose="020B0609020204030204" pitchFamily="49" charset="0"/>
-              </a:rPr>
-              <a:t>Project manager - Rodrigo</a:t>
-            </a:r>
-          </a:p>
-          <a:p>
-            <a:r>
-              <a:rPr lang="en-CA" sz="2300" b="0" dirty="0">
-                <a:effectLst/>
-                <a:latin typeface="Consolas" panose="020B0609020204030204" pitchFamily="49" charset="0"/>
-              </a:rPr>
-              <a:t>Presenter - Syed</a:t>
-            </a:r>
-          </a:p>
-          <a:p>
-            <a:r>
-              <a:rPr lang="en-CA" sz="2300" b="0" dirty="0">
-                <a:effectLst/>
-                <a:latin typeface="Consolas" panose="020B0609020204030204" pitchFamily="49" charset="0"/>
-              </a:rPr>
-              <a:t>PPT - </a:t>
-            </a:r>
-            <a:r>
-              <a:rPr lang="en-CA" sz="2300" b="0" dirty="0" err="1">
-                <a:effectLst/>
-                <a:latin typeface="Consolas" panose="020B0609020204030204" pitchFamily="49" charset="0"/>
-              </a:rPr>
-              <a:t>Hsuan</a:t>
-            </a:r>
-            <a:r>
-              <a:rPr lang="en-CA" sz="2300" b="0" dirty="0">
-                <a:effectLst/>
-                <a:latin typeface="Consolas" panose="020B0609020204030204" pitchFamily="49" charset="0"/>
-              </a:rPr>
-              <a:t> and Minh</a:t>
-            </a:r>
-          </a:p>
-          <a:p>
-            <a:r>
-              <a:rPr lang="en-CA" sz="2300" b="0" dirty="0">
-                <a:effectLst/>
-                <a:latin typeface="Consolas" panose="020B0609020204030204" pitchFamily="49" charset="0"/>
-              </a:rPr>
-              <a:t>FSD//AI search - Abdullah Mamun</a:t>
-            </a:r>
-          </a:p>
-          <a:p>
-            <a:r>
-              <a:rPr lang="en-CA" sz="2300" b="0" dirty="0">
-                <a:effectLst/>
-                <a:latin typeface="Consolas" panose="020B0609020204030204" pitchFamily="49" charset="0"/>
-              </a:rPr>
-              <a:t>Monte Carlo/ timeframe - Rodrigo</a:t>
-            </a:r>
-          </a:p>
-          <a:p>
-            <a:r>
-              <a:rPr lang="en-CA" sz="2300" b="0" dirty="0">
-                <a:effectLst/>
-                <a:latin typeface="Consolas" panose="020B0609020204030204" pitchFamily="49" charset="0"/>
-              </a:rPr>
-              <a:t>EV Market share - Minh</a:t>
-            </a:r>
-          </a:p>
-          <a:p>
-            <a:pPr marL="0" indent="0">
-              <a:buNone/>
-            </a:pPr>
-            <a:br>
-              <a:rPr lang="en-CA" b="0" dirty="0">
-                <a:solidFill>
-                  <a:srgbClr val="D4D4D4"/>
-                </a:solidFill>
-                <a:effectLst/>
-                <a:latin typeface="Consolas" panose="020B0609020204030204" pitchFamily="49" charset="0"/>
-              </a:rPr>
-            </a:br>
-            <a:endParaRPr lang="en-CA" b="0" dirty="0">
-              <a:solidFill>
-                <a:srgbClr val="D4D4D4"/>
-              </a:solidFill>
-              <a:effectLst/>
-              <a:latin typeface="Consolas" panose="020B0609020204030204" pitchFamily="49" charset="0"/>
-            </a:endParaRPr>
-          </a:p>
-          <a:p>
-            <a:endParaRPr lang="en-CA" dirty="0"/>
-          </a:p>
-        </p:txBody>
-      </p:sp>
-      <p:sp>
-        <p:nvSpPr>
-          <p:cNvPr id="4" name="Slide Number Placeholder 3">
-            <a:extLst>
-              <a:ext uri="{FF2B5EF4-FFF2-40B4-BE49-F238E27FC236}">
-                <a16:creationId xmlns:a16="http://schemas.microsoft.com/office/drawing/2014/main" id="{6BA99A66-AA16-4EEF-8DA2-87318481DBFC}"/>
-              </a:ext>
-            </a:extLst>
-          </p:cNvPr>
+        </p:txBody>
+      </p:sp>
+      <p:sp>
+        <p:nvSpPr>
+          <p:cNvPr id="4" name="Slide Number Placeholder 3"/>
           <p:cNvSpPr>
             <a:spLocks noGrp="1"/>
           </p:cNvSpPr>
@@ -2885,12 +3027,115 @@
           </a:p>
         </p:txBody>
       </p:sp>
+      <p:sp>
+        <p:nvSpPr>
+          <p:cNvPr id="7" name="Rectangle 6"/>
+          <p:cNvSpPr/>
+          <p:nvPr/>
+        </p:nvSpPr>
+        <p:spPr>
+          <a:xfrm>
+            <a:off x="6321972" y="1027746"/>
+            <a:ext cx="4713890" cy="501509"/>
+          </a:xfrm>
+          <a:prstGeom prst="rect">
+            <a:avLst/>
+          </a:prstGeom>
+        </p:spPr>
+        <p:style>
+          <a:lnRef idx="2">
+            <a:schemeClr val="accent1">
+              <a:shade val="50000"/>
+            </a:schemeClr>
+          </a:lnRef>
+          <a:fillRef idx="1">
+            <a:schemeClr val="accent1"/>
+          </a:fillRef>
+          <a:effectRef idx="0">
+            <a:schemeClr val="accent1"/>
+          </a:effectRef>
+          <a:fontRef idx="minor">
+            <a:schemeClr val="lt1"/>
+          </a:fontRef>
+        </p:style>
+        <p:txBody>
+          <a:bodyPr rtlCol="0" anchor="ctr"/>
+          <a:lstStyle/>
+          <a:p>
+            <a:pPr algn="ctr"/>
+            <a:r>
+              <a:rPr lang="en-CA" sz="2000" b="1" dirty="0" smtClean="0">
+                <a:solidFill>
+                  <a:schemeClr val="bg1"/>
+                </a:solidFill>
+              </a:rPr>
+              <a:t>EV sale globally 2015 to </a:t>
+            </a:r>
+            <a:r>
+              <a:rPr lang="en-CA" sz="2000" b="1" dirty="0" smtClean="0">
+                <a:solidFill>
+                  <a:schemeClr val="bg1"/>
+                </a:solidFill>
+              </a:rPr>
+              <a:t>2020(H1)</a:t>
+            </a:r>
+            <a:endParaRPr lang="en-CA" sz="2000" b="1" dirty="0">
+              <a:solidFill>
+                <a:schemeClr val="bg1"/>
+              </a:solidFill>
+            </a:endParaRPr>
+          </a:p>
+        </p:txBody>
+      </p:sp>
+      <p:pic>
+        <p:nvPicPr>
+          <p:cNvPr id="8" name="Picture 7" descr="bokeh_plot (6).png"/>
+          <p:cNvPicPr>
+            <a:picLocks noChangeAspect="1"/>
+          </p:cNvPicPr>
+          <p:nvPr/>
+        </p:nvPicPr>
+        <p:blipFill>
+          <a:blip r:embed="rId2"/>
+          <a:stretch>
+            <a:fillRect/>
+          </a:stretch>
+        </p:blipFill>
+        <p:spPr>
+          <a:xfrm>
+            <a:off x="6321972" y="1529255"/>
+            <a:ext cx="4950373" cy="3957145"/>
+          </a:xfrm>
+          <a:prstGeom prst="rect">
+            <a:avLst/>
+          </a:prstGeom>
+        </p:spPr>
+      </p:pic>
+      <p:pic>
+        <p:nvPicPr>
+          <p:cNvPr id="9" name="Picture 8" descr="Untitled.png"/>
+          <p:cNvPicPr>
+            <a:picLocks noChangeAspect="1"/>
+          </p:cNvPicPr>
+          <p:nvPr/>
+        </p:nvPicPr>
+        <p:blipFill>
+          <a:blip r:embed="rId3"/>
+          <a:stretch>
+            <a:fillRect/>
+          </a:stretch>
+        </p:blipFill>
+        <p:spPr>
+          <a:xfrm>
+            <a:off x="439201" y="1529255"/>
+            <a:ext cx="4968372" cy="3531475"/>
+          </a:xfrm>
+          <a:prstGeom prst="rect">
+            <a:avLst/>
+          </a:prstGeom>
+        </p:spPr>
+      </p:pic>
     </p:spTree>
-    <p:extLst>
-      <p:ext uri="{BB962C8B-B14F-4D97-AF65-F5344CB8AC3E}">
-        <p14:creationId xmlns:p14="http://schemas.microsoft.com/office/powerpoint/2010/main" val="2137805779"/>
-      </p:ext>
-    </p:extLst>
   </p:cSld>
   <p:clrMapOvr>
     <a:masterClrMapping/>
@@ -3093,7 +3338,7 @@
   <a:extraClrSchemeLst/>
   <a:extLst>
     <a:ext uri="{05A4C25C-085E-4340-85A3-A5531E510DB2}">
-      <thm15:themeFamily xmlns:thm15="http://schemas.microsoft.com/office/thememl/2012/main" name="Office Theme" id="{62F939B6-93AF-4DB8-9C6B-D6C7DFDC589F}" vid="{4A3C46E8-61CC-4603-A589-7422A47A8E4A}"/>
+      <thm15:themeFamily xmlns:thm15="http://schemas.microsoft.com/office/thememl/2012/main" xmlns="" name="Office Theme" id="{62F939B6-93AF-4DB8-9C6B-D6C7DFDC589F}" vid="{4A3C46E8-61CC-4603-A589-7422A47A8E4A}"/>
     </a:ext>
   </a:extLst>
 </a:theme>
@@ -3142,7 +3387,7 @@
     </a:clrScheme>
     <a:fontScheme name="Office">
       <a:majorFont>
-        <a:latin typeface="Calibri Light" panose="020F0302020204030204"/>
+        <a:latin typeface="Calibri Light"/>
         <a:ea typeface=""/>
         <a:cs typeface=""/>
         <a:font script="Jpan" typeface="Yu Gothic Light"/>
@@ -3177,7 +3422,7 @@
         <a:font script="Geor" typeface="Sylfaen"/>
       </a:majorFont>
       <a:minorFont>
-        <a:latin typeface="Calibri" panose="020F0502020204030204"/>
+        <a:latin typeface="Calibri"/>
         <a:ea typeface=""/>
         <a:cs typeface=""/>
         <a:font script="Jpan" typeface="Yu Gothic"/>
@@ -3354,7 +3599,7 @@
   <a:extraClrSchemeLst/>
   <a:extLst>
     <a:ext uri="{05A4C25C-085E-4340-85A3-A5531E510DB2}">
-      <thm15:themeFamily xmlns:thm15="http://schemas.microsoft.com/office/thememl/2012/main" name="Office Theme" id="{62F939B6-93AF-4DB8-9C6B-D6C7DFDC589F}" vid="{4A3C46E8-61CC-4603-A589-7422A47A8E4A}"/>
+      <thm15:themeFamily xmlns:thm15="http://schemas.microsoft.com/office/thememl/2012/main" xmlns="" name="Office Theme" id="{62F939B6-93AF-4DB8-9C6B-D6C7DFDC589F}" vid="{4A3C46E8-61CC-4603-A589-7422A47A8E4A}"/>
     </a:ext>
   </a:extLst>
 </a:theme>

--- a/Proposal.pptx
+++ b/Proposal.pptx
@@ -5,12 +5,13 @@
     <p:sldMasterId id="2147483648" r:id="rId1"/>
   </p:sldMasterIdLst>
   <p:notesMasterIdLst>
-    <p:notesMasterId r:id="rId5"/>
+    <p:notesMasterId r:id="rId6"/>
   </p:notesMasterIdLst>
   <p:sldIdLst>
-    <p:sldId id="3838" r:id="rId2"/>
-    <p:sldId id="3853" r:id="rId3"/>
-    <p:sldId id="3854" r:id="rId4"/>
+    <p:sldId id="3856" r:id="rId2"/>
+    <p:sldId id="3859" r:id="rId3"/>
+    <p:sldId id="3857" r:id="rId4"/>
+    <p:sldId id="3858" r:id="rId5"/>
   </p:sldIdLst>
   <p:sldSz cx="12192000" cy="6858000"/>
   <p:notesSz cx="6799263" cy="9929813"/>
@@ -111,7 +112,7 @@
   </p:defaultTextStyle>
   <p:extLst>
     <p:ext uri="{EFAFB233-063F-42B5-8137-9DF3F51BA10A}">
-      <p15:sldGuideLst xmlns:p15="http://schemas.microsoft.com/office/powerpoint/2012/main"/>
+      <p15:sldGuideLst xmlns:p15="http://schemas.microsoft.com/office/powerpoint/2012/main" xmlns=""/>
     </p:ext>
   </p:extLst>
 </p:presentation>
@@ -122,7 +123,7 @@
   <p:cmAuthor id="1" name="暄 劉" initials="暄" lastIdx="3" clrIdx="0">
     <p:extLst>
       <p:ext uri="{19B8F6BF-5375-455C-9EA6-DF929625EA0E}">
-        <p15:presenceInfo xmlns:p15="http://schemas.microsoft.com/office/powerpoint/2012/main" userId="2b1cc6d0c5f02b95" providerId="Windows Live"/>
+        <p15:presenceInfo xmlns:p15="http://schemas.microsoft.com/office/powerpoint/2012/main" xmlns="" userId="2b1cc6d0c5f02b95" providerId="Windows Live"/>
       </p:ext>
     </p:extLst>
   </p:cmAuthor>
@@ -211,7 +212,8 @@
           <a:p>
             <a:fld id="{DD4DD772-7209-C245-981A-1A2440230A0C}" type="datetimeFigureOut">
               <a:rPr lang="en-US" smtClean="0"/>
-              <a:t>11/3/2020</a:t>
+              <a:pPr/>
+              <a:t>11/11/2020</a:t>
             </a:fld>
             <a:endParaRPr lang="en-US" dirty="0"/>
           </a:p>
@@ -369,6 +371,7 @@
           <a:p>
             <a:fld id="{F04FAADE-AF7C-674A-8416-E968B9033EF2}" type="slidenum">
               <a:rPr lang="en-US" smtClean="0"/>
+              <a:pPr/>
               <a:t>‹#›</a:t>
             </a:fld>
             <a:endParaRPr lang="en-US" dirty="0"/>
@@ -378,7 +381,7 @@
     </p:spTree>
     <p:extLst>
       <p:ext uri="{BB962C8B-B14F-4D97-AF65-F5344CB8AC3E}">
-        <p14:creationId xmlns:p14="http://schemas.microsoft.com/office/powerpoint/2010/main" val="696506946"/>
+        <p14:creationId xmlns:p14="http://schemas.microsoft.com/office/powerpoint/2010/main" xmlns="" val="696506946"/>
       </p:ext>
     </p:extLst>
   </p:cSld>
@@ -478,90 +481,6 @@
 </p:notesMaster>
 </file>
 
-<file path=ppt/notesSlides/notesSlide1.xml><?xml version="1.0" encoding="utf-8"?>
-<p:notes xmlns:a="http://schemas.openxmlformats.org/drawingml/2006/main" xmlns:r="http://schemas.openxmlformats.org/officeDocument/2006/relationships" xmlns:p="http://schemas.openxmlformats.org/presentationml/2006/main">
-  <p:cSld>
-    <p:spTree>
-      <p:nvGrpSpPr>
-        <p:cNvPr id="1" name=""/>
-        <p:cNvGrpSpPr/>
-        <p:nvPr/>
-      </p:nvGrpSpPr>
-      <p:grpSpPr>
-        <a:xfrm>
-          <a:off x="0" y="0"/>
-          <a:ext cx="0" cy="0"/>
-          <a:chOff x="0" y="0"/>
-          <a:chExt cx="0" cy="0"/>
-        </a:xfrm>
-      </p:grpSpPr>
-      <p:sp>
-        <p:nvSpPr>
-          <p:cNvPr id="2" name="投影片影像版面配置區 1"/>
-          <p:cNvSpPr>
-            <a:spLocks noGrp="1" noRot="1" noChangeAspect="1"/>
-          </p:cNvSpPr>
-          <p:nvPr>
-            <p:ph type="sldImg"/>
-          </p:nvPr>
-        </p:nvSpPr>
-        <p:spPr/>
-      </p:sp>
-      <p:sp>
-        <p:nvSpPr>
-          <p:cNvPr id="3" name="備忘稿版面配置區 2"/>
-          <p:cNvSpPr>
-            <a:spLocks noGrp="1"/>
-          </p:cNvSpPr>
-          <p:nvPr>
-            <p:ph type="body" idx="1"/>
-          </p:nvPr>
-        </p:nvSpPr>
-        <p:spPr/>
-        <p:txBody>
-          <a:bodyPr/>
-          <a:lstStyle/>
-          <a:p>
-            <a:endParaRPr lang="en-CA" dirty="0"/>
-          </a:p>
-        </p:txBody>
-      </p:sp>
-      <p:sp>
-        <p:nvSpPr>
-          <p:cNvPr id="4" name="投影片編號版面配置區 3"/>
-          <p:cNvSpPr>
-            <a:spLocks noGrp="1"/>
-          </p:cNvSpPr>
-          <p:nvPr>
-            <p:ph type="sldNum" sz="quarter" idx="5"/>
-          </p:nvPr>
-        </p:nvSpPr>
-        <p:spPr/>
-        <p:txBody>
-          <a:bodyPr/>
-          <a:lstStyle/>
-          <a:p>
-            <a:fld id="{F04FAADE-AF7C-674A-8416-E968B9033EF2}" type="slidenum">
-              <a:rPr lang="en-US" smtClean="0"/>
-              <a:t>1</a:t>
-            </a:fld>
-            <a:endParaRPr lang="en-US" dirty="0"/>
-          </a:p>
-        </p:txBody>
-      </p:sp>
-    </p:spTree>
-    <p:extLst>
-      <p:ext uri="{BB962C8B-B14F-4D97-AF65-F5344CB8AC3E}">
-        <p14:creationId xmlns:p14="http://schemas.microsoft.com/office/powerpoint/2010/main" val="786716498"/>
-      </p:ext>
-    </p:extLst>
-  </p:cSld>
-  <p:clrMapOvr>
-    <a:masterClrMapping/>
-  </p:clrMapOvr>
-</p:notes>
-</file>
-
 <file path=ppt/slideLayouts/slideLayout1.xml><?xml version="1.0" encoding="utf-8"?>
 <p:sldLayout xmlns:a="http://schemas.openxmlformats.org/drawingml/2006/main" xmlns:r="http://schemas.openxmlformats.org/officeDocument/2006/relationships" xmlns:p="http://schemas.openxmlformats.org/presentationml/2006/main" type="title" preserve="1">
   <p:cSld name="Cover-city-1">
@@ -763,7 +682,7 @@
     </p:spTree>
     <p:extLst>
       <p:ext uri="{BB962C8B-B14F-4D97-AF65-F5344CB8AC3E}">
-        <p14:creationId xmlns:p14="http://schemas.microsoft.com/office/powerpoint/2010/main" val="295123329"/>
+        <p14:creationId xmlns:p14="http://schemas.microsoft.com/office/powerpoint/2010/main" xmlns="" val="295123329"/>
       </p:ext>
     </p:extLst>
   </p:cSld>
@@ -936,7 +855,7 @@
           <p:cNvPr id="5" name="文本占位符 4">
             <a:extLst>
               <a:ext uri="{FF2B5EF4-FFF2-40B4-BE49-F238E27FC236}">
-                <a16:creationId xmlns:a16="http://schemas.microsoft.com/office/drawing/2014/main" id="{FF1BB7E9-D01D-4422-8DDA-156D106FC852}"/>
+                <a16:creationId xmlns:a16="http://schemas.microsoft.com/office/drawing/2014/main" xmlns="" id="{FF1BB7E9-D01D-4422-8DDA-156D106FC852}"/>
               </a:ext>
             </a:extLst>
           </p:cNvPr>
@@ -983,7 +902,7 @@
           <p:cNvPr id="7" name="文本占位符 6">
             <a:extLst>
               <a:ext uri="{FF2B5EF4-FFF2-40B4-BE49-F238E27FC236}">
-                <a16:creationId xmlns:a16="http://schemas.microsoft.com/office/drawing/2014/main" id="{AA626C3F-AB41-4FE4-8ED2-A16B5384F07E}"/>
+                <a16:creationId xmlns:a16="http://schemas.microsoft.com/office/drawing/2014/main" xmlns="" id="{AA626C3F-AB41-4FE4-8ED2-A16B5384F07E}"/>
               </a:ext>
             </a:extLst>
           </p:cNvPr>
@@ -1028,7 +947,7 @@
     </p:spTree>
     <p:extLst>
       <p:ext uri="{BB962C8B-B14F-4D97-AF65-F5344CB8AC3E}">
-        <p14:creationId xmlns:p14="http://schemas.microsoft.com/office/powerpoint/2010/main" val="1687841636"/>
+        <p14:creationId xmlns:p14="http://schemas.microsoft.com/office/powerpoint/2010/main" xmlns="" val="1687841636"/>
       </p:ext>
     </p:extLst>
   </p:cSld>
@@ -1247,7 +1166,8 @@
           <a:p>
             <a:fld id="{74E3DBE9-5838-4F76-9364-D1D296611DE3}" type="datetime1">
               <a:rPr lang="fr-FR" altLang="zh-CN" smtClean="0"/>
-              <a:t>03/11/2020</a:t>
+              <a:pPr/>
+              <a:t>11/11/2020</a:t>
             </a:fld>
             <a:endParaRPr lang="fr-FR" dirty="0"/>
           </a:p>
@@ -1293,7 +1213,7 @@
   </p:clrMapOvr>
   <p:extLst>
     <p:ext uri="{DCECCB84-F9BA-43D5-87BE-67443E8EF086}">
-      <p15:sldGuideLst xmlns:p15="http://schemas.microsoft.com/office/powerpoint/2012/main">
+      <p15:sldGuideLst xmlns:p15="http://schemas.microsoft.com/office/powerpoint/2012/main" xmlns="">
         <p15:guide id="1" orient="horz" pos="3793" userDrawn="1">
           <p15:clr>
             <a:srgbClr val="FBAE40"/>
@@ -1352,7 +1272,7 @@
           <a:blip r:embed="rId2" cstate="print">
             <a:extLst>
               <a:ext uri="{28A0092B-C50C-407E-A947-70E740481C1C}">
-                <a14:useLocalDpi xmlns:a14="http://schemas.microsoft.com/office/drawing/2010/main"/>
+                <a14:useLocalDpi xmlns:a14="http://schemas.microsoft.com/office/drawing/2010/main" xmlns=""/>
               </a:ext>
             </a:extLst>
           </a:blip>
@@ -1415,7 +1335,7 @@
           <p:cNvPr id="2" name="矩形 1">
             <a:extLst>
               <a:ext uri="{FF2B5EF4-FFF2-40B4-BE49-F238E27FC236}">
-                <a16:creationId xmlns:a16="http://schemas.microsoft.com/office/drawing/2014/main" id="{58BC38D0-5C0A-4522-9900-265F04CA18CE}"/>
+                <a16:creationId xmlns:a16="http://schemas.microsoft.com/office/drawing/2014/main" xmlns="" id="{58BC38D0-5C0A-4522-9900-265F04CA18CE}"/>
               </a:ext>
             </a:extLst>
           </p:cNvPr>
@@ -1465,7 +1385,7 @@
     </p:spTree>
     <p:extLst>
       <p:ext uri="{BB962C8B-B14F-4D97-AF65-F5344CB8AC3E}">
-        <p14:creationId xmlns:p14="http://schemas.microsoft.com/office/powerpoint/2010/main" val="783885681"/>
+        <p14:creationId xmlns:p14="http://schemas.microsoft.com/office/powerpoint/2010/main" xmlns="" val="783885681"/>
       </p:ext>
     </p:extLst>
   </p:cSld>
@@ -1474,7 +1394,7 @@
   </p:clrMapOvr>
   <p:extLst>
     <p:ext uri="{DCECCB84-F9BA-43D5-87BE-67443E8EF086}">
-      <p15:sldGuideLst xmlns:p15="http://schemas.microsoft.com/office/powerpoint/2012/main"/>
+      <p15:sldGuideLst xmlns:p15="http://schemas.microsoft.com/office/powerpoint/2012/main" xmlns=""/>
     </p:ext>
   </p:extLst>
 </p:sldLayout>
@@ -1544,7 +1464,8 @@
           <a:p>
             <a:fld id="{0BA9FFE5-A643-4B62-BF2B-5FE6DE605367}" type="datetime1">
               <a:rPr lang="fr-FR" altLang="zh-CN" smtClean="0"/>
-              <a:t>03/11/2020</a:t>
+              <a:pPr/>
+              <a:t>11/11/2020</a:t>
             </a:fld>
             <a:endParaRPr lang="en-US" dirty="0"/>
           </a:p>
@@ -1599,7 +1520,7 @@
     </p:spTree>
     <p:extLst>
       <p:ext uri="{BB962C8B-B14F-4D97-AF65-F5344CB8AC3E}">
-        <p14:creationId xmlns:p14="http://schemas.microsoft.com/office/powerpoint/2010/main" val="3341785124"/>
+        <p14:creationId xmlns:p14="http://schemas.microsoft.com/office/powerpoint/2010/main" xmlns="" val="3341785124"/>
       </p:ext>
     </p:extLst>
   </p:cSld>
@@ -1669,7 +1590,8 @@
           <a:p>
             <a:fld id="{0BA9FFE5-A643-4B62-BF2B-5FE6DE605367}" type="datetime1">
               <a:rPr lang="fr-FR" altLang="zh-CN" smtClean="0"/>
-              <a:t>03/11/2020</a:t>
+              <a:pPr/>
+              <a:t>11/11/2020</a:t>
             </a:fld>
             <a:endParaRPr lang="en-US" dirty="0"/>
           </a:p>
@@ -1766,7 +1688,7 @@
     </p:spTree>
     <p:extLst>
       <p:ext uri="{BB962C8B-B14F-4D97-AF65-F5344CB8AC3E}">
-        <p14:creationId xmlns:p14="http://schemas.microsoft.com/office/powerpoint/2010/main" val="76914611"/>
+        <p14:creationId xmlns:p14="http://schemas.microsoft.com/office/powerpoint/2010/main" xmlns="" val="76914611"/>
       </p:ext>
     </p:extLst>
   </p:cSld>
@@ -2079,240 +2001,235 @@
           <a:chExt cx="0" cy="0"/>
         </a:xfrm>
       </p:grpSpPr>
+      <p:sp>
+        <p:nvSpPr>
+          <p:cNvPr id="3" name="Content Placeholder 2"/>
+          <p:cNvSpPr>
+            <a:spLocks noGrp="1"/>
+          </p:cNvSpPr>
+          <p:nvPr>
+            <p:ph idx="1"/>
+          </p:nvPr>
+        </p:nvSpPr>
+        <p:spPr>
+          <a:xfrm>
+            <a:off x="524657" y="956548"/>
+            <a:ext cx="5118498" cy="257398"/>
+          </a:xfrm>
+        </p:spPr>
+        <p:style>
+          <a:lnRef idx="1">
+            <a:schemeClr val="accent1"/>
+          </a:lnRef>
+          <a:fillRef idx="3">
+            <a:schemeClr val="accent1"/>
+          </a:fillRef>
+          <a:effectRef idx="2">
+            <a:schemeClr val="accent1"/>
+          </a:effectRef>
+          <a:fontRef idx="minor">
+            <a:schemeClr val="lt1"/>
+          </a:fontRef>
+        </p:style>
+        <p:txBody>
+          <a:bodyPr>
+            <a:normAutofit fontScale="70000" lnSpcReduction="20000"/>
+          </a:bodyPr>
+          <a:lstStyle/>
+          <a:p>
+            <a:pPr algn="ctr">
+              <a:buNone/>
+            </a:pPr>
+            <a:r>
+              <a:rPr lang="en-CA" sz="2000" b="1" dirty="0" smtClean="0">
+                <a:solidFill>
+                  <a:schemeClr val="bg1"/>
+                </a:solidFill>
+              </a:rPr>
+              <a:t>EV  cars in road in 2020</a:t>
+            </a:r>
+            <a:endParaRPr lang="en-CA" sz="2000" b="1" dirty="0">
+              <a:solidFill>
+                <a:schemeClr val="bg1"/>
+              </a:solidFill>
+            </a:endParaRPr>
+          </a:p>
+        </p:txBody>
+      </p:sp>
+      <p:sp>
+        <p:nvSpPr>
+          <p:cNvPr id="4" name="Slide Number Placeholder 3"/>
+          <p:cNvSpPr>
+            <a:spLocks noGrp="1"/>
+          </p:cNvSpPr>
+          <p:nvPr>
+            <p:ph type="sldNum" sz="quarter" idx="12"/>
+          </p:nvPr>
+        </p:nvSpPr>
+        <p:spPr/>
+        <p:txBody>
+          <a:bodyPr/>
+          <a:lstStyle/>
+          <a:p>
+            <a:fld id="{B7F7B65C-2824-9347-9C05-39D42996E2F4}" type="slidenum">
+              <a:rPr lang="fr-FR" smtClean="0"/>
+              <a:pPr/>
+              <a:t>1</a:t>
+            </a:fld>
+            <a:endParaRPr lang="fr-FR" dirty="0"/>
+          </a:p>
+        </p:txBody>
+      </p:sp>
+      <p:sp>
+        <p:nvSpPr>
+          <p:cNvPr id="5" name="Rectangle 4"/>
+          <p:cNvSpPr/>
+          <p:nvPr/>
+        </p:nvSpPr>
+        <p:spPr>
+          <a:xfrm>
+            <a:off x="6217919" y="646386"/>
+            <a:ext cx="5538474" cy="819807"/>
+          </a:xfrm>
+          <a:prstGeom prst="rect">
+            <a:avLst/>
+          </a:prstGeom>
+        </p:spPr>
+        <p:style>
+          <a:lnRef idx="1">
+            <a:schemeClr val="accent1"/>
+          </a:lnRef>
+          <a:fillRef idx="3">
+            <a:schemeClr val="accent1"/>
+          </a:fillRef>
+          <a:effectRef idx="2">
+            <a:schemeClr val="accent1"/>
+          </a:effectRef>
+          <a:fontRef idx="minor">
+            <a:schemeClr val="lt1"/>
+          </a:fontRef>
+        </p:style>
+        <p:txBody>
+          <a:bodyPr rtlCol="0" anchor="ctr"/>
+          <a:lstStyle/>
+          <a:p>
+            <a:pPr algn="ctr"/>
+            <a:r>
+              <a:rPr lang="en-CA" sz="2000" dirty="0" smtClean="0">
+                <a:latin typeface="Microsoft JhengHei" pitchFamily="34" charset="-120"/>
+                <a:ea typeface="Microsoft JhengHei" pitchFamily="34" charset="-120"/>
+              </a:rPr>
+              <a:t>Percent of global passengers will use </a:t>
+            </a:r>
+            <a:r>
+              <a:rPr lang="en-CA" sz="2000" dirty="0" err="1" smtClean="0">
+                <a:latin typeface="Microsoft JhengHei" pitchFamily="34" charset="-120"/>
+                <a:ea typeface="Microsoft JhengHei" pitchFamily="34" charset="-120"/>
+              </a:rPr>
+              <a:t>Evs</a:t>
+            </a:r>
+            <a:r>
+              <a:rPr lang="en-CA" sz="2000" dirty="0" smtClean="0">
+                <a:latin typeface="Microsoft JhengHei" pitchFamily="34" charset="-120"/>
+                <a:ea typeface="Microsoft JhengHei" pitchFamily="34" charset="-120"/>
+              </a:rPr>
+              <a:t> by 2040.</a:t>
+            </a:r>
+            <a:br>
+              <a:rPr lang="en-CA" sz="2000" dirty="0" smtClean="0">
+                <a:latin typeface="Microsoft JhengHei" pitchFamily="34" charset="-120"/>
+                <a:ea typeface="Microsoft JhengHei" pitchFamily="34" charset="-120"/>
+              </a:rPr>
+            </a:br>
+            <a:endParaRPr lang="en-CA" sz="2000" dirty="0">
+              <a:latin typeface="Microsoft JhengHei" pitchFamily="34" charset="-120"/>
+              <a:ea typeface="Microsoft JhengHei" pitchFamily="34" charset="-120"/>
+            </a:endParaRPr>
+          </a:p>
+        </p:txBody>
+      </p:sp>
+      <p:sp>
+        <p:nvSpPr>
+          <p:cNvPr id="8" name="Title 7"/>
+          <p:cNvSpPr>
+            <a:spLocks noGrp="1"/>
+          </p:cNvSpPr>
+          <p:nvPr>
+            <p:ph type="title"/>
+          </p:nvPr>
+        </p:nvSpPr>
+        <p:spPr>
+          <a:xfrm>
+            <a:off x="1436914" y="429244"/>
+            <a:ext cx="10319479" cy="527303"/>
+          </a:xfrm>
+        </p:spPr>
+        <p:txBody>
+          <a:bodyPr>
+            <a:normAutofit fontScale="90000"/>
+          </a:bodyPr>
+          <a:lstStyle/>
+          <a:p>
+            <a:r>
+              <a:rPr lang="en-CA" dirty="0" smtClean="0"/>
+              <a:t>EV Outbreaks , from 2020 to 2040:</a:t>
+            </a:r>
+            <a:br>
+              <a:rPr lang="en-CA" dirty="0" smtClean="0"/>
+            </a:br>
+            <a:endParaRPr lang="en-CA" dirty="0"/>
+          </a:p>
+        </p:txBody>
+      </p:sp>
       <p:pic>
         <p:nvPicPr>
-          <p:cNvPr id="7" name="圖片 6">
-            <a:extLst>
-              <a:ext uri="{FF2B5EF4-FFF2-40B4-BE49-F238E27FC236}">
-                <a16:creationId xmlns:a16="http://schemas.microsoft.com/office/drawing/2014/main" id="{0E761BDF-C702-47A0-A896-D5BEB88E5343}"/>
-              </a:ext>
-            </a:extLst>
-          </p:cNvPr>
+          <p:cNvPr id="13" name="Picture 12" descr="bokeh_plot (7).png"/>
           <p:cNvPicPr>
             <a:picLocks noChangeAspect="1"/>
           </p:cNvPicPr>
           <p:nvPr/>
         </p:nvPicPr>
         <p:blipFill>
-          <a:blip r:embed="rId3">
-            <a:duotone>
-              <a:schemeClr val="bg2">
-                <a:shade val="45000"/>
-                <a:satMod val="135000"/>
-              </a:schemeClr>
-              <a:prstClr val="white"/>
-            </a:duotone>
-            <a:extLst>
-              <a:ext uri="{BEBA8EAE-BF5A-486C-A8C5-ECC9F3942E4B}">
-                <a14:imgProps xmlns:a14="http://schemas.microsoft.com/office/drawing/2010/main">
-                  <a14:imgLayer r:embed="rId4">
-                    <a14:imgEffect>
-                      <a14:artisticChalkSketch/>
-                    </a14:imgEffect>
-                  </a14:imgLayer>
-                </a14:imgProps>
-              </a:ext>
-            </a:extLst>
-          </a:blip>
+          <a:blip r:embed="rId2"/>
           <a:stretch>
             <a:fillRect/>
           </a:stretch>
         </p:blipFill>
         <p:spPr>
           <a:xfrm>
-            <a:off x="0" y="0"/>
-            <a:ext cx="12192000" cy="6858000"/>
+            <a:off x="524656" y="1213946"/>
+            <a:ext cx="5118499" cy="5350488"/>
           </a:xfrm>
           <a:prstGeom prst="rect">
             <a:avLst/>
           </a:prstGeom>
         </p:spPr>
       </p:pic>
-      <p:sp>
-        <p:nvSpPr>
-          <p:cNvPr id="2" name="標題 1">
-            <a:extLst>
-              <a:ext uri="{FF2B5EF4-FFF2-40B4-BE49-F238E27FC236}">
-                <a16:creationId xmlns:a16="http://schemas.microsoft.com/office/drawing/2014/main" id="{6B4D2C1F-F6B7-4405-B259-2CDC77E20ACC}"/>
-              </a:ext>
-            </a:extLst>
-          </p:cNvPr>
-          <p:cNvSpPr>
-            <a:spLocks noGrp="1"/>
-          </p:cNvSpPr>
-          <p:nvPr>
-            <p:ph type="ctrTitle"/>
-          </p:nvPr>
-        </p:nvSpPr>
-        <p:spPr>
-          <a:xfrm>
-            <a:off x="891387" y="1159847"/>
-            <a:ext cx="10028250" cy="2548947"/>
-          </a:xfrm>
-        </p:spPr>
-        <p:txBody>
-          <a:bodyPr>
-            <a:normAutofit fontScale="90000"/>
-          </a:bodyPr>
-          <a:lstStyle/>
-          <a:p>
-            <a:r>
-              <a:rPr lang="en-CA" altLang="zh-TW" b="1" dirty="0">
-                <a:solidFill>
-                  <a:schemeClr val="bg2">
-                    <a:lumMod val="25000"/>
-                  </a:schemeClr>
-                </a:solidFill>
-                <a:latin typeface="+mj-lt"/>
-              </a:rPr>
-              <a:t>Scope: </a:t>
-            </a:r>
-            <a:br>
-              <a:rPr lang="en-CA" altLang="zh-TW" b="1" dirty="0">
-                <a:solidFill>
-                  <a:schemeClr val="bg2">
-                    <a:lumMod val="25000"/>
-                  </a:schemeClr>
-                </a:solidFill>
-                <a:latin typeface="+mj-lt"/>
-              </a:rPr>
-            </a:br>
-            <a:br>
-              <a:rPr lang="en-CA" altLang="zh-TW" b="1" dirty="0">
-                <a:solidFill>
-                  <a:schemeClr val="bg2">
-                    <a:lumMod val="25000"/>
-                  </a:schemeClr>
-                </a:solidFill>
-                <a:latin typeface="+mj-lt"/>
-              </a:rPr>
-            </a:br>
-            <a:r>
-              <a:rPr lang="en-CA" altLang="zh-TW" b="1" dirty="0">
-                <a:solidFill>
-                  <a:schemeClr val="bg2">
-                    <a:lumMod val="25000"/>
-                  </a:schemeClr>
-                </a:solidFill>
-                <a:latin typeface="+mj-lt"/>
-              </a:rPr>
-              <a:t>Is Tesla Equity Outperforming the Market for the next 5, 10 and 15 Years? </a:t>
-            </a:r>
-            <a:br>
-              <a:rPr lang="en-CA" altLang="zh-TW" b="1" dirty="0">
-                <a:solidFill>
-                  <a:schemeClr val="bg2">
-                    <a:lumMod val="25000"/>
-                  </a:schemeClr>
-                </a:solidFill>
-                <a:latin typeface="+mj-lt"/>
-              </a:rPr>
-            </a:br>
-            <a:br>
-              <a:rPr lang="en-CA" altLang="zh-TW" b="1" dirty="0">
-                <a:solidFill>
-                  <a:schemeClr val="bg2">
-                    <a:lumMod val="25000"/>
-                  </a:schemeClr>
-                </a:solidFill>
-                <a:latin typeface="+mj-lt"/>
-              </a:rPr>
-            </a:br>
-            <a:endParaRPr lang="zh-TW" altLang="en-US" b="1" dirty="0">
-              <a:solidFill>
-                <a:schemeClr val="bg2">
-                  <a:lumMod val="25000"/>
-                </a:schemeClr>
-              </a:solidFill>
-              <a:latin typeface="+mj-lt"/>
-            </a:endParaRPr>
-          </a:p>
-        </p:txBody>
-      </p:sp>
-      <p:sp>
-        <p:nvSpPr>
-          <p:cNvPr id="4" name="投影片編號版面配置區 3">
-            <a:extLst>
-              <a:ext uri="{FF2B5EF4-FFF2-40B4-BE49-F238E27FC236}">
-                <a16:creationId xmlns:a16="http://schemas.microsoft.com/office/drawing/2014/main" id="{66BF599D-059F-44AC-A463-707CDC8040F4}"/>
-              </a:ext>
-            </a:extLst>
-          </p:cNvPr>
-          <p:cNvSpPr>
-            <a:spLocks noGrp="1"/>
-          </p:cNvSpPr>
-          <p:nvPr>
-            <p:ph type="sldNum" sz="quarter" idx="12"/>
-          </p:nvPr>
-        </p:nvSpPr>
-        <p:spPr/>
-        <p:txBody>
-          <a:bodyPr/>
-          <a:lstStyle/>
-          <a:p>
-            <a:fld id="{B7F7B65C-2824-9347-9C05-39D42996E2F4}" type="slidenum">
-              <a:rPr lang="fr-FR" smtClean="0"/>
-              <a:pPr/>
-              <a:t>1</a:t>
-            </a:fld>
-            <a:endParaRPr lang="fr-FR" dirty="0"/>
-          </a:p>
-        </p:txBody>
-      </p:sp>
-      <p:sp>
-        <p:nvSpPr>
-          <p:cNvPr id="8" name="矩形 7">
-            <a:extLst>
-              <a:ext uri="{FF2B5EF4-FFF2-40B4-BE49-F238E27FC236}">
-                <a16:creationId xmlns:a16="http://schemas.microsoft.com/office/drawing/2014/main" id="{05A7DF6E-9483-47CA-A81F-5469D961B2D4}"/>
-              </a:ext>
-            </a:extLst>
-          </p:cNvPr>
-          <p:cNvSpPr/>
+      <p:pic>
+        <p:nvPicPr>
+          <p:cNvPr id="14" name="Picture 13" descr="bokeh_plot (8).png"/>
+          <p:cNvPicPr>
+            <a:picLocks noChangeAspect="1"/>
+          </p:cNvPicPr>
           <p:nvPr/>
-        </p:nvSpPr>
-        <p:spPr>
-          <a:xfrm>
-            <a:off x="609600" y="1028700"/>
-            <a:ext cx="10896600" cy="5080761"/>
+        </p:nvPicPr>
+        <p:blipFill>
+          <a:blip r:embed="rId3"/>
+          <a:stretch>
+            <a:fillRect/>
+          </a:stretch>
+        </p:blipFill>
+        <p:spPr>
+          <a:xfrm>
+            <a:off x="6853729" y="1466193"/>
+            <a:ext cx="4670863" cy="5098241"/>
           </a:xfrm>
           <a:prstGeom prst="rect">
             <a:avLst/>
           </a:prstGeom>
-          <a:noFill/>
-          <a:ln w="28575"/>
-        </p:spPr>
-        <p:style>
-          <a:lnRef idx="2">
-            <a:schemeClr val="accent1">
-              <a:shade val="50000"/>
-            </a:schemeClr>
-          </a:lnRef>
-          <a:fillRef idx="1">
-            <a:schemeClr val="accent1"/>
-          </a:fillRef>
-          <a:effectRef idx="0">
-            <a:schemeClr val="accent1"/>
-          </a:effectRef>
-          <a:fontRef idx="minor">
-            <a:schemeClr val="lt1"/>
-          </a:fontRef>
-        </p:style>
-        <p:txBody>
-          <a:bodyPr rtlCol="0" anchor="ctr"/>
-          <a:lstStyle/>
-          <a:p>
-            <a:pPr algn="ctr"/>
-            <a:endParaRPr lang="zh-TW" altLang="en-US"/>
-          </a:p>
-        </p:txBody>
-      </p:sp>
+        </p:spPr>
+      </p:pic>
     </p:spTree>
-    <p:extLst>
-      <p:ext uri="{BB962C8B-B14F-4D97-AF65-F5344CB8AC3E}">
-        <p14:creationId xmlns:p14="http://schemas.microsoft.com/office/powerpoint/2010/main" val="869296336"/>
-      </p:ext>
-    </p:extLst>
   </p:cSld>
   <p:clrMapOvr>
     <a:masterClrMapping/>
@@ -2339,13 +2256,7 @@
       </p:grpSpPr>
       <p:sp>
         <p:nvSpPr>
-          <p:cNvPr id="2" name="Title 1">
-            <a:extLst>
-              <a:ext uri="{FF2B5EF4-FFF2-40B4-BE49-F238E27FC236}">
-                <a16:creationId xmlns:a16="http://schemas.microsoft.com/office/drawing/2014/main" id="{30941627-7492-44E5-A7E2-0A1D695D7CA9}"/>
-              </a:ext>
-            </a:extLst>
-          </p:cNvPr>
+          <p:cNvPr id="2" name="Title 1"/>
           <p:cNvSpPr>
             <a:spLocks noGrp="1"/>
           </p:cNvSpPr>
@@ -2353,12 +2264,7 @@
             <p:ph type="title"/>
           </p:nvPr>
         </p:nvSpPr>
-        <p:spPr>
-          <a:xfrm>
-            <a:off x="743991" y="457200"/>
-            <a:ext cx="10675375" cy="2434187"/>
-          </a:xfrm>
-        </p:spPr>
+        <p:spPr/>
         <p:txBody>
           <a:bodyPr>
             <a:normAutofit fontScale="90000"/>
@@ -2366,99 +2272,11 @@
           <a:lstStyle/>
           <a:p>
             <a:r>
-              <a:rPr lang="en-CA" sz="2200" b="0" dirty="0">
-                <a:effectLst/>
-                <a:latin typeface="Consolas" panose="020B0609020204030204" pitchFamily="49" charset="0"/>
-              </a:rPr>
-              <a:t>2. </a:t>
-            </a:r>
-            <a:r>
-              <a:rPr lang="en-CA" sz="2200" dirty="0">
-                <a:latin typeface="Consolas" panose="020B0609020204030204" pitchFamily="49" charset="0"/>
-              </a:rPr>
-              <a:t>Plot Data:</a:t>
+              <a:rPr lang="en-CA" dirty="0" smtClean="0"/>
+              <a:t>EV Outbreaks , from 2020 to 2040:</a:t>
             </a:r>
             <a:br>
-              <a:rPr lang="en-CA" sz="2200" dirty="0">
-                <a:latin typeface="Consolas" panose="020B0609020204030204" pitchFamily="49" charset="0"/>
-              </a:rPr>
-            </a:br>
-            <a:br>
-              <a:rPr lang="en-CA" sz="2200" b="0" dirty="0">
-                <a:effectLst/>
-                <a:latin typeface="Consolas" panose="020B0609020204030204" pitchFamily="49" charset="0"/>
-              </a:rPr>
-            </a:br>
-            <a:r>
-              <a:rPr lang="en-CA" sz="2200" b="0" dirty="0">
-                <a:effectLst/>
-                <a:latin typeface="Consolas" panose="020B0609020204030204" pitchFamily="49" charset="0"/>
-              </a:rPr>
-              <a:t>Python</a:t>
-            </a:r>
-            <a:br>
-              <a:rPr lang="en-CA" sz="2200" b="0" dirty="0">
-                <a:effectLst/>
-                <a:latin typeface="Consolas" panose="020B0609020204030204" pitchFamily="49" charset="0"/>
-              </a:rPr>
-            </a:br>
-            <a:r>
-              <a:rPr lang="en-US" sz="2200" b="0" dirty="0">
-                <a:effectLst/>
-                <a:latin typeface="Consolas" panose="020B0609020204030204" pitchFamily="49" charset="0"/>
-              </a:rPr>
-              <a:t>API Alpaca for historical TSLA stock price, Index, Bond Yield</a:t>
-            </a:r>
-            <a:br>
-              <a:rPr lang="en-US" sz="2200" b="0" dirty="0">
-                <a:effectLst/>
-                <a:latin typeface="Consolas" panose="020B0609020204030204" pitchFamily="49" charset="0"/>
-              </a:rPr>
-            </a:br>
-            <a:r>
-              <a:rPr lang="en-CA" sz="2200" dirty="0">
-                <a:latin typeface="Consolas" panose="020B0609020204030204" pitchFamily="49" charset="0"/>
-              </a:rPr>
-              <a:t>M</a:t>
-            </a:r>
-            <a:r>
-              <a:rPr lang="en-CA" sz="2200" b="0" dirty="0">
-                <a:effectLst/>
-                <a:latin typeface="Consolas" panose="020B0609020204030204" pitchFamily="49" charset="0"/>
-              </a:rPr>
-              <a:t>atplotlib (charging stations)</a:t>
-            </a:r>
-            <a:br>
-              <a:rPr lang="en-CA" sz="2200" b="0" dirty="0">
-                <a:effectLst/>
-                <a:latin typeface="Consolas" panose="020B0609020204030204" pitchFamily="49" charset="0"/>
-              </a:rPr>
-            </a:br>
-            <a:r>
-              <a:rPr lang="en-CA" sz="2200" b="0" dirty="0">
-                <a:effectLst/>
-                <a:latin typeface="Consolas" panose="020B0609020204030204" pitchFamily="49" charset="0"/>
-              </a:rPr>
-              <a:t>Dashboard</a:t>
-            </a:r>
-            <a:br>
-              <a:rPr lang="en-CA" sz="2200" b="0" dirty="0">
-                <a:effectLst/>
-                <a:latin typeface="Consolas" panose="020B0609020204030204" pitchFamily="49" charset="0"/>
-              </a:rPr>
-            </a:br>
-            <a:r>
-              <a:rPr lang="en-CA" sz="2200" b="0" dirty="0">
-                <a:effectLst/>
-                <a:latin typeface="Consolas" panose="020B0609020204030204" pitchFamily="49" charset="0"/>
-              </a:rPr>
-              <a:t>Monte Carlo simulation</a:t>
-            </a:r>
-            <a:br>
-              <a:rPr lang="en-CA" b="0" dirty="0">
-                <a:effectLst/>
-                <a:latin typeface="Consolas" panose="020B0609020204030204" pitchFamily="49" charset="0"/>
-              </a:rPr>
+              <a:rPr lang="en-CA" dirty="0" smtClean="0"/>
             </a:br>
             <a:endParaRPr lang="en-CA" dirty="0"/>
           </a:p>
@@ -2466,13 +2284,7 @@
       </p:sp>
       <p:sp>
         <p:nvSpPr>
-          <p:cNvPr id="3" name="Slide Number Placeholder 2">
-            <a:extLst>
-              <a:ext uri="{FF2B5EF4-FFF2-40B4-BE49-F238E27FC236}">
-                <a16:creationId xmlns:a16="http://schemas.microsoft.com/office/drawing/2014/main" id="{9F2D1545-5FEA-4FAD-A42E-952CD445367B}"/>
-              </a:ext>
-            </a:extLst>
-          </p:cNvPr>
+          <p:cNvPr id="4" name="Slide Number Placeholder 3"/>
           <p:cNvSpPr>
             <a:spLocks noGrp="1"/>
           </p:cNvSpPr>
@@ -2496,124 +2308,229 @@
       </p:sp>
       <p:sp>
         <p:nvSpPr>
-          <p:cNvPr id="4" name="Text Placeholder 3">
-            <a:extLst>
-              <a:ext uri="{FF2B5EF4-FFF2-40B4-BE49-F238E27FC236}">
-                <a16:creationId xmlns:a16="http://schemas.microsoft.com/office/drawing/2014/main" id="{FA9CA4E5-5C53-4190-A056-5884E38B6051}"/>
-              </a:ext>
-            </a:extLst>
-          </p:cNvPr>
+          <p:cNvPr id="5" name="Content Placeholder 4"/>
           <p:cNvSpPr>
             <a:spLocks noGrp="1"/>
           </p:cNvSpPr>
           <p:nvPr>
-            <p:ph type="body" sz="quarter" idx="13"/>
-          </p:nvPr>
-        </p:nvSpPr>
-        <p:spPr>
-          <a:xfrm>
-            <a:off x="743992" y="3067444"/>
-            <a:ext cx="11334594" cy="3333356"/>
-          </a:xfrm>
-        </p:spPr>
-        <p:txBody>
-          <a:bodyPr/>
+            <p:ph idx="1"/>
+          </p:nvPr>
+        </p:nvSpPr>
+        <p:spPr>
+          <a:xfrm>
+            <a:off x="524656" y="1277007"/>
+            <a:ext cx="5782328" cy="709024"/>
+          </a:xfrm>
+          <a:prstGeom prst="rect">
+            <a:avLst/>
+          </a:prstGeom>
+        </p:spPr>
+        <p:style>
+          <a:lnRef idx="1">
+            <a:schemeClr val="accent1"/>
+          </a:lnRef>
+          <a:fillRef idx="3">
+            <a:schemeClr val="accent1"/>
+          </a:fillRef>
+          <a:effectRef idx="2">
+            <a:schemeClr val="accent1"/>
+          </a:effectRef>
+          <a:fontRef idx="minor">
+            <a:schemeClr val="lt1"/>
+          </a:fontRef>
+        </p:style>
+        <p:txBody>
+          <a:bodyPr rtlCol="0" anchor="ctr"/>
           <a:lstStyle/>
           <a:p>
-            <a:pPr marL="0" indent="0">
-              <a:buNone/>
+            <a:pPr algn="ctr"/>
+            <a:r>
+              <a:rPr lang="en-CA" sz="2000" b="1" dirty="0" smtClean="0">
+                <a:latin typeface="Microsoft JhengHei" pitchFamily="34" charset="-120"/>
+                <a:ea typeface="Microsoft JhengHei" pitchFamily="34" charset="-120"/>
+              </a:rPr>
+              <a:t>Green Hydrogen cost cut </a:t>
+            </a:r>
+            <a:endParaRPr lang="en-CA" sz="2000" b="1" dirty="0">
+              <a:latin typeface="Microsoft JhengHei" pitchFamily="34" charset="-120"/>
+              <a:ea typeface="Microsoft JhengHei" pitchFamily="34" charset="-120"/>
+            </a:endParaRPr>
+          </a:p>
+        </p:txBody>
+      </p:sp>
+      <p:sp>
+        <p:nvSpPr>
+          <p:cNvPr id="7" name="Rectangle 6"/>
+          <p:cNvSpPr/>
+          <p:nvPr/>
+        </p:nvSpPr>
+        <p:spPr>
+          <a:xfrm>
+            <a:off x="524656" y="2443655"/>
+            <a:ext cx="4608833" cy="1802674"/>
+          </a:xfrm>
+          <a:prstGeom prst="rect">
+            <a:avLst/>
+          </a:prstGeom>
+        </p:spPr>
+        <p:style>
+          <a:lnRef idx="2">
+            <a:schemeClr val="dk1"/>
+          </a:lnRef>
+          <a:fillRef idx="1">
+            <a:schemeClr val="lt1"/>
+          </a:fillRef>
+          <a:effectRef idx="0">
+            <a:schemeClr val="dk1"/>
+          </a:effectRef>
+          <a:fontRef idx="minor">
+            <a:schemeClr val="dk1"/>
+          </a:fontRef>
+        </p:style>
+        <p:txBody>
+          <a:bodyPr rtlCol="0" anchor="ctr"/>
+          <a:lstStyle/>
+          <a:p>
+            <a:pPr lvl="0">
+              <a:buFont typeface="Wingdings" pitchFamily="2" charset="2"/>
+              <a:buChar char="§"/>
             </a:pPr>
             <a:r>
-              <a:rPr lang="en-CA" sz="2200" dirty="0">
-                <a:latin typeface="Consolas" panose="020B0609020204030204" pitchFamily="49" charset="0"/>
-                <a:ea typeface="Microsoft YaHei" charset="-122"/>
-              </a:rPr>
-              <a:t>3. Data:</a:t>
-            </a:r>
-          </a:p>
-          <a:p>
-            <a:pPr marL="0" indent="0">
-              <a:buNone/>
-            </a:pPr>
-            <a:r>
-              <a:rPr lang="en-US" sz="2200" dirty="0">
-                <a:latin typeface="Consolas" panose="020B0609020204030204" pitchFamily="49" charset="0"/>
-                <a:ea typeface="Microsoft YaHei" charset="-122"/>
-              </a:rPr>
-              <a:t>Market Analysis- market growth, CAGR</a:t>
-            </a:r>
-          </a:p>
-          <a:p>
-            <a:pPr marL="0" indent="0">
-              <a:buNone/>
-            </a:pPr>
-            <a:r>
-              <a:rPr lang="en-US" sz="2200" dirty="0">
-                <a:latin typeface="Consolas" panose="020B0609020204030204" pitchFamily="49" charset="0"/>
-                <a:ea typeface="Microsoft YaHei" charset="-122"/>
-              </a:rPr>
-              <a:t>Historical price (API) vs index benchmark, Bond yield (5-10 year).</a:t>
-            </a:r>
-          </a:p>
-          <a:p>
-            <a:pPr marL="0" indent="0">
-              <a:buNone/>
-            </a:pPr>
-            <a:r>
-              <a:rPr lang="en-US" sz="2200" dirty="0">
-                <a:latin typeface="Consolas" panose="020B0609020204030204" pitchFamily="49" charset="0"/>
-                <a:ea typeface="Microsoft YaHei" charset="-122"/>
-              </a:rPr>
-              <a:t>Finance Technical Analysis//revenue breakdown, capex, profitability, customer, risk of the investment.</a:t>
-            </a:r>
-          </a:p>
-          <a:p>
-            <a:pPr marL="0" indent="0">
-              <a:buNone/>
-            </a:pPr>
-            <a:r>
-              <a:rPr lang="en-US" sz="2200" dirty="0">
-                <a:latin typeface="Consolas" panose="020B0609020204030204" pitchFamily="49" charset="0"/>
-                <a:ea typeface="Microsoft YaHei" charset="-122"/>
-              </a:rPr>
-              <a:t>Diversification Effect: Global market, revenue breakdown by region, customer breakdown by region.</a:t>
-            </a:r>
-          </a:p>
-          <a:p>
-            <a:pPr marL="0" indent="0">
-              <a:buNone/>
-            </a:pPr>
-            <a:r>
-              <a:rPr lang="en-US" sz="2200" dirty="0">
-                <a:latin typeface="Consolas" panose="020B0609020204030204" pitchFamily="49" charset="0"/>
-                <a:ea typeface="Microsoft YaHei" charset="-122"/>
-              </a:rPr>
-              <a:t>Social impact: CO2, environment</a:t>
-            </a:r>
-          </a:p>
-          <a:p>
-            <a:pPr marL="0" indent="0">
-              <a:buNone/>
-            </a:pPr>
-            <a:endParaRPr lang="en-US" dirty="0">
-              <a:latin typeface="Consolas" panose="020B0609020204030204" pitchFamily="49" charset="0"/>
-              <a:ea typeface="Microsoft YaHei" charset="-122"/>
-            </a:endParaRPr>
-          </a:p>
-          <a:p>
-            <a:pPr marL="0" indent="0">
-              <a:buNone/>
+              <a:rPr lang="en-CA" b="1" dirty="0" smtClean="0"/>
+              <a:t>Green hydrogen costs will fall by up to 64% by 2040.</a:t>
+            </a:r>
+          </a:p>
+          <a:p>
+            <a:r>
+              <a:rPr lang="en-CA" b="1" dirty="0" smtClean="0"/>
+              <a:t>           Source: wood Mackenzie</a:t>
+            </a:r>
+            <a:endParaRPr lang="en-CA" dirty="0" smtClean="0"/>
+          </a:p>
+          <a:p>
+            <a:pPr lvl="0">
+              <a:buFont typeface="Wingdings" pitchFamily="2" charset="2"/>
+              <a:buChar char="§"/>
             </a:pPr>
             <a:endParaRPr lang="en-CA" dirty="0"/>
           </a:p>
         </p:txBody>
       </p:sp>
+      <p:sp>
+        <p:nvSpPr>
+          <p:cNvPr id="8" name="Rectangle 7"/>
+          <p:cNvSpPr/>
+          <p:nvPr/>
+        </p:nvSpPr>
+        <p:spPr>
+          <a:xfrm>
+            <a:off x="6744972" y="2443655"/>
+            <a:ext cx="4608833" cy="1802674"/>
+          </a:xfrm>
+          <a:prstGeom prst="rect">
+            <a:avLst/>
+          </a:prstGeom>
+        </p:spPr>
+        <p:style>
+          <a:lnRef idx="2">
+            <a:schemeClr val="dk1"/>
+          </a:lnRef>
+          <a:fillRef idx="1">
+            <a:schemeClr val="lt1"/>
+          </a:fillRef>
+          <a:effectRef idx="0">
+            <a:schemeClr val="dk1"/>
+          </a:effectRef>
+          <a:fontRef idx="minor">
+            <a:schemeClr val="dk1"/>
+          </a:fontRef>
+        </p:style>
+        <p:txBody>
+          <a:bodyPr rtlCol="0" anchor="ctr"/>
+          <a:lstStyle/>
+          <a:p>
+            <a:pPr lvl="0">
+              <a:buFont typeface="Wingdings" pitchFamily="2" charset="2"/>
+              <a:buChar char="§"/>
+            </a:pPr>
+            <a:r>
+              <a:rPr lang="en-CA" b="1" dirty="0" smtClean="0"/>
+              <a:t>Green hydrogen costs will fall by up to 64% by 2040.</a:t>
+            </a:r>
+          </a:p>
+          <a:p>
+            <a:r>
+              <a:rPr lang="en-CA" b="1" dirty="0" smtClean="0"/>
+              <a:t>           Source: wood Mackenzie</a:t>
+            </a:r>
+            <a:endParaRPr lang="en-CA" dirty="0" smtClean="0"/>
+          </a:p>
+          <a:p>
+            <a:pPr lvl="0">
+              <a:buFont typeface="Wingdings" pitchFamily="2" charset="2"/>
+              <a:buChar char="§"/>
+            </a:pPr>
+            <a:endParaRPr lang="en-CA" dirty="0"/>
+          </a:p>
+        </p:txBody>
+      </p:sp>
+      <p:sp>
+        <p:nvSpPr>
+          <p:cNvPr id="9" name="Rectangle 8"/>
+          <p:cNvSpPr/>
+          <p:nvPr/>
+        </p:nvSpPr>
+        <p:spPr>
+          <a:xfrm>
+            <a:off x="6608524" y="1277007"/>
+            <a:ext cx="5135885" cy="705394"/>
+          </a:xfrm>
+          <a:prstGeom prst="rect">
+            <a:avLst/>
+          </a:prstGeom>
+        </p:spPr>
+        <p:style>
+          <a:lnRef idx="1">
+            <a:schemeClr val="accent1"/>
+          </a:lnRef>
+          <a:fillRef idx="3">
+            <a:schemeClr val="accent1"/>
+          </a:fillRef>
+          <a:effectRef idx="2">
+            <a:schemeClr val="accent1"/>
+          </a:effectRef>
+          <a:fontRef idx="minor">
+            <a:schemeClr val="lt1"/>
+          </a:fontRef>
+        </p:style>
+        <p:txBody>
+          <a:bodyPr rtlCol="0" anchor="ctr"/>
+          <a:lstStyle/>
+          <a:p>
+            <a:pPr algn="ctr"/>
+            <a:r>
+              <a:rPr lang="en-CA" sz="2000" b="1" dirty="0" err="1" smtClean="0">
+                <a:latin typeface="Microsoft JhengHei" pitchFamily="34" charset="-120"/>
+                <a:ea typeface="Microsoft JhengHei" pitchFamily="34" charset="-120"/>
+              </a:rPr>
+              <a:t>Evs</a:t>
+            </a:r>
+            <a:r>
+              <a:rPr lang="en-CA" sz="2000" b="1" dirty="0" smtClean="0">
+                <a:latin typeface="Microsoft JhengHei" pitchFamily="34" charset="-120"/>
+                <a:ea typeface="Microsoft JhengHei" pitchFamily="34" charset="-120"/>
+              </a:rPr>
+              <a:t> performance by 2040</a:t>
+            </a:r>
+            <a:r>
+              <a:rPr lang="en-CA" dirty="0" smtClean="0"/>
+              <a:t>.</a:t>
+            </a:r>
+            <a:endParaRPr lang="en-CA" dirty="0"/>
+          </a:p>
+        </p:txBody>
+      </p:sp>
     </p:spTree>
-    <p:extLst>
-      <p:ext uri="{BB962C8B-B14F-4D97-AF65-F5344CB8AC3E}">
-        <p14:creationId xmlns:p14="http://schemas.microsoft.com/office/powerpoint/2010/main" val="3215272535"/>
-      </p:ext>
-    </p:extLst>
   </p:cSld>
   <p:clrMapOvr>
     <a:masterClrMapping/>
@@ -2640,230 +2557,35 @@
       </p:grpSpPr>
       <p:sp>
         <p:nvSpPr>
-          <p:cNvPr id="3" name="Content Placeholder 2">
-            <a:extLst>
-              <a:ext uri="{FF2B5EF4-FFF2-40B4-BE49-F238E27FC236}">
-                <a16:creationId xmlns:a16="http://schemas.microsoft.com/office/drawing/2014/main" id="{7982CEEB-EA75-42B0-8397-4284F96409A8}"/>
-              </a:ext>
-            </a:extLst>
-          </p:cNvPr>
+          <p:cNvPr id="2" name="Title 1"/>
           <p:cNvSpPr>
             <a:spLocks noGrp="1"/>
           </p:cNvSpPr>
           <p:nvPr>
-            <p:ph idx="1"/>
-          </p:nvPr>
-        </p:nvSpPr>
-        <p:spPr>
-          <a:xfrm>
-            <a:off x="1034321" y="531628"/>
-            <a:ext cx="10313235" cy="5506141"/>
-          </a:xfrm>
-        </p:spPr>
-        <p:txBody>
-          <a:bodyPr>
-            <a:normAutofit fontScale="85000" lnSpcReduction="20000"/>
-          </a:bodyPr>
+            <p:ph type="title"/>
+          </p:nvPr>
+        </p:nvSpPr>
+        <p:spPr>
+          <a:xfrm>
+            <a:off x="1034326" y="429244"/>
+            <a:ext cx="10319479" cy="527303"/>
+          </a:xfrm>
+        </p:spPr>
+        <p:txBody>
+          <a:bodyPr/>
           <a:lstStyle/>
           <a:p>
-            <a:pPr marL="0" indent="0">
-              <a:buNone/>
-            </a:pPr>
-            <a:r>
-              <a:rPr lang="en-CA" sz="2300" b="1" dirty="0">
-                <a:effectLst/>
-                <a:latin typeface="Consolas" panose="020B0609020204030204" pitchFamily="49" charset="0"/>
-              </a:rPr>
-              <a:t>4. Team members:</a:t>
-            </a:r>
-            <a:endParaRPr lang="en-CA" sz="2300" b="0" dirty="0">
-              <a:effectLst/>
-              <a:latin typeface="Consolas" panose="020B0609020204030204" pitchFamily="49" charset="0"/>
-            </a:endParaRPr>
-          </a:p>
-          <a:p>
-            <a:r>
-              <a:rPr lang="en-CA" sz="2300" b="0" dirty="0">
-                <a:effectLst/>
-                <a:latin typeface="Consolas" panose="020B0609020204030204" pitchFamily="49" charset="0"/>
-              </a:rPr>
-              <a:t>Minh Tran</a:t>
-            </a:r>
-          </a:p>
-          <a:p>
-            <a:r>
-              <a:rPr lang="en-CA" sz="2300" b="0" dirty="0">
-                <a:effectLst/>
-                <a:latin typeface="Consolas" panose="020B0609020204030204" pitchFamily="49" charset="0"/>
-              </a:rPr>
-              <a:t>Syed Naqvi </a:t>
-            </a:r>
-          </a:p>
-          <a:p>
-            <a:r>
-              <a:rPr lang="en-CA" sz="2300" b="0" dirty="0">
-                <a:effectLst/>
-                <a:latin typeface="Consolas" panose="020B0609020204030204" pitchFamily="49" charset="0"/>
-              </a:rPr>
-              <a:t>Rodrigo </a:t>
-            </a:r>
-            <a:r>
-              <a:rPr lang="en-CA" sz="2300" b="0" dirty="0" err="1">
-                <a:effectLst/>
-                <a:latin typeface="Consolas" panose="020B0609020204030204" pitchFamily="49" charset="0"/>
-              </a:rPr>
-              <a:t>Guazzelli</a:t>
-            </a:r>
-            <a:r>
-              <a:rPr lang="en-CA" sz="2300" b="0" dirty="0">
-                <a:effectLst/>
-                <a:latin typeface="Consolas" panose="020B0609020204030204" pitchFamily="49" charset="0"/>
-              </a:rPr>
-              <a:t> </a:t>
-            </a:r>
-          </a:p>
-          <a:p>
-            <a:r>
-              <a:rPr lang="en-CA" sz="2300" b="0" dirty="0" err="1">
-                <a:effectLst/>
-                <a:latin typeface="Consolas" panose="020B0609020204030204" pitchFamily="49" charset="0"/>
-              </a:rPr>
-              <a:t>Hsuan</a:t>
-            </a:r>
-            <a:r>
-              <a:rPr lang="en-CA" sz="2300" b="0" dirty="0">
-                <a:effectLst/>
-                <a:latin typeface="Consolas" panose="020B0609020204030204" pitchFamily="49" charset="0"/>
-              </a:rPr>
-              <a:t> Liu</a:t>
-            </a:r>
-          </a:p>
-          <a:p>
-            <a:r>
-              <a:rPr lang="en-CA" sz="2300" b="0" dirty="0">
-                <a:effectLst/>
-                <a:latin typeface="Consolas" panose="020B0609020204030204" pitchFamily="49" charset="0"/>
-              </a:rPr>
-              <a:t>Abdullah Mamun</a:t>
-            </a:r>
-          </a:p>
-          <a:p>
-            <a:endParaRPr lang="en-CA" sz="2300" dirty="0"/>
-          </a:p>
-          <a:p>
-            <a:pPr marL="0" indent="0">
-              <a:buNone/>
-            </a:pPr>
-            <a:r>
-              <a:rPr lang="en-CA" sz="2300" b="1" dirty="0">
-                <a:latin typeface="Consolas" panose="020B0609020204030204" pitchFamily="49" charset="0"/>
-              </a:rPr>
-              <a:t>5. Work splits:</a:t>
-            </a:r>
-          </a:p>
-          <a:p>
-            <a:r>
-              <a:rPr lang="en-CA" sz="2300" b="0" dirty="0">
-                <a:effectLst/>
-                <a:latin typeface="Consolas" panose="020B0609020204030204" pitchFamily="49" charset="0"/>
-              </a:rPr>
-              <a:t>Project manager - Rodrigo</a:t>
-            </a:r>
-          </a:p>
-          <a:p>
-            <a:r>
-              <a:rPr lang="en-CA" sz="2300" b="0" dirty="0">
-                <a:effectLst/>
-                <a:latin typeface="Consolas" panose="020B0609020204030204" pitchFamily="49" charset="0"/>
-              </a:rPr>
-              <a:t>Presenter - Syed</a:t>
-            </a:r>
-          </a:p>
-          <a:p>
-            <a:r>
-              <a:rPr lang="en-CA" sz="2300" b="0" dirty="0">
-                <a:effectLst/>
-                <a:latin typeface="Consolas" panose="020B0609020204030204" pitchFamily="49" charset="0"/>
-              </a:rPr>
-              <a:t>PPT - </a:t>
-            </a:r>
-            <a:r>
-              <a:rPr lang="en-CA" sz="2300" b="0" dirty="0" err="1">
-                <a:effectLst/>
-                <a:latin typeface="Consolas" panose="020B0609020204030204" pitchFamily="49" charset="0"/>
-              </a:rPr>
-              <a:t>Hsuan</a:t>
-            </a:r>
-            <a:r>
-              <a:rPr lang="en-CA" sz="2300" b="0" dirty="0">
-                <a:effectLst/>
-                <a:latin typeface="Consolas" panose="020B0609020204030204" pitchFamily="49" charset="0"/>
-              </a:rPr>
-              <a:t> and Minh</a:t>
-            </a:r>
-          </a:p>
-          <a:p>
-            <a:r>
-              <a:rPr lang="en-CA" sz="2300" b="0" dirty="0">
-                <a:effectLst/>
-                <a:latin typeface="Consolas" panose="020B0609020204030204" pitchFamily="49" charset="0"/>
-              </a:rPr>
-              <a:t>FSD//AI search - Abdullah Mamun</a:t>
-            </a:r>
-          </a:p>
-          <a:p>
-            <a:r>
-              <a:rPr lang="en-CA" sz="2300" b="0" dirty="0">
-                <a:effectLst/>
-                <a:latin typeface="Consolas" panose="020B0609020204030204" pitchFamily="49" charset="0"/>
-              </a:rPr>
-              <a:t>Monte Carlo/ timeframe - Rodrigo</a:t>
-            </a:r>
-          </a:p>
-          <a:p>
-            <a:r>
-              <a:rPr lang="en-CA" sz="2300" b="0" dirty="0">
-                <a:effectLst/>
-                <a:latin typeface="Consolas" panose="020B0609020204030204" pitchFamily="49" charset="0"/>
-              </a:rPr>
-              <a:t>EV Market share - Minh</a:t>
-            </a:r>
-          </a:p>
-          <a:p>
-            <a:pPr marL="0" indent="0">
-              <a:buNone/>
-            </a:pPr>
-            <a:br>
-              <a:rPr lang="en-CA" b="0" dirty="0">
-                <a:solidFill>
-                  <a:srgbClr val="D4D4D4"/>
-                </a:solidFill>
-                <a:effectLst/>
-                <a:latin typeface="Consolas" panose="020B0609020204030204" pitchFamily="49" charset="0"/>
-              </a:rPr>
-            </a:br>
-            <a:endParaRPr lang="en-CA" b="0" dirty="0">
-              <a:solidFill>
-                <a:srgbClr val="D4D4D4"/>
-              </a:solidFill>
-              <a:effectLst/>
-              <a:latin typeface="Consolas" panose="020B0609020204030204" pitchFamily="49" charset="0"/>
-            </a:endParaRPr>
-          </a:p>
-          <a:p>
+            <a:r>
+              <a:rPr lang="en-CA" dirty="0" smtClean="0"/>
+              <a:t>EV Outbreaks , from 2020 to 2040</a:t>
+            </a:r>
             <a:endParaRPr lang="en-CA" dirty="0"/>
           </a:p>
         </p:txBody>
       </p:sp>
       <p:sp>
         <p:nvSpPr>
-          <p:cNvPr id="4" name="Slide Number Placeholder 3">
-            <a:extLst>
-              <a:ext uri="{FF2B5EF4-FFF2-40B4-BE49-F238E27FC236}">
-                <a16:creationId xmlns:a16="http://schemas.microsoft.com/office/drawing/2014/main" id="{6BA99A66-AA16-4EEF-8DA2-87318481DBFC}"/>
-              </a:ext>
-            </a:extLst>
-          </p:cNvPr>
+          <p:cNvPr id="4" name="Slide Number Placeholder 3"/>
           <p:cNvSpPr>
             <a:spLocks noGrp="1"/>
           </p:cNvSpPr>
@@ -2885,12 +2607,465 @@
           </a:p>
         </p:txBody>
       </p:sp>
+      <p:sp>
+        <p:nvSpPr>
+          <p:cNvPr id="6" name="Rectangle 5"/>
+          <p:cNvSpPr/>
+          <p:nvPr/>
+        </p:nvSpPr>
+        <p:spPr>
+          <a:xfrm rot="10800000" flipV="1">
+            <a:off x="1034326" y="956545"/>
+            <a:ext cx="4034063" cy="610997"/>
+          </a:xfrm>
+          <a:prstGeom prst="rect">
+            <a:avLst/>
+          </a:prstGeom>
+        </p:spPr>
+        <p:style>
+          <a:lnRef idx="1">
+            <a:schemeClr val="accent1"/>
+          </a:lnRef>
+          <a:fillRef idx="3">
+            <a:schemeClr val="accent1"/>
+          </a:fillRef>
+          <a:effectRef idx="2">
+            <a:schemeClr val="accent1"/>
+          </a:effectRef>
+          <a:fontRef idx="minor">
+            <a:schemeClr val="lt1"/>
+          </a:fontRef>
+        </p:style>
+        <p:txBody>
+          <a:bodyPr rtlCol="0" anchor="ctr"/>
+          <a:lstStyle/>
+          <a:p>
+            <a:pPr algn="ctr"/>
+            <a:r>
+              <a:rPr lang="en-CA" sz="2000" b="1" dirty="0" err="1" smtClean="0">
+                <a:latin typeface="Microsoft JhengHei" pitchFamily="34" charset="-120"/>
+                <a:ea typeface="Microsoft JhengHei" pitchFamily="34" charset="-120"/>
+              </a:rPr>
+              <a:t>Ev</a:t>
+            </a:r>
+            <a:r>
+              <a:rPr lang="en-CA" sz="2000" b="1" dirty="0" smtClean="0">
+                <a:latin typeface="Microsoft JhengHei" pitchFamily="34" charset="-120"/>
+                <a:ea typeface="Microsoft JhengHei" pitchFamily="34" charset="-120"/>
+              </a:rPr>
+              <a:t> charging unit in North America and Europe by 2024</a:t>
+            </a:r>
+            <a:endParaRPr lang="en-CA" dirty="0"/>
+          </a:p>
+        </p:txBody>
+      </p:sp>
+      <p:sp>
+        <p:nvSpPr>
+          <p:cNvPr id="7" name="Rectangle 6"/>
+          <p:cNvSpPr/>
+          <p:nvPr/>
+        </p:nvSpPr>
+        <p:spPr>
+          <a:xfrm>
+            <a:off x="5675586" y="956544"/>
+            <a:ext cx="5172891" cy="916497"/>
+          </a:xfrm>
+          <a:prstGeom prst="rect">
+            <a:avLst/>
+          </a:prstGeom>
+        </p:spPr>
+        <p:style>
+          <a:lnRef idx="1">
+            <a:schemeClr val="accent1"/>
+          </a:lnRef>
+          <a:fillRef idx="3">
+            <a:schemeClr val="accent1"/>
+          </a:fillRef>
+          <a:effectRef idx="2">
+            <a:schemeClr val="accent1"/>
+          </a:effectRef>
+          <a:fontRef idx="minor">
+            <a:schemeClr val="lt1"/>
+          </a:fontRef>
+        </p:style>
+        <p:txBody>
+          <a:bodyPr rtlCol="0" anchor="ctr"/>
+          <a:lstStyle/>
+          <a:p>
+            <a:pPr algn="ctr"/>
+            <a:r>
+              <a:rPr lang="en-CA" sz="2000" b="1" dirty="0" err="1" smtClean="0">
+                <a:latin typeface="Microsoft JhengHei" pitchFamily="34" charset="-120"/>
+                <a:ea typeface="Microsoft JhengHei" pitchFamily="34" charset="-120"/>
+              </a:rPr>
+              <a:t>Ev</a:t>
+            </a:r>
+            <a:r>
+              <a:rPr lang="en-CA" sz="2000" b="1" dirty="0" smtClean="0">
+                <a:latin typeface="Microsoft JhengHei" pitchFamily="34" charset="-120"/>
+                <a:ea typeface="Microsoft JhengHei" pitchFamily="34" charset="-120"/>
+              </a:rPr>
+              <a:t> impact on Americans private house hold incomes</a:t>
+            </a:r>
+            <a:endParaRPr lang="en-CA" sz="2000" b="1" dirty="0">
+              <a:latin typeface="Microsoft JhengHei" pitchFamily="34" charset="-120"/>
+              <a:ea typeface="Microsoft JhengHei" pitchFamily="34" charset="-120"/>
+            </a:endParaRPr>
+          </a:p>
+        </p:txBody>
+      </p:sp>
+      <p:sp>
+        <p:nvSpPr>
+          <p:cNvPr id="9" name="Rectangle 8"/>
+          <p:cNvSpPr/>
+          <p:nvPr/>
+        </p:nvSpPr>
+        <p:spPr>
+          <a:xfrm>
+            <a:off x="5675586" y="1873040"/>
+            <a:ext cx="5172891" cy="3282283"/>
+          </a:xfrm>
+          <a:prstGeom prst="rect">
+            <a:avLst/>
+          </a:prstGeom>
+        </p:spPr>
+        <p:style>
+          <a:lnRef idx="2">
+            <a:schemeClr val="dk1"/>
+          </a:lnRef>
+          <a:fillRef idx="1">
+            <a:schemeClr val="lt1"/>
+          </a:fillRef>
+          <a:effectRef idx="0">
+            <a:schemeClr val="dk1"/>
+          </a:effectRef>
+          <a:fontRef idx="minor">
+            <a:schemeClr val="dk1"/>
+          </a:fontRef>
+        </p:style>
+        <p:txBody>
+          <a:bodyPr rtlCol="0" anchor="ctr"/>
+          <a:lstStyle/>
+          <a:p>
+            <a:pPr lvl="0" algn="ctr">
+              <a:buFont typeface="Wingdings" pitchFamily="2" charset="2"/>
+              <a:buChar char="§"/>
+            </a:pPr>
+            <a:r>
+              <a:rPr lang="en-CA" b="1" dirty="0" smtClean="0"/>
+              <a:t>USA private house hold can save $ 255 to $791 per year</a:t>
+            </a:r>
+            <a:endParaRPr lang="en-CA" dirty="0" smtClean="0"/>
+          </a:p>
+          <a:p>
+            <a:pPr lvl="0" algn="ctr">
+              <a:buFont typeface="Wingdings" pitchFamily="2" charset="2"/>
+              <a:buChar char="§"/>
+            </a:pPr>
+            <a:r>
+              <a:rPr lang="en-CA" b="1" dirty="0" smtClean="0"/>
+              <a:t>In total, the private benefits for the main Aggressive and Low Cost scenarios range from $18.6 billion to $27.3 billion per year by 2035.   </a:t>
+            </a:r>
+          </a:p>
+          <a:p>
+            <a:pPr algn="ctr">
+              <a:buFont typeface="Wingdings" pitchFamily="2" charset="2"/>
+              <a:buChar char="§"/>
+            </a:pPr>
+            <a:r>
+              <a:rPr lang="en-CA" b="1" dirty="0" smtClean="0"/>
+              <a:t>source: NREL       </a:t>
+            </a:r>
+            <a:endParaRPr lang="en-CA" dirty="0" smtClean="0"/>
+          </a:p>
+          <a:p>
+            <a:pPr lvl="0" algn="ctr">
+              <a:buFont typeface="Wingdings" pitchFamily="2" charset="2"/>
+              <a:buChar char="§"/>
+            </a:pPr>
+            <a:endParaRPr lang="en-CA" dirty="0" smtClean="0"/>
+          </a:p>
+          <a:p>
+            <a:pPr algn="ctr">
+              <a:buFont typeface="Wingdings" pitchFamily="2" charset="2"/>
+              <a:buChar char="§"/>
+            </a:pPr>
+            <a:endParaRPr lang="en-CA" dirty="0"/>
+          </a:p>
+        </p:txBody>
+      </p:sp>
+      <p:pic>
+        <p:nvPicPr>
+          <p:cNvPr id="10" name="Content Placeholder 9" descr="bokeh_plot (9).png"/>
+          <p:cNvPicPr>
+            <a:picLocks noGrp="1" noChangeAspect="1"/>
+          </p:cNvPicPr>
+          <p:nvPr>
+            <p:ph idx="1"/>
+          </p:nvPr>
+        </p:nvPicPr>
+        <p:blipFill>
+          <a:blip r:embed="rId2"/>
+          <a:stretch>
+            <a:fillRect/>
+          </a:stretch>
+        </p:blipFill>
+        <p:spPr>
+          <a:xfrm>
+            <a:off x="524656" y="1567541"/>
+            <a:ext cx="4945978" cy="5298497"/>
+          </a:xfrm>
+        </p:spPr>
+      </p:pic>
     </p:spTree>
-    <p:extLst>
-      <p:ext uri="{BB962C8B-B14F-4D97-AF65-F5344CB8AC3E}">
-        <p14:creationId xmlns:p14="http://schemas.microsoft.com/office/powerpoint/2010/main" val="2137805779"/>
-      </p:ext>
-    </p:extLst>
+  </p:cSld>
+  <p:clrMapOvr>
+    <a:masterClrMapping/>
+  </p:clrMapOvr>
+</p:sld>
+</file>
+
+<file path=ppt/slides/slide4.xml><?xml version="1.0" encoding="utf-8"?>
+<p:sld xmlns:a="http://schemas.openxmlformats.org/drawingml/2006/main" xmlns:r="http://schemas.openxmlformats.org/officeDocument/2006/relationships" xmlns:p="http://schemas.openxmlformats.org/presentationml/2006/main">
+  <p:cSld>
+    <p:spTree>
+      <p:nvGrpSpPr>
+        <p:cNvPr id="1" name=""/>
+        <p:cNvGrpSpPr/>
+        <p:nvPr/>
+      </p:nvGrpSpPr>
+      <p:grpSpPr>
+        <a:xfrm>
+          <a:off x="0" y="0"/>
+          <a:ext cx="0" cy="0"/>
+          <a:chOff x="0" y="0"/>
+          <a:chExt cx="0" cy="0"/>
+        </a:xfrm>
+      </p:grpSpPr>
+      <p:sp>
+        <p:nvSpPr>
+          <p:cNvPr id="2" name="Title 1"/>
+          <p:cNvSpPr>
+            <a:spLocks noGrp="1"/>
+          </p:cNvSpPr>
+          <p:nvPr>
+            <p:ph type="ctrTitle"/>
+          </p:nvPr>
+        </p:nvSpPr>
+        <p:spPr>
+          <a:xfrm>
+            <a:off x="699258" y="346841"/>
+            <a:ext cx="7299005" cy="435848"/>
+          </a:xfrm>
+        </p:spPr>
+        <p:txBody>
+          <a:bodyPr>
+            <a:normAutofit fontScale="90000"/>
+          </a:bodyPr>
+          <a:lstStyle/>
+          <a:p>
+            <a:r>
+              <a:rPr lang="en-CA" dirty="0" smtClean="0"/>
+              <a:t>EV Outbreaks , from 2020 to 2040</a:t>
+            </a:r>
+            <a:endParaRPr lang="en-CA" dirty="0"/>
+          </a:p>
+        </p:txBody>
+      </p:sp>
+      <p:sp>
+        <p:nvSpPr>
+          <p:cNvPr id="3" name="Subtitle 2"/>
+          <p:cNvSpPr>
+            <a:spLocks noGrp="1"/>
+          </p:cNvSpPr>
+          <p:nvPr>
+            <p:ph type="subTitle" idx="1"/>
+          </p:nvPr>
+        </p:nvSpPr>
+        <p:spPr>
+          <a:xfrm>
+            <a:off x="439200" y="1027746"/>
+            <a:ext cx="4968372" cy="501509"/>
+          </a:xfrm>
+        </p:spPr>
+        <p:style>
+          <a:lnRef idx="1">
+            <a:schemeClr val="accent1"/>
+          </a:lnRef>
+          <a:fillRef idx="3">
+            <a:schemeClr val="accent1"/>
+          </a:fillRef>
+          <a:effectRef idx="2">
+            <a:schemeClr val="accent1"/>
+          </a:effectRef>
+          <a:fontRef idx="minor">
+            <a:schemeClr val="lt1"/>
+          </a:fontRef>
+        </p:style>
+        <p:txBody>
+          <a:bodyPr>
+            <a:normAutofit/>
+          </a:bodyPr>
+          <a:lstStyle/>
+          <a:p>
+            <a:pPr algn="ctr"/>
+            <a:r>
+              <a:rPr lang="en-CA" sz="2000" b="1" dirty="0" smtClean="0">
+                <a:solidFill>
+                  <a:schemeClr val="bg1"/>
+                </a:solidFill>
+              </a:rPr>
+              <a:t>TOP 10 </a:t>
+            </a:r>
+            <a:r>
+              <a:rPr lang="en-CA" sz="2000" b="1" dirty="0" err="1" smtClean="0">
+                <a:solidFill>
+                  <a:schemeClr val="bg1"/>
+                </a:solidFill>
+              </a:rPr>
+              <a:t>Ev</a:t>
+            </a:r>
+            <a:r>
+              <a:rPr lang="en-CA" sz="2000" b="1" dirty="0" smtClean="0">
+                <a:solidFill>
+                  <a:schemeClr val="bg1"/>
+                </a:solidFill>
+              </a:rPr>
+              <a:t> Automaker 2019</a:t>
+            </a:r>
+            <a:endParaRPr lang="en-CA" sz="2000" b="1" dirty="0">
+              <a:solidFill>
+                <a:schemeClr val="bg1"/>
+              </a:solidFill>
+            </a:endParaRPr>
+          </a:p>
+        </p:txBody>
+      </p:sp>
+      <p:sp>
+        <p:nvSpPr>
+          <p:cNvPr id="4" name="Slide Number Placeholder 3"/>
+          <p:cNvSpPr>
+            <a:spLocks noGrp="1"/>
+          </p:cNvSpPr>
+          <p:nvPr>
+            <p:ph type="sldNum" sz="quarter" idx="12"/>
+          </p:nvPr>
+        </p:nvSpPr>
+        <p:spPr/>
+        <p:txBody>
+          <a:bodyPr/>
+          <a:lstStyle/>
+          <a:p>
+            <a:fld id="{B7F7B65C-2824-9347-9C05-39D42996E2F4}" type="slidenum">
+              <a:rPr lang="fr-FR" smtClean="0"/>
+              <a:pPr/>
+              <a:t>4</a:t>
+            </a:fld>
+            <a:endParaRPr lang="fr-FR" dirty="0"/>
+          </a:p>
+        </p:txBody>
+      </p:sp>
+      <p:sp>
+        <p:nvSpPr>
+          <p:cNvPr id="7" name="Rectangle 6"/>
+          <p:cNvSpPr/>
+          <p:nvPr/>
+        </p:nvSpPr>
+        <p:spPr>
+          <a:xfrm>
+            <a:off x="6321972" y="1027746"/>
+            <a:ext cx="4713890" cy="501509"/>
+          </a:xfrm>
+          <a:prstGeom prst="rect">
+            <a:avLst/>
+          </a:prstGeom>
+        </p:spPr>
+        <p:style>
+          <a:lnRef idx="2">
+            <a:schemeClr val="accent1">
+              <a:shade val="50000"/>
+            </a:schemeClr>
+          </a:lnRef>
+          <a:fillRef idx="1">
+            <a:schemeClr val="accent1"/>
+          </a:fillRef>
+          <a:effectRef idx="0">
+            <a:schemeClr val="accent1"/>
+          </a:effectRef>
+          <a:fontRef idx="minor">
+            <a:schemeClr val="lt1"/>
+          </a:fontRef>
+        </p:style>
+        <p:txBody>
+          <a:bodyPr rtlCol="0" anchor="ctr"/>
+          <a:lstStyle/>
+          <a:p>
+            <a:pPr algn="ctr"/>
+            <a:r>
+              <a:rPr lang="en-CA" sz="2000" b="1" dirty="0" smtClean="0">
+                <a:solidFill>
+                  <a:schemeClr val="bg1"/>
+                </a:solidFill>
+              </a:rPr>
+              <a:t>EV sale globally 2015 to 2020(H1)</a:t>
+            </a:r>
+            <a:endParaRPr lang="en-CA" sz="2000" b="1" dirty="0">
+              <a:solidFill>
+                <a:schemeClr val="bg1"/>
+              </a:solidFill>
+            </a:endParaRPr>
+          </a:p>
+        </p:txBody>
+      </p:sp>
+      <p:pic>
+        <p:nvPicPr>
+          <p:cNvPr id="8" name="Picture 7" descr="bokeh_plot (6).png"/>
+          <p:cNvPicPr>
+            <a:picLocks noChangeAspect="1"/>
+          </p:cNvPicPr>
+          <p:nvPr/>
+        </p:nvPicPr>
+        <p:blipFill>
+          <a:blip r:embed="rId2"/>
+          <a:stretch>
+            <a:fillRect/>
+          </a:stretch>
+        </p:blipFill>
+        <p:spPr>
+          <a:xfrm>
+            <a:off x="6321972" y="1529255"/>
+            <a:ext cx="4950373" cy="3957145"/>
+          </a:xfrm>
+          <a:prstGeom prst="rect">
+            <a:avLst/>
+          </a:prstGeom>
+        </p:spPr>
+      </p:pic>
+      <p:pic>
+        <p:nvPicPr>
+          <p:cNvPr id="10" name="Picture 9" descr="pie.png"/>
+          <p:cNvPicPr>
+            <a:picLocks noChangeAspect="1"/>
+          </p:cNvPicPr>
+          <p:nvPr/>
+        </p:nvPicPr>
+        <p:blipFill>
+          <a:blip r:embed="rId3"/>
+          <a:stretch>
+            <a:fillRect/>
+          </a:stretch>
+        </p:blipFill>
+        <p:spPr>
+          <a:xfrm>
+            <a:off x="439200" y="1694654"/>
+            <a:ext cx="5583228" cy="4248946"/>
+          </a:xfrm>
+          <a:prstGeom prst="rect">
+            <a:avLst/>
+          </a:prstGeom>
+        </p:spPr>
+      </p:pic>
+    </p:spTree>
   </p:cSld>
   <p:clrMapOvr>
     <a:masterClrMapping/>
@@ -3093,7 +3268,7 @@
   <a:extraClrSchemeLst/>
   <a:extLst>
     <a:ext uri="{05A4C25C-085E-4340-85A3-A5531E510DB2}">
-      <thm15:themeFamily xmlns:thm15="http://schemas.microsoft.com/office/thememl/2012/main" name="Office Theme" id="{62F939B6-93AF-4DB8-9C6B-D6C7DFDC589F}" vid="{4A3C46E8-61CC-4603-A589-7422A47A8E4A}"/>
+      <thm15:themeFamily xmlns:thm15="http://schemas.microsoft.com/office/thememl/2012/main" xmlns="" name="Office Theme" id="{62F939B6-93AF-4DB8-9C6B-D6C7DFDC589F}" vid="{4A3C46E8-61CC-4603-A589-7422A47A8E4A}"/>
     </a:ext>
   </a:extLst>
 </a:theme>
@@ -3142,7 +3317,7 @@
     </a:clrScheme>
     <a:fontScheme name="Office">
       <a:majorFont>
-        <a:latin typeface="Calibri Light" panose="020F0302020204030204"/>
+        <a:latin typeface="Calibri Light"/>
         <a:ea typeface=""/>
         <a:cs typeface=""/>
         <a:font script="Jpan" typeface="Yu Gothic Light"/>
@@ -3177,7 +3352,7 @@
         <a:font script="Geor" typeface="Sylfaen"/>
       </a:majorFont>
       <a:minorFont>
-        <a:latin typeface="Calibri" panose="020F0502020204030204"/>
+        <a:latin typeface="Calibri"/>
         <a:ea typeface=""/>
         <a:cs typeface=""/>
         <a:font script="Jpan" typeface="Yu Gothic"/>
@@ -3354,7 +3529,7 @@
   <a:extraClrSchemeLst/>
   <a:extLst>
     <a:ext uri="{05A4C25C-085E-4340-85A3-A5531E510DB2}">
-      <thm15:themeFamily xmlns:thm15="http://schemas.microsoft.com/office/thememl/2012/main" name="Office Theme" id="{62F939B6-93AF-4DB8-9C6B-D6C7DFDC589F}" vid="{4A3C46E8-61CC-4603-A589-7422A47A8E4A}"/>
+      <thm15:themeFamily xmlns:thm15="http://schemas.microsoft.com/office/thememl/2012/main" xmlns="" name="Office Theme" id="{62F939B6-93AF-4DB8-9C6B-D6C7DFDC589F}" vid="{4A3C46E8-61CC-4603-A589-7422A47A8E4A}"/>
     </a:ext>
   </a:extLst>
 </a:theme>
